--- a/Chapitre_01_Energetique/Cy_06_01_TD_04_Twizy_AREVOIR/images/Figures.pptx
+++ b/Chapitre_01_Energetique/Cy_06_01_TD_04_Twizy_AREVOIR/images/Figures.pptx
@@ -5,15 +5,16 @@
     <p:sldMasterId id="2147483648" r:id="rId1"/>
   </p:sldMasterIdLst>
   <p:sldIdLst>
-    <p:sldId id="256" r:id="rId2"/>
-    <p:sldId id="257" r:id="rId3"/>
-    <p:sldId id="261" r:id="rId4"/>
-    <p:sldId id="262" r:id="rId5"/>
-    <p:sldId id="259" r:id="rId6"/>
-    <p:sldId id="258" r:id="rId7"/>
-    <p:sldId id="265" r:id="rId8"/>
-    <p:sldId id="266" r:id="rId9"/>
-    <p:sldId id="263" r:id="rId10"/>
+    <p:sldId id="267" r:id="rId2"/>
+    <p:sldId id="256" r:id="rId3"/>
+    <p:sldId id="257" r:id="rId4"/>
+    <p:sldId id="261" r:id="rId5"/>
+    <p:sldId id="262" r:id="rId6"/>
+    <p:sldId id="259" r:id="rId7"/>
+    <p:sldId id="258" r:id="rId8"/>
+    <p:sldId id="265" r:id="rId9"/>
+    <p:sldId id="266" r:id="rId10"/>
+    <p:sldId id="263" r:id="rId11"/>
   </p:sldIdLst>
   <p:sldSz cx="9144000" cy="6858000" type="screen4x3"/>
   <p:notesSz cx="6858000" cy="9144000"/>
@@ -112,6 +113,22 @@
       </a:defRPr>
     </a:lvl9pPr>
   </p:defaultTextStyle>
+  <p:extLst>
+    <p:ext uri="{EFAFB233-063F-42B5-8137-9DF3F51BA10A}">
+      <p15:sldGuideLst xmlns:p15="http://schemas.microsoft.com/office/powerpoint/2012/main">
+        <p15:guide id="1" orient="horz" pos="2160">
+          <p15:clr>
+            <a:srgbClr val="A4A3A4"/>
+          </p15:clr>
+        </p15:guide>
+        <p15:guide id="2" pos="2880">
+          <p15:clr>
+            <a:srgbClr val="A4A3A4"/>
+          </p15:clr>
+        </p15:guide>
+      </p15:sldGuideLst>
+    </p:ext>
+  </p:extLst>
 </p:presentation>
 </file>
 
@@ -153,7 +170,7 @@
           <a:lstStyle/>
           <a:p>
             <a:r>
-              <a:rPr lang="fr-FR" smtClean="0"/>
+              <a:rPr lang="fr-FR"/>
               <a:t>Cliquez pour modifier le style du titre</a:t>
             </a:r>
             <a:endParaRPr lang="fr-BE"/>
@@ -272,7 +289,7 @@
           </a:lstStyle>
           <a:p>
             <a:r>
-              <a:rPr lang="fr-FR" smtClean="0"/>
+              <a:rPr lang="fr-FR"/>
               <a:t>Cliquez pour modifier le style des sous-titres du masque</a:t>
             </a:r>
             <a:endParaRPr lang="fr-BE"/>
@@ -296,7 +313,7 @@
           <a:p>
             <a:fld id="{AA309A6D-C09C-4548-B29A-6CF363A7E532}" type="datetimeFigureOut">
               <a:rPr lang="fr-FR" smtClean="0"/>
-              <a:t>15/04/2018</a:t>
+              <a:t>21/01/2020</a:t>
             </a:fld>
             <a:endParaRPr lang="fr-BE"/>
           </a:p>
@@ -385,7 +402,7 @@
           <a:lstStyle/>
           <a:p>
             <a:r>
-              <a:rPr lang="fr-FR" smtClean="0"/>
+              <a:rPr lang="fr-FR"/>
               <a:t>Cliquez pour modifier le style du titre</a:t>
             </a:r>
             <a:endParaRPr lang="fr-BE"/>
@@ -409,35 +426,35 @@
           <a:p>
             <a:pPr lvl="0"/>
             <a:r>
-              <a:rPr lang="fr-FR" smtClean="0"/>
+              <a:rPr lang="fr-FR"/>
               <a:t>Cliquez pour modifier les styles du texte du masque</a:t>
             </a:r>
           </a:p>
           <a:p>
             <a:pPr lvl="1"/>
             <a:r>
-              <a:rPr lang="fr-FR" smtClean="0"/>
+              <a:rPr lang="fr-FR"/>
               <a:t>Deuxième niveau</a:t>
             </a:r>
           </a:p>
           <a:p>
             <a:pPr lvl="2"/>
             <a:r>
-              <a:rPr lang="fr-FR" smtClean="0"/>
+              <a:rPr lang="fr-FR"/>
               <a:t>Troisième niveau</a:t>
             </a:r>
           </a:p>
           <a:p>
             <a:pPr lvl="3"/>
             <a:r>
-              <a:rPr lang="fr-FR" smtClean="0"/>
+              <a:rPr lang="fr-FR"/>
               <a:t>Quatrième niveau</a:t>
             </a:r>
           </a:p>
           <a:p>
             <a:pPr lvl="4"/>
             <a:r>
-              <a:rPr lang="fr-FR" smtClean="0"/>
+              <a:rPr lang="fr-FR"/>
               <a:t>Cinquième niveau</a:t>
             </a:r>
             <a:endParaRPr lang="fr-BE"/>
@@ -461,7 +478,7 @@
           <a:p>
             <a:fld id="{AA309A6D-C09C-4548-B29A-6CF363A7E532}" type="datetimeFigureOut">
               <a:rPr lang="fr-FR" smtClean="0"/>
-              <a:t>15/04/2018</a:t>
+              <a:t>21/01/2020</a:t>
             </a:fld>
             <a:endParaRPr lang="fr-BE"/>
           </a:p>
@@ -555,7 +572,7 @@
           <a:lstStyle/>
           <a:p>
             <a:r>
-              <a:rPr lang="fr-FR" smtClean="0"/>
+              <a:rPr lang="fr-FR"/>
               <a:t>Cliquez pour modifier le style du titre</a:t>
             </a:r>
             <a:endParaRPr lang="fr-BE"/>
@@ -584,35 +601,35 @@
           <a:p>
             <a:pPr lvl="0"/>
             <a:r>
-              <a:rPr lang="fr-FR" smtClean="0"/>
+              <a:rPr lang="fr-FR"/>
               <a:t>Cliquez pour modifier les styles du texte du masque</a:t>
             </a:r>
           </a:p>
           <a:p>
             <a:pPr lvl="1"/>
             <a:r>
-              <a:rPr lang="fr-FR" smtClean="0"/>
+              <a:rPr lang="fr-FR"/>
               <a:t>Deuxième niveau</a:t>
             </a:r>
           </a:p>
           <a:p>
             <a:pPr lvl="2"/>
             <a:r>
-              <a:rPr lang="fr-FR" smtClean="0"/>
+              <a:rPr lang="fr-FR"/>
               <a:t>Troisième niveau</a:t>
             </a:r>
           </a:p>
           <a:p>
             <a:pPr lvl="3"/>
             <a:r>
-              <a:rPr lang="fr-FR" smtClean="0"/>
+              <a:rPr lang="fr-FR"/>
               <a:t>Quatrième niveau</a:t>
             </a:r>
           </a:p>
           <a:p>
             <a:pPr lvl="4"/>
             <a:r>
-              <a:rPr lang="fr-FR" smtClean="0"/>
+              <a:rPr lang="fr-FR"/>
               <a:t>Cinquième niveau</a:t>
             </a:r>
             <a:endParaRPr lang="fr-BE"/>
@@ -636,7 +653,7 @@
           <a:p>
             <a:fld id="{AA309A6D-C09C-4548-B29A-6CF363A7E532}" type="datetimeFigureOut">
               <a:rPr lang="fr-FR" smtClean="0"/>
-              <a:t>15/04/2018</a:t>
+              <a:t>21/01/2020</a:t>
             </a:fld>
             <a:endParaRPr lang="fr-BE"/>
           </a:p>
@@ -725,7 +742,7 @@
           <a:lstStyle/>
           <a:p>
             <a:r>
-              <a:rPr lang="fr-FR" smtClean="0"/>
+              <a:rPr lang="fr-FR"/>
               <a:t>Cliquez pour modifier le style du titre</a:t>
             </a:r>
             <a:endParaRPr lang="fr-BE"/>
@@ -749,35 +766,35 @@
           <a:p>
             <a:pPr lvl="0"/>
             <a:r>
-              <a:rPr lang="fr-FR" smtClean="0"/>
+              <a:rPr lang="fr-FR"/>
               <a:t>Cliquez pour modifier les styles du texte du masque</a:t>
             </a:r>
           </a:p>
           <a:p>
             <a:pPr lvl="1"/>
             <a:r>
-              <a:rPr lang="fr-FR" smtClean="0"/>
+              <a:rPr lang="fr-FR"/>
               <a:t>Deuxième niveau</a:t>
             </a:r>
           </a:p>
           <a:p>
             <a:pPr lvl="2"/>
             <a:r>
-              <a:rPr lang="fr-FR" smtClean="0"/>
+              <a:rPr lang="fr-FR"/>
               <a:t>Troisième niveau</a:t>
             </a:r>
           </a:p>
           <a:p>
             <a:pPr lvl="3"/>
             <a:r>
-              <a:rPr lang="fr-FR" smtClean="0"/>
+              <a:rPr lang="fr-FR"/>
               <a:t>Quatrième niveau</a:t>
             </a:r>
           </a:p>
           <a:p>
             <a:pPr lvl="4"/>
             <a:r>
-              <a:rPr lang="fr-FR" smtClean="0"/>
+              <a:rPr lang="fr-FR"/>
               <a:t>Cinquième niveau</a:t>
             </a:r>
             <a:endParaRPr lang="fr-BE"/>
@@ -801,7 +818,7 @@
           <a:p>
             <a:fld id="{AA309A6D-C09C-4548-B29A-6CF363A7E532}" type="datetimeFigureOut">
               <a:rPr lang="fr-FR" smtClean="0"/>
-              <a:t>15/04/2018</a:t>
+              <a:t>21/01/2020</a:t>
             </a:fld>
             <a:endParaRPr lang="fr-BE"/>
           </a:p>
@@ -899,7 +916,7 @@
           </a:lstStyle>
           <a:p>
             <a:r>
-              <a:rPr lang="fr-FR" smtClean="0"/>
+              <a:rPr lang="fr-FR"/>
               <a:t>Cliquez pour modifier le style du titre</a:t>
             </a:r>
             <a:endParaRPr lang="fr-BE"/>
@@ -1019,7 +1036,7 @@
           <a:p>
             <a:pPr lvl="0"/>
             <a:r>
-              <a:rPr lang="fr-FR" smtClean="0"/>
+              <a:rPr lang="fr-FR"/>
               <a:t>Cliquez pour modifier les styles du texte du masque</a:t>
             </a:r>
           </a:p>
@@ -1042,7 +1059,7 @@
           <a:p>
             <a:fld id="{AA309A6D-C09C-4548-B29A-6CF363A7E532}" type="datetimeFigureOut">
               <a:rPr lang="fr-FR" smtClean="0"/>
-              <a:t>15/04/2018</a:t>
+              <a:t>21/01/2020</a:t>
             </a:fld>
             <a:endParaRPr lang="fr-BE"/>
           </a:p>
@@ -1131,7 +1148,7 @@
           <a:lstStyle/>
           <a:p>
             <a:r>
-              <a:rPr lang="fr-FR" smtClean="0"/>
+              <a:rPr lang="fr-FR"/>
               <a:t>Cliquez pour modifier le style du titre</a:t>
             </a:r>
             <a:endParaRPr lang="fr-BE"/>
@@ -1188,35 +1205,35 @@
           <a:p>
             <a:pPr lvl="0"/>
             <a:r>
-              <a:rPr lang="fr-FR" smtClean="0"/>
+              <a:rPr lang="fr-FR"/>
               <a:t>Cliquez pour modifier les styles du texte du masque</a:t>
             </a:r>
           </a:p>
           <a:p>
             <a:pPr lvl="1"/>
             <a:r>
-              <a:rPr lang="fr-FR" smtClean="0"/>
+              <a:rPr lang="fr-FR"/>
               <a:t>Deuxième niveau</a:t>
             </a:r>
           </a:p>
           <a:p>
             <a:pPr lvl="2"/>
             <a:r>
-              <a:rPr lang="fr-FR" smtClean="0"/>
+              <a:rPr lang="fr-FR"/>
               <a:t>Troisième niveau</a:t>
             </a:r>
           </a:p>
           <a:p>
             <a:pPr lvl="3"/>
             <a:r>
-              <a:rPr lang="fr-FR" smtClean="0"/>
+              <a:rPr lang="fr-FR"/>
               <a:t>Quatrième niveau</a:t>
             </a:r>
           </a:p>
           <a:p>
             <a:pPr lvl="4"/>
             <a:r>
-              <a:rPr lang="fr-FR" smtClean="0"/>
+              <a:rPr lang="fr-FR"/>
               <a:t>Cinquième niveau</a:t>
             </a:r>
             <a:endParaRPr lang="fr-BE"/>
@@ -1273,35 +1290,35 @@
           <a:p>
             <a:pPr lvl="0"/>
             <a:r>
-              <a:rPr lang="fr-FR" smtClean="0"/>
+              <a:rPr lang="fr-FR"/>
               <a:t>Cliquez pour modifier les styles du texte du masque</a:t>
             </a:r>
           </a:p>
           <a:p>
             <a:pPr lvl="1"/>
             <a:r>
-              <a:rPr lang="fr-FR" smtClean="0"/>
+              <a:rPr lang="fr-FR"/>
               <a:t>Deuxième niveau</a:t>
             </a:r>
           </a:p>
           <a:p>
             <a:pPr lvl="2"/>
             <a:r>
-              <a:rPr lang="fr-FR" smtClean="0"/>
+              <a:rPr lang="fr-FR"/>
               <a:t>Troisième niveau</a:t>
             </a:r>
           </a:p>
           <a:p>
             <a:pPr lvl="3"/>
             <a:r>
-              <a:rPr lang="fr-FR" smtClean="0"/>
+              <a:rPr lang="fr-FR"/>
               <a:t>Quatrième niveau</a:t>
             </a:r>
           </a:p>
           <a:p>
             <a:pPr lvl="4"/>
             <a:r>
-              <a:rPr lang="fr-FR" smtClean="0"/>
+              <a:rPr lang="fr-FR"/>
               <a:t>Cinquième niveau</a:t>
             </a:r>
             <a:endParaRPr lang="fr-BE"/>
@@ -1325,7 +1342,7 @@
           <a:p>
             <a:fld id="{AA309A6D-C09C-4548-B29A-6CF363A7E532}" type="datetimeFigureOut">
               <a:rPr lang="fr-FR" smtClean="0"/>
-              <a:t>15/04/2018</a:t>
+              <a:t>21/01/2020</a:t>
             </a:fld>
             <a:endParaRPr lang="fr-BE"/>
           </a:p>
@@ -1418,7 +1435,7 @@
           </a:lstStyle>
           <a:p>
             <a:r>
-              <a:rPr lang="fr-FR" smtClean="0"/>
+              <a:rPr lang="fr-FR"/>
               <a:t>Cliquez pour modifier le style du titre</a:t>
             </a:r>
             <a:endParaRPr lang="fr-BE"/>
@@ -1484,7 +1501,7 @@
           <a:p>
             <a:pPr lvl="0"/>
             <a:r>
-              <a:rPr lang="fr-FR" smtClean="0"/>
+              <a:rPr lang="fr-FR"/>
               <a:t>Cliquez pour modifier les styles du texte du masque</a:t>
             </a:r>
           </a:p>
@@ -1540,35 +1557,35 @@
           <a:p>
             <a:pPr lvl="0"/>
             <a:r>
-              <a:rPr lang="fr-FR" smtClean="0"/>
+              <a:rPr lang="fr-FR"/>
               <a:t>Cliquez pour modifier les styles du texte du masque</a:t>
             </a:r>
           </a:p>
           <a:p>
             <a:pPr lvl="1"/>
             <a:r>
-              <a:rPr lang="fr-FR" smtClean="0"/>
+              <a:rPr lang="fr-FR"/>
               <a:t>Deuxième niveau</a:t>
             </a:r>
           </a:p>
           <a:p>
             <a:pPr lvl="2"/>
             <a:r>
-              <a:rPr lang="fr-FR" smtClean="0"/>
+              <a:rPr lang="fr-FR"/>
               <a:t>Troisième niveau</a:t>
             </a:r>
           </a:p>
           <a:p>
             <a:pPr lvl="3"/>
             <a:r>
-              <a:rPr lang="fr-FR" smtClean="0"/>
+              <a:rPr lang="fr-FR"/>
               <a:t>Quatrième niveau</a:t>
             </a:r>
           </a:p>
           <a:p>
             <a:pPr lvl="4"/>
             <a:r>
-              <a:rPr lang="fr-FR" smtClean="0"/>
+              <a:rPr lang="fr-FR"/>
               <a:t>Cinquième niveau</a:t>
             </a:r>
             <a:endParaRPr lang="fr-BE"/>
@@ -1634,7 +1651,7 @@
           <a:p>
             <a:pPr lvl="0"/>
             <a:r>
-              <a:rPr lang="fr-FR" smtClean="0"/>
+              <a:rPr lang="fr-FR"/>
               <a:t>Cliquez pour modifier les styles du texte du masque</a:t>
             </a:r>
           </a:p>
@@ -1690,35 +1707,35 @@
           <a:p>
             <a:pPr lvl="0"/>
             <a:r>
-              <a:rPr lang="fr-FR" smtClean="0"/>
+              <a:rPr lang="fr-FR"/>
               <a:t>Cliquez pour modifier les styles du texte du masque</a:t>
             </a:r>
           </a:p>
           <a:p>
             <a:pPr lvl="1"/>
             <a:r>
-              <a:rPr lang="fr-FR" smtClean="0"/>
+              <a:rPr lang="fr-FR"/>
               <a:t>Deuxième niveau</a:t>
             </a:r>
           </a:p>
           <a:p>
             <a:pPr lvl="2"/>
             <a:r>
-              <a:rPr lang="fr-FR" smtClean="0"/>
+              <a:rPr lang="fr-FR"/>
               <a:t>Troisième niveau</a:t>
             </a:r>
           </a:p>
           <a:p>
             <a:pPr lvl="3"/>
             <a:r>
-              <a:rPr lang="fr-FR" smtClean="0"/>
+              <a:rPr lang="fr-FR"/>
               <a:t>Quatrième niveau</a:t>
             </a:r>
           </a:p>
           <a:p>
             <a:pPr lvl="4"/>
             <a:r>
-              <a:rPr lang="fr-FR" smtClean="0"/>
+              <a:rPr lang="fr-FR"/>
               <a:t>Cinquième niveau</a:t>
             </a:r>
             <a:endParaRPr lang="fr-BE"/>
@@ -1742,7 +1759,7 @@
           <a:p>
             <a:fld id="{AA309A6D-C09C-4548-B29A-6CF363A7E532}" type="datetimeFigureOut">
               <a:rPr lang="fr-FR" smtClean="0"/>
-              <a:t>15/04/2018</a:t>
+              <a:t>21/01/2020</a:t>
             </a:fld>
             <a:endParaRPr lang="fr-BE"/>
           </a:p>
@@ -1831,7 +1848,7 @@
           <a:lstStyle/>
           <a:p>
             <a:r>
-              <a:rPr lang="fr-FR" smtClean="0"/>
+              <a:rPr lang="fr-FR"/>
               <a:t>Cliquez pour modifier le style du titre</a:t>
             </a:r>
             <a:endParaRPr lang="fr-BE"/>
@@ -1855,7 +1872,7 @@
           <a:p>
             <a:fld id="{AA309A6D-C09C-4548-B29A-6CF363A7E532}" type="datetimeFigureOut">
               <a:rPr lang="fr-FR" smtClean="0"/>
-              <a:t>15/04/2018</a:t>
+              <a:t>21/01/2020</a:t>
             </a:fld>
             <a:endParaRPr lang="fr-BE"/>
           </a:p>
@@ -1945,7 +1962,7 @@
           <a:p>
             <a:fld id="{AA309A6D-C09C-4548-B29A-6CF363A7E532}" type="datetimeFigureOut">
               <a:rPr lang="fr-FR" smtClean="0"/>
-              <a:t>15/04/2018</a:t>
+              <a:t>21/01/2020</a:t>
             </a:fld>
             <a:endParaRPr lang="fr-BE"/>
           </a:p>
@@ -2043,7 +2060,7 @@
           </a:lstStyle>
           <a:p>
             <a:r>
-              <a:rPr lang="fr-FR" smtClean="0"/>
+              <a:rPr lang="fr-FR"/>
               <a:t>Cliquez pour modifier le style du titre</a:t>
             </a:r>
             <a:endParaRPr lang="fr-BE"/>
@@ -2100,35 +2117,35 @@
           <a:p>
             <a:pPr lvl="0"/>
             <a:r>
-              <a:rPr lang="fr-FR" smtClean="0"/>
+              <a:rPr lang="fr-FR"/>
               <a:t>Cliquez pour modifier les styles du texte du masque</a:t>
             </a:r>
           </a:p>
           <a:p>
             <a:pPr lvl="1"/>
             <a:r>
-              <a:rPr lang="fr-FR" smtClean="0"/>
+              <a:rPr lang="fr-FR"/>
               <a:t>Deuxième niveau</a:t>
             </a:r>
           </a:p>
           <a:p>
             <a:pPr lvl="2"/>
             <a:r>
-              <a:rPr lang="fr-FR" smtClean="0"/>
+              <a:rPr lang="fr-FR"/>
               <a:t>Troisième niveau</a:t>
             </a:r>
           </a:p>
           <a:p>
             <a:pPr lvl="3"/>
             <a:r>
-              <a:rPr lang="fr-FR" smtClean="0"/>
+              <a:rPr lang="fr-FR"/>
               <a:t>Quatrième niveau</a:t>
             </a:r>
           </a:p>
           <a:p>
             <a:pPr lvl="4"/>
             <a:r>
-              <a:rPr lang="fr-FR" smtClean="0"/>
+              <a:rPr lang="fr-FR"/>
               <a:t>Cinquième niveau</a:t>
             </a:r>
             <a:endParaRPr lang="fr-BE"/>
@@ -2194,7 +2211,7 @@
           <a:p>
             <a:pPr lvl="0"/>
             <a:r>
-              <a:rPr lang="fr-FR" smtClean="0"/>
+              <a:rPr lang="fr-FR"/>
               <a:t>Cliquez pour modifier les styles du texte du masque</a:t>
             </a:r>
           </a:p>
@@ -2217,7 +2234,7 @@
           <a:p>
             <a:fld id="{AA309A6D-C09C-4548-B29A-6CF363A7E532}" type="datetimeFigureOut">
               <a:rPr lang="fr-FR" smtClean="0"/>
-              <a:t>15/04/2018</a:t>
+              <a:t>21/01/2020</a:t>
             </a:fld>
             <a:endParaRPr lang="fr-BE"/>
           </a:p>
@@ -2315,7 +2332,7 @@
           </a:lstStyle>
           <a:p>
             <a:r>
-              <a:rPr lang="fr-FR" smtClean="0"/>
+              <a:rPr lang="fr-FR"/>
               <a:t>Cliquez pour modifier le style du titre</a:t>
             </a:r>
             <a:endParaRPr lang="fr-BE"/>
@@ -2442,7 +2459,7 @@
           <a:p>
             <a:pPr lvl="0"/>
             <a:r>
-              <a:rPr lang="fr-FR" smtClean="0"/>
+              <a:rPr lang="fr-FR"/>
               <a:t>Cliquez pour modifier les styles du texte du masque</a:t>
             </a:r>
           </a:p>
@@ -2465,7 +2482,7 @@
           <a:p>
             <a:fld id="{AA309A6D-C09C-4548-B29A-6CF363A7E532}" type="datetimeFigureOut">
               <a:rPr lang="fr-FR" smtClean="0"/>
-              <a:t>15/04/2018</a:t>
+              <a:t>21/01/2020</a:t>
             </a:fld>
             <a:endParaRPr lang="fr-BE"/>
           </a:p>
@@ -2569,7 +2586,7 @@
           <a:lstStyle/>
           <a:p>
             <a:r>
-              <a:rPr lang="fr-FR" smtClean="0"/>
+              <a:rPr lang="fr-FR"/>
               <a:t>Cliquez pour modifier le style du titre</a:t>
             </a:r>
             <a:endParaRPr lang="fr-BE"/>
@@ -2603,35 +2620,35 @@
           <a:p>
             <a:pPr lvl="0"/>
             <a:r>
-              <a:rPr lang="fr-FR" smtClean="0"/>
+              <a:rPr lang="fr-FR"/>
               <a:t>Cliquez pour modifier les styles du texte du masque</a:t>
             </a:r>
           </a:p>
           <a:p>
             <a:pPr lvl="1"/>
             <a:r>
-              <a:rPr lang="fr-FR" smtClean="0"/>
+              <a:rPr lang="fr-FR"/>
               <a:t>Deuxième niveau</a:t>
             </a:r>
           </a:p>
           <a:p>
             <a:pPr lvl="2"/>
             <a:r>
-              <a:rPr lang="fr-FR" smtClean="0"/>
+              <a:rPr lang="fr-FR"/>
               <a:t>Troisième niveau</a:t>
             </a:r>
           </a:p>
           <a:p>
             <a:pPr lvl="3"/>
             <a:r>
-              <a:rPr lang="fr-FR" smtClean="0"/>
+              <a:rPr lang="fr-FR"/>
               <a:t>Quatrième niveau</a:t>
             </a:r>
           </a:p>
           <a:p>
             <a:pPr lvl="4"/>
             <a:r>
-              <a:rPr lang="fr-FR" smtClean="0"/>
+              <a:rPr lang="fr-FR"/>
               <a:t>Cinquième niveau</a:t>
             </a:r>
             <a:endParaRPr lang="fr-BE"/>
@@ -2673,7 +2690,7 @@
           <a:p>
             <a:fld id="{AA309A6D-C09C-4548-B29A-6CF363A7E532}" type="datetimeFigureOut">
               <a:rPr lang="fr-FR" smtClean="0"/>
-              <a:t>15/04/2018</a:t>
+              <a:t>21/01/2020</a:t>
             </a:fld>
             <a:endParaRPr lang="fr-BE"/>
           </a:p>
@@ -3027,6 +3044,3074 @@
 </file>
 
 <file path=ppt/slides/slide1.xml><?xml version="1.0" encoding="utf-8"?>
+<p:sld xmlns:a="http://schemas.openxmlformats.org/drawingml/2006/main" xmlns:r="http://schemas.openxmlformats.org/officeDocument/2006/relationships" xmlns:p="http://schemas.openxmlformats.org/presentationml/2006/main">
+  <p:cSld>
+    <p:spTree>
+      <p:nvGrpSpPr>
+        <p:cNvPr id="1" name=""/>
+        <p:cNvGrpSpPr/>
+        <p:nvPr/>
+      </p:nvGrpSpPr>
+      <p:grpSpPr>
+        <a:xfrm>
+          <a:off x="0" y="0"/>
+          <a:ext cx="0" cy="0"/>
+          <a:chOff x="0" y="0"/>
+          <a:chExt cx="0" cy="0"/>
+        </a:xfrm>
+      </p:grpSpPr>
+      <p:cxnSp>
+        <p:nvCxnSpPr>
+          <p:cNvPr id="40" name="Connecteur droit 39">
+            <a:extLst>
+              <a:ext uri="{FF2B5EF4-FFF2-40B4-BE49-F238E27FC236}">
+                <a16:creationId xmlns:a16="http://schemas.microsoft.com/office/drawing/2014/main" id="{B5524AB9-E274-4CAD-9314-B15A26F52D12}"/>
+              </a:ext>
+            </a:extLst>
+          </p:cNvPr>
+          <p:cNvCxnSpPr>
+            <a:cxnSpLocks/>
+            <a:stCxn id="21" idx="7"/>
+            <a:endCxn id="8" idx="3"/>
+          </p:cNvCxnSpPr>
+          <p:nvPr/>
+        </p:nvCxnSpPr>
+        <p:spPr>
+          <a:xfrm flipH="1">
+            <a:off x="3756518" y="4767325"/>
+            <a:ext cx="917317" cy="707726"/>
+          </a:xfrm>
+          <a:prstGeom prst="line">
+            <a:avLst/>
+          </a:prstGeom>
+          <a:ln w="19050">
+            <a:solidFill>
+              <a:schemeClr val="tx1"/>
+            </a:solidFill>
+          </a:ln>
+        </p:spPr>
+        <p:style>
+          <a:lnRef idx="1">
+            <a:schemeClr val="accent1"/>
+          </a:lnRef>
+          <a:fillRef idx="0">
+            <a:schemeClr val="accent1"/>
+          </a:fillRef>
+          <a:effectRef idx="0">
+            <a:schemeClr val="accent1"/>
+          </a:effectRef>
+          <a:fontRef idx="minor">
+            <a:schemeClr val="tx1"/>
+          </a:fontRef>
+        </p:style>
+      </p:cxnSp>
+      <p:cxnSp>
+        <p:nvCxnSpPr>
+          <p:cNvPr id="11" name="Connecteur droit 10"/>
+          <p:cNvCxnSpPr>
+            <a:cxnSpLocks/>
+            <a:stCxn id="26" idx="0"/>
+            <a:endCxn id="21" idx="4"/>
+          </p:cNvCxnSpPr>
+          <p:nvPr/>
+        </p:nvCxnSpPr>
+        <p:spPr>
+          <a:xfrm>
+            <a:off x="4572000" y="4005064"/>
+            <a:ext cx="0" cy="1008112"/>
+          </a:xfrm>
+          <a:prstGeom prst="line">
+            <a:avLst/>
+          </a:prstGeom>
+          <a:ln w="19050">
+            <a:solidFill>
+              <a:schemeClr val="tx1"/>
+            </a:solidFill>
+          </a:ln>
+        </p:spPr>
+        <p:style>
+          <a:lnRef idx="1">
+            <a:schemeClr val="accent1"/>
+          </a:lnRef>
+          <a:fillRef idx="0">
+            <a:schemeClr val="accent1"/>
+          </a:fillRef>
+          <a:effectRef idx="0">
+            <a:schemeClr val="accent1"/>
+          </a:effectRef>
+          <a:fontRef idx="minor">
+            <a:schemeClr val="tx1"/>
+          </a:fontRef>
+        </p:style>
+      </p:cxnSp>
+      <p:cxnSp>
+        <p:nvCxnSpPr>
+          <p:cNvPr id="14" name="Connecteur droit 13"/>
+          <p:cNvCxnSpPr>
+            <a:cxnSpLocks/>
+            <a:stCxn id="26" idx="7"/>
+            <a:endCxn id="24" idx="3"/>
+          </p:cNvCxnSpPr>
+          <p:nvPr/>
+        </p:nvCxnSpPr>
+        <p:spPr>
+          <a:xfrm flipH="1">
+            <a:off x="3030004" y="4047245"/>
+            <a:ext cx="1643831" cy="923750"/>
+          </a:xfrm>
+          <a:prstGeom prst="line">
+            <a:avLst/>
+          </a:prstGeom>
+          <a:ln w="19050">
+            <a:solidFill>
+              <a:schemeClr val="tx1"/>
+            </a:solidFill>
+          </a:ln>
+        </p:spPr>
+        <p:style>
+          <a:lnRef idx="1">
+            <a:schemeClr val="accent1"/>
+          </a:lnRef>
+          <a:fillRef idx="0">
+            <a:schemeClr val="accent1"/>
+          </a:fillRef>
+          <a:effectRef idx="0">
+            <a:schemeClr val="accent1"/>
+          </a:effectRef>
+          <a:fontRef idx="minor">
+            <a:schemeClr val="tx1"/>
+          </a:fontRef>
+        </p:style>
+      </p:cxnSp>
+      <p:cxnSp>
+        <p:nvCxnSpPr>
+          <p:cNvPr id="17" name="Connecteur droit 16"/>
+          <p:cNvCxnSpPr>
+            <a:cxnSpLocks/>
+            <a:stCxn id="24" idx="1"/>
+            <a:endCxn id="8" idx="5"/>
+          </p:cNvCxnSpPr>
+          <p:nvPr/>
+        </p:nvCxnSpPr>
+        <p:spPr>
+          <a:xfrm>
+            <a:off x="3030004" y="4767325"/>
+            <a:ext cx="930184" cy="707726"/>
+          </a:xfrm>
+          <a:prstGeom prst="line">
+            <a:avLst/>
+          </a:prstGeom>
+          <a:ln w="19050">
+            <a:solidFill>
+              <a:schemeClr val="tx1"/>
+            </a:solidFill>
+          </a:ln>
+        </p:spPr>
+        <p:style>
+          <a:lnRef idx="1">
+            <a:schemeClr val="accent1"/>
+          </a:lnRef>
+          <a:fillRef idx="0">
+            <a:schemeClr val="accent1"/>
+          </a:fillRef>
+          <a:effectRef idx="0">
+            <a:schemeClr val="accent1"/>
+          </a:effectRef>
+          <a:fontRef idx="minor">
+            <a:schemeClr val="tx1"/>
+          </a:fontRef>
+        </p:style>
+      </p:cxnSp>
+      <mc:AlternateContent xmlns:mc="http://schemas.openxmlformats.org/markup-compatibility/2006">
+        <mc:Choice xmlns:a14="http://schemas.microsoft.com/office/drawing/2010/main" Requires="a14">
+          <p:sp>
+            <p:nvSpPr>
+              <p:cNvPr id="31" name="ZoneTexte 30"/>
+              <p:cNvSpPr txBox="1"/>
+              <p:nvPr/>
+            </p:nvSpPr>
+            <p:spPr>
+              <a:xfrm>
+                <a:off x="4078196" y="5121188"/>
+                <a:ext cx="1162498" cy="430887"/>
+              </a:xfrm>
+              <a:prstGeom prst="rect">
+                <a:avLst/>
+              </a:prstGeom>
+              <a:noFill/>
+            </p:spPr>
+            <p:txBody>
+              <a:bodyPr wrap="none" rtlCol="0">
+                <a:spAutoFit/>
+              </a:bodyPr>
+              <a:lstStyle/>
+              <a:p>
+                <a:r>
+                  <a:rPr lang="fr-FR" sz="1100" b="0" dirty="0"/>
+                  <a:t>Contact ponctuel</a:t>
+                </a:r>
+              </a:p>
+              <a:p>
+                <a14:m>
+                  <m:oMathPara xmlns:m="http://schemas.openxmlformats.org/officeDocument/2006/math">
+                    <m:oMathParaPr>
+                      <m:jc m:val="centerGroup"/>
+                    </m:oMathParaPr>
+                    <m:oMath xmlns:m="http://schemas.openxmlformats.org/officeDocument/2006/math">
+                      <m:d>
+                        <m:dPr>
+                          <m:ctrlPr>
+                            <a:rPr lang="fr-FR" sz="1100" i="1" smtClean="0">
+                              <a:latin typeface="Cambria Math" panose="02040503050406030204" pitchFamily="18" charset="0"/>
+                            </a:rPr>
+                          </m:ctrlPr>
+                        </m:dPr>
+                        <m:e>
+                          <m:sSub>
+                            <m:sSubPr>
+                              <m:ctrlPr>
+                                <a:rPr lang="fr-FR" sz="1100" b="0" i="1" smtClean="0">
+                                  <a:latin typeface="Cambria Math" panose="02040503050406030204" pitchFamily="18" charset="0"/>
+                                </a:rPr>
+                              </m:ctrlPr>
+                            </m:sSubPr>
+                            <m:e>
+                              <m:r>
+                                <a:rPr lang="fr-FR" sz="1100" b="0" i="1" smtClean="0">
+                                  <a:latin typeface="Cambria Math" panose="02040503050406030204" pitchFamily="18" charset="0"/>
+                                </a:rPr>
+                                <m:t>𝐼</m:t>
+                              </m:r>
+                            </m:e>
+                            <m:sub>
+                              <m:r>
+                                <a:rPr lang="fr-FR" sz="1100" b="0" i="1" smtClean="0">
+                                  <a:latin typeface="Cambria Math" panose="02040503050406030204" pitchFamily="18" charset="0"/>
+                                </a:rPr>
+                                <m:t>1</m:t>
+                              </m:r>
+                            </m:sub>
+                          </m:sSub>
+                          <m:r>
+                            <a:rPr lang="fr-FR" sz="1100" b="0" i="1" smtClean="0">
+                              <a:latin typeface="Cambria Math" panose="02040503050406030204" pitchFamily="18" charset="0"/>
+                            </a:rPr>
+                            <m:t>,</m:t>
+                          </m:r>
+                          <m:acc>
+                            <m:accPr>
+                              <m:chr m:val="⃗"/>
+                              <m:ctrlPr>
+                                <a:rPr lang="fr-FR" sz="1100" b="0" i="1" smtClean="0">
+                                  <a:latin typeface="Cambria Math" panose="02040503050406030204" pitchFamily="18" charset="0"/>
+                                </a:rPr>
+                              </m:ctrlPr>
+                            </m:accPr>
+                            <m:e>
+                              <m:sSub>
+                                <m:sSubPr>
+                                  <m:ctrlPr>
+                                    <a:rPr lang="fr-FR" sz="1100" b="0" i="1" smtClean="0">
+                                      <a:latin typeface="Cambria Math" panose="02040503050406030204" pitchFamily="18" charset="0"/>
+                                    </a:rPr>
+                                  </m:ctrlPr>
+                                </m:sSubPr>
+                                <m:e>
+                                  <m:r>
+                                    <a:rPr lang="fr-FR" sz="1100" b="0" i="1" smtClean="0">
+                                      <a:latin typeface="Cambria Math" panose="02040503050406030204" pitchFamily="18" charset="0"/>
+                                    </a:rPr>
+                                    <m:t>𝑧</m:t>
+                                  </m:r>
+                                </m:e>
+                                <m:sub>
+                                  <m:r>
+                                    <a:rPr lang="fr-FR" sz="1100" b="0" i="1" smtClean="0">
+                                      <a:latin typeface="Cambria Math" panose="02040503050406030204" pitchFamily="18" charset="0"/>
+                                    </a:rPr>
+                                    <m:t>𝑠</m:t>
+                                  </m:r>
+                                </m:sub>
+                              </m:sSub>
+                            </m:e>
+                          </m:acc>
+                        </m:e>
+                      </m:d>
+                    </m:oMath>
+                  </m:oMathPara>
+                </a14:m>
+                <a:endParaRPr lang="fr-FR" sz="1100" dirty="0"/>
+              </a:p>
+            </p:txBody>
+          </p:sp>
+        </mc:Choice>
+        <mc:Fallback>
+          <p:sp>
+            <p:nvSpPr>
+              <p:cNvPr id="31" name="ZoneTexte 30"/>
+              <p:cNvSpPr txBox="1">
+                <a:spLocks noRot="1" noChangeAspect="1" noMove="1" noResize="1" noEditPoints="1" noAdjustHandles="1" noChangeArrowheads="1" noChangeShapeType="1" noTextEdit="1"/>
+              </p:cNvSpPr>
+              <p:nvPr/>
+            </p:nvSpPr>
+            <p:spPr>
+              <a:xfrm>
+                <a:off x="4078196" y="5121188"/>
+                <a:ext cx="1162498" cy="430887"/>
+              </a:xfrm>
+              <a:prstGeom prst="rect">
+                <a:avLst/>
+              </a:prstGeom>
+              <a:blipFill>
+                <a:blip r:embed="rId2"/>
+                <a:stretch>
+                  <a:fillRect t="-1408"/>
+                </a:stretch>
+              </a:blipFill>
+            </p:spPr>
+            <p:txBody>
+              <a:bodyPr/>
+              <a:lstStyle/>
+              <a:p>
+                <a:r>
+                  <a:rPr lang="fr-FR">
+                    <a:noFill/>
+                  </a:rPr>
+                  <a:t> </a:t>
+                </a:r>
+              </a:p>
+            </p:txBody>
+          </p:sp>
+        </mc:Fallback>
+      </mc:AlternateContent>
+      <p:grpSp>
+        <p:nvGrpSpPr>
+          <p:cNvPr id="25" name="Groupe 24">
+            <a:extLst>
+              <a:ext uri="{FF2B5EF4-FFF2-40B4-BE49-F238E27FC236}">
+                <a16:creationId xmlns:a16="http://schemas.microsoft.com/office/drawing/2014/main" id="{0CB78485-87F1-4AD0-A503-6DAE95C8BF8E}"/>
+              </a:ext>
+            </a:extLst>
+          </p:cNvPr>
+          <p:cNvGrpSpPr/>
+          <p:nvPr/>
+        </p:nvGrpSpPr>
+        <p:grpSpPr>
+          <a:xfrm>
+            <a:off x="3714337" y="5229200"/>
+            <a:ext cx="295920" cy="621156"/>
+            <a:chOff x="3873050" y="5445224"/>
+            <a:chExt cx="295920" cy="621156"/>
+          </a:xfrm>
+        </p:grpSpPr>
+        <p:sp>
+          <p:nvSpPr>
+            <p:cNvPr id="8" name="Ellipse 7"/>
+            <p:cNvSpPr/>
+            <p:nvPr/>
+          </p:nvSpPr>
+          <p:spPr>
+            <a:xfrm>
+              <a:off x="3873050" y="5445224"/>
+              <a:ext cx="288032" cy="288032"/>
+            </a:xfrm>
+            <a:prstGeom prst="ellipse">
+              <a:avLst/>
+            </a:prstGeom>
+            <a:solidFill>
+              <a:schemeClr val="accent6">
+                <a:lumMod val="20000"/>
+                <a:lumOff val="80000"/>
+              </a:schemeClr>
+            </a:solidFill>
+            <a:ln w="19050">
+              <a:solidFill>
+                <a:schemeClr val="accent6">
+                  <a:lumMod val="50000"/>
+                </a:schemeClr>
+              </a:solidFill>
+            </a:ln>
+          </p:spPr>
+          <p:style>
+            <a:lnRef idx="2">
+              <a:schemeClr val="accent1">
+                <a:shade val="50000"/>
+              </a:schemeClr>
+            </a:lnRef>
+            <a:fillRef idx="1">
+              <a:schemeClr val="accent1"/>
+            </a:fillRef>
+            <a:effectRef idx="0">
+              <a:schemeClr val="accent1"/>
+            </a:effectRef>
+            <a:fontRef idx="minor">
+              <a:schemeClr val="lt1"/>
+            </a:fontRef>
+          </p:style>
+          <p:txBody>
+            <a:bodyPr rtlCol="0" anchor="ctr"/>
+            <a:lstStyle/>
+            <a:p>
+              <a:pPr algn="ctr"/>
+              <a:r>
+                <a:rPr lang="fr-FR" sz="1400" b="1" dirty="0">
+                  <a:solidFill>
+                    <a:schemeClr val="accent6">
+                      <a:lumMod val="50000"/>
+                    </a:schemeClr>
+                  </a:solidFill>
+                </a:rPr>
+                <a:t>0</a:t>
+              </a:r>
+            </a:p>
+          </p:txBody>
+        </p:sp>
+        <p:cxnSp>
+          <p:nvCxnSpPr>
+            <p:cNvPr id="41" name="Connecteur droit 40"/>
+            <p:cNvCxnSpPr>
+              <a:cxnSpLocks/>
+              <a:endCxn id="8" idx="4"/>
+            </p:cNvCxnSpPr>
+            <p:nvPr/>
+          </p:nvCxnSpPr>
+          <p:spPr>
+            <a:xfrm flipV="1">
+              <a:off x="4017066" y="5733256"/>
+              <a:ext cx="0" cy="179484"/>
+            </a:xfrm>
+            <a:prstGeom prst="line">
+              <a:avLst/>
+            </a:prstGeom>
+            <a:solidFill>
+              <a:schemeClr val="accent6">
+                <a:lumMod val="20000"/>
+                <a:lumOff val="80000"/>
+              </a:schemeClr>
+            </a:solidFill>
+            <a:ln w="19050">
+              <a:solidFill>
+                <a:schemeClr val="accent6">
+                  <a:lumMod val="50000"/>
+                </a:schemeClr>
+              </a:solidFill>
+            </a:ln>
+          </p:spPr>
+          <p:style>
+            <a:lnRef idx="2">
+              <a:schemeClr val="accent1">
+                <a:shade val="50000"/>
+              </a:schemeClr>
+            </a:lnRef>
+            <a:fillRef idx="1">
+              <a:schemeClr val="accent1"/>
+            </a:fillRef>
+            <a:effectRef idx="0">
+              <a:schemeClr val="accent1"/>
+            </a:effectRef>
+            <a:fontRef idx="minor">
+              <a:schemeClr val="lt1"/>
+            </a:fontRef>
+          </p:style>
+        </p:cxnSp>
+        <p:grpSp>
+          <p:nvGrpSpPr>
+            <p:cNvPr id="23" name="Groupe 22">
+              <a:extLst>
+                <a:ext uri="{FF2B5EF4-FFF2-40B4-BE49-F238E27FC236}">
+                  <a16:creationId xmlns:a16="http://schemas.microsoft.com/office/drawing/2014/main" id="{F805A954-67A5-438D-92E1-3867AA6112B1}"/>
+                </a:ext>
+              </a:extLst>
+            </p:cNvPr>
+            <p:cNvGrpSpPr/>
+            <p:nvPr/>
+          </p:nvGrpSpPr>
+          <p:grpSpPr>
+            <a:xfrm rot="16200000">
+              <a:off x="3948755" y="5846164"/>
+              <a:ext cx="152400" cy="288031"/>
+              <a:chOff x="3549522" y="5445225"/>
+              <a:chExt cx="152400" cy="288031"/>
+            </a:xfrm>
+          </p:grpSpPr>
+          <p:sp>
+            <p:nvSpPr>
+              <p:cNvPr id="15" name="Rectangle 14"/>
+              <p:cNvSpPr/>
+              <p:nvPr/>
+            </p:nvSpPr>
+            <p:spPr>
+              <a:xfrm>
+                <a:off x="3549522" y="5445225"/>
+                <a:ext cx="152400" cy="286396"/>
+              </a:xfrm>
+              <a:prstGeom prst="rect">
+                <a:avLst/>
+              </a:prstGeom>
+              <a:solidFill>
+                <a:schemeClr val="accent6">
+                  <a:lumMod val="20000"/>
+                  <a:lumOff val="80000"/>
+                </a:schemeClr>
+              </a:solidFill>
+              <a:ln w="19050">
+                <a:noFill/>
+              </a:ln>
+            </p:spPr>
+            <p:style>
+              <a:lnRef idx="2">
+                <a:schemeClr val="accent1">
+                  <a:shade val="50000"/>
+                </a:schemeClr>
+              </a:lnRef>
+              <a:fillRef idx="1">
+                <a:schemeClr val="accent1"/>
+              </a:fillRef>
+              <a:effectRef idx="0">
+                <a:schemeClr val="accent1"/>
+              </a:effectRef>
+              <a:fontRef idx="minor">
+                <a:schemeClr val="lt1"/>
+              </a:fontRef>
+            </p:style>
+            <p:txBody>
+              <a:bodyPr rtlCol="0" anchor="ctr"/>
+              <a:lstStyle/>
+              <a:p>
+                <a:pPr algn="ctr"/>
+                <a:endParaRPr lang="fr-FR" sz="1400" b="1">
+                  <a:solidFill>
+                    <a:schemeClr val="accent6">
+                      <a:lumMod val="50000"/>
+                    </a:schemeClr>
+                  </a:solidFill>
+                </a:endParaRPr>
+              </a:p>
+            </p:txBody>
+          </p:sp>
+          <p:cxnSp>
+            <p:nvCxnSpPr>
+              <p:cNvPr id="43" name="Connecteur droit 42"/>
+              <p:cNvCxnSpPr/>
+              <p:nvPr/>
+            </p:nvCxnSpPr>
+            <p:spPr>
+              <a:xfrm flipV="1">
+                <a:off x="3701922" y="5445225"/>
+                <a:ext cx="0" cy="288031"/>
+              </a:xfrm>
+              <a:prstGeom prst="line">
+                <a:avLst/>
+              </a:prstGeom>
+              <a:solidFill>
+                <a:schemeClr val="accent6">
+                  <a:lumMod val="20000"/>
+                  <a:lumOff val="80000"/>
+                </a:schemeClr>
+              </a:solidFill>
+              <a:ln w="19050">
+                <a:solidFill>
+                  <a:schemeClr val="accent6">
+                    <a:lumMod val="50000"/>
+                  </a:schemeClr>
+                </a:solidFill>
+              </a:ln>
+            </p:spPr>
+            <p:style>
+              <a:lnRef idx="2">
+                <a:schemeClr val="accent1">
+                  <a:shade val="50000"/>
+                </a:schemeClr>
+              </a:lnRef>
+              <a:fillRef idx="1">
+                <a:schemeClr val="accent1"/>
+              </a:fillRef>
+              <a:effectRef idx="0">
+                <a:schemeClr val="accent1"/>
+              </a:effectRef>
+              <a:fontRef idx="minor">
+                <a:schemeClr val="lt1"/>
+              </a:fontRef>
+            </p:style>
+          </p:cxnSp>
+        </p:grpSp>
+      </p:grpSp>
+      <p:sp>
+        <p:nvSpPr>
+          <p:cNvPr id="45" name="ZoneTexte 44"/>
+          <p:cNvSpPr txBox="1"/>
+          <p:nvPr/>
+        </p:nvSpPr>
+        <p:spPr>
+          <a:xfrm>
+            <a:off x="1401732" y="1340768"/>
+            <a:ext cx="1083951" cy="261610"/>
+          </a:xfrm>
+          <a:prstGeom prst="rect">
+            <a:avLst/>
+          </a:prstGeom>
+          <a:noFill/>
+        </p:spPr>
+        <p:txBody>
+          <a:bodyPr wrap="none" rtlCol="0">
+            <a:spAutoFit/>
+          </a:bodyPr>
+          <a:lstStyle/>
+          <a:p>
+            <a:r>
+              <a:rPr lang="fr-FR" sz="1100" b="0" dirty="0"/>
+              <a:t>Liaison à définir</a:t>
+            </a:r>
+            <a:endParaRPr lang="fr-FR" sz="1100" dirty="0"/>
+          </a:p>
+        </p:txBody>
+      </p:sp>
+      <p:sp>
+        <p:nvSpPr>
+          <p:cNvPr id="21" name="Ellipse 20">
+            <a:extLst>
+              <a:ext uri="{FF2B5EF4-FFF2-40B4-BE49-F238E27FC236}">
+                <a16:creationId xmlns:a16="http://schemas.microsoft.com/office/drawing/2014/main" id="{37FF68B2-4480-4110-9C75-53F0185D497D}"/>
+              </a:ext>
+            </a:extLst>
+          </p:cNvPr>
+          <p:cNvSpPr/>
+          <p:nvPr/>
+        </p:nvSpPr>
+        <p:spPr>
+          <a:xfrm>
+            <a:off x="4427984" y="4725144"/>
+            <a:ext cx="288032" cy="288032"/>
+          </a:xfrm>
+          <a:prstGeom prst="ellipse">
+            <a:avLst/>
+          </a:prstGeom>
+          <a:solidFill>
+            <a:schemeClr val="accent4">
+              <a:lumMod val="20000"/>
+              <a:lumOff val="80000"/>
+            </a:schemeClr>
+          </a:solidFill>
+          <a:ln w="19050">
+            <a:solidFill>
+              <a:schemeClr val="accent4"/>
+            </a:solidFill>
+          </a:ln>
+        </p:spPr>
+        <p:style>
+          <a:lnRef idx="2">
+            <a:schemeClr val="accent1">
+              <a:shade val="50000"/>
+            </a:schemeClr>
+          </a:lnRef>
+          <a:fillRef idx="1">
+            <a:schemeClr val="accent1"/>
+          </a:fillRef>
+          <a:effectRef idx="0">
+            <a:schemeClr val="accent1"/>
+          </a:effectRef>
+          <a:fontRef idx="minor">
+            <a:schemeClr val="lt1"/>
+          </a:fontRef>
+        </p:style>
+        <p:txBody>
+          <a:bodyPr rtlCol="0" anchor="ctr"/>
+          <a:lstStyle/>
+          <a:p>
+            <a:pPr algn="ctr"/>
+            <a:r>
+              <a:rPr lang="fr-FR" sz="1400" b="1" dirty="0">
+                <a:solidFill>
+                  <a:schemeClr val="accent4"/>
+                </a:solidFill>
+              </a:rPr>
+              <a:t>1</a:t>
+            </a:r>
+          </a:p>
+        </p:txBody>
+      </p:sp>
+      <p:sp>
+        <p:nvSpPr>
+          <p:cNvPr id="24" name="Ellipse 23">
+            <a:extLst>
+              <a:ext uri="{FF2B5EF4-FFF2-40B4-BE49-F238E27FC236}">
+                <a16:creationId xmlns:a16="http://schemas.microsoft.com/office/drawing/2014/main" id="{40DF5AEF-4039-4AD6-B5D8-2BEE3F7244CE}"/>
+              </a:ext>
+            </a:extLst>
+          </p:cNvPr>
+          <p:cNvSpPr/>
+          <p:nvPr/>
+        </p:nvSpPr>
+        <p:spPr>
+          <a:xfrm>
+            <a:off x="2987823" y="4725144"/>
+            <a:ext cx="288032" cy="288032"/>
+          </a:xfrm>
+          <a:prstGeom prst="ellipse">
+            <a:avLst/>
+          </a:prstGeom>
+          <a:solidFill>
+            <a:schemeClr val="accent2">
+              <a:lumMod val="20000"/>
+              <a:lumOff val="80000"/>
+            </a:schemeClr>
+          </a:solidFill>
+          <a:ln w="19050">
+            <a:solidFill>
+              <a:schemeClr val="accent2"/>
+            </a:solidFill>
+          </a:ln>
+        </p:spPr>
+        <p:style>
+          <a:lnRef idx="2">
+            <a:schemeClr val="accent1">
+              <a:shade val="50000"/>
+            </a:schemeClr>
+          </a:lnRef>
+          <a:fillRef idx="1">
+            <a:schemeClr val="accent1"/>
+          </a:fillRef>
+          <a:effectRef idx="0">
+            <a:schemeClr val="accent1"/>
+          </a:effectRef>
+          <a:fontRef idx="minor">
+            <a:schemeClr val="lt1"/>
+          </a:fontRef>
+        </p:style>
+        <p:txBody>
+          <a:bodyPr rtlCol="0" anchor="ctr"/>
+          <a:lstStyle/>
+          <a:p>
+            <a:pPr algn="ctr"/>
+            <a:r>
+              <a:rPr lang="fr-FR" sz="1400" b="1" dirty="0">
+                <a:solidFill>
+                  <a:schemeClr val="accent2"/>
+                </a:solidFill>
+              </a:rPr>
+              <a:t>2</a:t>
+            </a:r>
+          </a:p>
+        </p:txBody>
+      </p:sp>
+      <p:sp>
+        <p:nvSpPr>
+          <p:cNvPr id="26" name="Ellipse 25">
+            <a:extLst>
+              <a:ext uri="{FF2B5EF4-FFF2-40B4-BE49-F238E27FC236}">
+                <a16:creationId xmlns:a16="http://schemas.microsoft.com/office/drawing/2014/main" id="{BE46B496-A914-40A5-B5D9-392006D7A22B}"/>
+              </a:ext>
+            </a:extLst>
+          </p:cNvPr>
+          <p:cNvSpPr/>
+          <p:nvPr/>
+        </p:nvSpPr>
+        <p:spPr>
+          <a:xfrm>
+            <a:off x="4427984" y="4005064"/>
+            <a:ext cx="288032" cy="288032"/>
+          </a:xfrm>
+          <a:prstGeom prst="ellipse">
+            <a:avLst/>
+          </a:prstGeom>
+          <a:solidFill>
+            <a:schemeClr val="accent3">
+              <a:lumMod val="20000"/>
+              <a:lumOff val="80000"/>
+            </a:schemeClr>
+          </a:solidFill>
+          <a:ln w="19050">
+            <a:solidFill>
+              <a:schemeClr val="accent3"/>
+            </a:solidFill>
+          </a:ln>
+        </p:spPr>
+        <p:style>
+          <a:lnRef idx="2">
+            <a:schemeClr val="accent1">
+              <a:shade val="50000"/>
+            </a:schemeClr>
+          </a:lnRef>
+          <a:fillRef idx="1">
+            <a:schemeClr val="accent1"/>
+          </a:fillRef>
+          <a:effectRef idx="0">
+            <a:schemeClr val="accent1"/>
+          </a:effectRef>
+          <a:fontRef idx="minor">
+            <a:schemeClr val="lt1"/>
+          </a:fontRef>
+        </p:style>
+        <p:txBody>
+          <a:bodyPr rtlCol="0" anchor="ctr"/>
+          <a:lstStyle/>
+          <a:p>
+            <a:pPr algn="ctr"/>
+            <a:r>
+              <a:rPr lang="fr-FR" sz="1400" b="1" dirty="0">
+                <a:solidFill>
+                  <a:schemeClr val="accent3"/>
+                </a:solidFill>
+              </a:rPr>
+              <a:t>3</a:t>
+            </a:r>
+          </a:p>
+        </p:txBody>
+      </p:sp>
+      <p:sp>
+        <p:nvSpPr>
+          <p:cNvPr id="28" name="Ellipse 27">
+            <a:extLst>
+              <a:ext uri="{FF2B5EF4-FFF2-40B4-BE49-F238E27FC236}">
+                <a16:creationId xmlns:a16="http://schemas.microsoft.com/office/drawing/2014/main" id="{B2DD8033-5E72-4F97-9C01-DEAF4C557F24}"/>
+              </a:ext>
+            </a:extLst>
+          </p:cNvPr>
+          <p:cNvSpPr/>
+          <p:nvPr/>
+        </p:nvSpPr>
+        <p:spPr>
+          <a:xfrm>
+            <a:off x="3419872" y="4005064"/>
+            <a:ext cx="288032" cy="288032"/>
+          </a:xfrm>
+          <a:prstGeom prst="ellipse">
+            <a:avLst/>
+          </a:prstGeom>
+          <a:solidFill>
+            <a:schemeClr val="bg1">
+              <a:lumMod val="85000"/>
+            </a:schemeClr>
+          </a:solidFill>
+          <a:ln w="19050">
+            <a:solidFill>
+              <a:schemeClr val="tx1"/>
+            </a:solidFill>
+          </a:ln>
+        </p:spPr>
+        <p:style>
+          <a:lnRef idx="2">
+            <a:schemeClr val="accent1">
+              <a:shade val="50000"/>
+            </a:schemeClr>
+          </a:lnRef>
+          <a:fillRef idx="1">
+            <a:schemeClr val="accent1"/>
+          </a:fillRef>
+          <a:effectRef idx="0">
+            <a:schemeClr val="accent1"/>
+          </a:effectRef>
+          <a:fontRef idx="minor">
+            <a:schemeClr val="lt1"/>
+          </a:fontRef>
+        </p:style>
+        <p:txBody>
+          <a:bodyPr rtlCol="0" anchor="ctr"/>
+          <a:lstStyle/>
+          <a:p>
+            <a:pPr algn="ctr"/>
+            <a:r>
+              <a:rPr lang="fr-FR" sz="1400" b="1" dirty="0">
+                <a:solidFill>
+                  <a:schemeClr val="tx1"/>
+                </a:solidFill>
+              </a:rPr>
+              <a:t>4</a:t>
+            </a:r>
+          </a:p>
+        </p:txBody>
+      </p:sp>
+      <mc:AlternateContent xmlns:mc="http://schemas.openxmlformats.org/markup-compatibility/2006">
+        <mc:Choice xmlns:a14="http://schemas.microsoft.com/office/drawing/2010/main" Requires="a14">
+          <p:sp>
+            <p:nvSpPr>
+              <p:cNvPr id="46" name="ZoneTexte 45">
+                <a:extLst>
+                  <a:ext uri="{FF2B5EF4-FFF2-40B4-BE49-F238E27FC236}">
+                    <a16:creationId xmlns:a16="http://schemas.microsoft.com/office/drawing/2014/main" id="{A0DA371A-6AAA-41E5-9D1A-5CF933935CC2}"/>
+                  </a:ext>
+                </a:extLst>
+              </p:cNvPr>
+              <p:cNvSpPr txBox="1"/>
+              <p:nvPr/>
+            </p:nvSpPr>
+            <p:spPr>
+              <a:xfrm>
+                <a:off x="2442116" y="5121188"/>
+                <a:ext cx="1162498" cy="430887"/>
+              </a:xfrm>
+              <a:prstGeom prst="rect">
+                <a:avLst/>
+              </a:prstGeom>
+              <a:noFill/>
+            </p:spPr>
+            <p:txBody>
+              <a:bodyPr wrap="none" rtlCol="0">
+                <a:spAutoFit/>
+              </a:bodyPr>
+              <a:lstStyle/>
+              <a:p>
+                <a:r>
+                  <a:rPr lang="fr-FR" sz="1100" b="0" dirty="0"/>
+                  <a:t>Contact ponctuel</a:t>
+                </a:r>
+              </a:p>
+              <a:p>
+                <a14:m>
+                  <m:oMathPara xmlns:m="http://schemas.openxmlformats.org/officeDocument/2006/math">
+                    <m:oMathParaPr>
+                      <m:jc m:val="centerGroup"/>
+                    </m:oMathParaPr>
+                    <m:oMath xmlns:m="http://schemas.openxmlformats.org/officeDocument/2006/math">
+                      <m:d>
+                        <m:dPr>
+                          <m:ctrlPr>
+                            <a:rPr lang="fr-FR" sz="1100" i="1" smtClean="0">
+                              <a:latin typeface="Cambria Math" panose="02040503050406030204" pitchFamily="18" charset="0"/>
+                            </a:rPr>
+                          </m:ctrlPr>
+                        </m:dPr>
+                        <m:e>
+                          <m:sSub>
+                            <m:sSubPr>
+                              <m:ctrlPr>
+                                <a:rPr lang="fr-FR" sz="1100" b="0" i="1" smtClean="0">
+                                  <a:latin typeface="Cambria Math" panose="02040503050406030204" pitchFamily="18" charset="0"/>
+                                </a:rPr>
+                              </m:ctrlPr>
+                            </m:sSubPr>
+                            <m:e>
+                              <m:r>
+                                <a:rPr lang="fr-FR" sz="1100" b="0" i="1" smtClean="0">
+                                  <a:latin typeface="Cambria Math" panose="02040503050406030204" pitchFamily="18" charset="0"/>
+                                </a:rPr>
+                                <m:t>𝐼</m:t>
+                              </m:r>
+                            </m:e>
+                            <m:sub>
+                              <m:r>
+                                <a:rPr lang="fr-FR" sz="1100" b="0" i="1" smtClean="0">
+                                  <a:latin typeface="Cambria Math" panose="02040503050406030204" pitchFamily="18" charset="0"/>
+                                </a:rPr>
+                                <m:t>2</m:t>
+                              </m:r>
+                            </m:sub>
+                          </m:sSub>
+                          <m:r>
+                            <a:rPr lang="fr-FR" sz="1100" b="0" i="1" smtClean="0">
+                              <a:latin typeface="Cambria Math" panose="02040503050406030204" pitchFamily="18" charset="0"/>
+                            </a:rPr>
+                            <m:t>,</m:t>
+                          </m:r>
+                          <m:acc>
+                            <m:accPr>
+                              <m:chr m:val="⃗"/>
+                              <m:ctrlPr>
+                                <a:rPr lang="fr-FR" sz="1100" b="0" i="1" smtClean="0">
+                                  <a:latin typeface="Cambria Math" panose="02040503050406030204" pitchFamily="18" charset="0"/>
+                                </a:rPr>
+                              </m:ctrlPr>
+                            </m:accPr>
+                            <m:e>
+                              <m:sSub>
+                                <m:sSubPr>
+                                  <m:ctrlPr>
+                                    <a:rPr lang="fr-FR" sz="1100" b="0" i="1" smtClean="0">
+                                      <a:latin typeface="Cambria Math" panose="02040503050406030204" pitchFamily="18" charset="0"/>
+                                    </a:rPr>
+                                  </m:ctrlPr>
+                                </m:sSubPr>
+                                <m:e>
+                                  <m:r>
+                                    <a:rPr lang="fr-FR" sz="1100" b="0" i="1" smtClean="0">
+                                      <a:latin typeface="Cambria Math" panose="02040503050406030204" pitchFamily="18" charset="0"/>
+                                    </a:rPr>
+                                    <m:t>𝑧</m:t>
+                                  </m:r>
+                                </m:e>
+                                <m:sub>
+                                  <m:r>
+                                    <a:rPr lang="fr-FR" sz="1100" b="0" i="1" smtClean="0">
+                                      <a:latin typeface="Cambria Math" panose="02040503050406030204" pitchFamily="18" charset="0"/>
+                                    </a:rPr>
+                                    <m:t>𝑠</m:t>
+                                  </m:r>
+                                </m:sub>
+                              </m:sSub>
+                            </m:e>
+                          </m:acc>
+                        </m:e>
+                      </m:d>
+                    </m:oMath>
+                  </m:oMathPara>
+                </a14:m>
+                <a:endParaRPr lang="fr-FR" sz="1100" dirty="0"/>
+              </a:p>
+            </p:txBody>
+          </p:sp>
+        </mc:Choice>
+        <mc:Fallback>
+          <p:sp>
+            <p:nvSpPr>
+              <p:cNvPr id="46" name="ZoneTexte 45">
+                <a:extLst>
+                  <a:ext uri="{FF2B5EF4-FFF2-40B4-BE49-F238E27FC236}">
+                    <a16:creationId xmlns:a16="http://schemas.microsoft.com/office/drawing/2014/main" id="{A0DA371A-6AAA-41E5-9D1A-5CF933935CC2}"/>
+                  </a:ext>
+                </a:extLst>
+              </p:cNvPr>
+              <p:cNvSpPr txBox="1">
+                <a:spLocks noRot="1" noChangeAspect="1" noMove="1" noResize="1" noEditPoints="1" noAdjustHandles="1" noChangeArrowheads="1" noChangeShapeType="1" noTextEdit="1"/>
+              </p:cNvSpPr>
+              <p:nvPr/>
+            </p:nvSpPr>
+            <p:spPr>
+              <a:xfrm>
+                <a:off x="2442116" y="5121188"/>
+                <a:ext cx="1162498" cy="430887"/>
+              </a:xfrm>
+              <a:prstGeom prst="rect">
+                <a:avLst/>
+              </a:prstGeom>
+              <a:blipFill>
+                <a:blip r:embed="rId3"/>
+                <a:stretch>
+                  <a:fillRect t="-1408"/>
+                </a:stretch>
+              </a:blipFill>
+            </p:spPr>
+            <p:txBody>
+              <a:bodyPr/>
+              <a:lstStyle/>
+              <a:p>
+                <a:r>
+                  <a:rPr lang="fr-FR">
+                    <a:noFill/>
+                  </a:rPr>
+                  <a:t> </a:t>
+                </a:r>
+              </a:p>
+            </p:txBody>
+          </p:sp>
+        </mc:Fallback>
+      </mc:AlternateContent>
+      <mc:AlternateContent xmlns:mc="http://schemas.openxmlformats.org/markup-compatibility/2006">
+        <mc:Choice xmlns:a14="http://schemas.microsoft.com/office/drawing/2010/main" Requires="a14">
+          <p:sp>
+            <p:nvSpPr>
+              <p:cNvPr id="49" name="ZoneTexte 48">
+                <a:extLst>
+                  <a:ext uri="{FF2B5EF4-FFF2-40B4-BE49-F238E27FC236}">
+                    <a16:creationId xmlns:a16="http://schemas.microsoft.com/office/drawing/2014/main" id="{84C65330-ED68-43A8-9795-D8D1F0F11DBB}"/>
+                  </a:ext>
+                </a:extLst>
+              </p:cNvPr>
+              <p:cNvSpPr txBox="1"/>
+              <p:nvPr/>
+            </p:nvSpPr>
+            <p:spPr>
+              <a:xfrm>
+                <a:off x="4572000" y="4294257"/>
+                <a:ext cx="801215" cy="430887"/>
+              </a:xfrm>
+              <a:prstGeom prst="rect">
+                <a:avLst/>
+              </a:prstGeom>
+              <a:noFill/>
+            </p:spPr>
+            <p:txBody>
+              <a:bodyPr wrap="square" rtlCol="0">
+                <a:spAutoFit/>
+              </a:bodyPr>
+              <a:lstStyle/>
+              <a:p>
+                <a:pPr algn="ctr"/>
+                <a:r>
+                  <a:rPr lang="fr-FR" sz="1100" b="0" dirty="0"/>
+                  <a:t>Pivot</a:t>
+                </a:r>
+              </a:p>
+              <a:p>
+                <a:pPr algn="ctr"/>
+                <a14:m>
+                  <m:oMathPara xmlns:m="http://schemas.openxmlformats.org/officeDocument/2006/math">
+                    <m:oMathParaPr>
+                      <m:jc m:val="centerGroup"/>
+                    </m:oMathParaPr>
+                    <m:oMath xmlns:m="http://schemas.openxmlformats.org/officeDocument/2006/math">
+                      <m:d>
+                        <m:dPr>
+                          <m:ctrlPr>
+                            <a:rPr lang="fr-FR" sz="1100" i="1" smtClean="0">
+                              <a:latin typeface="Cambria Math" panose="02040503050406030204" pitchFamily="18" charset="0"/>
+                            </a:rPr>
+                          </m:ctrlPr>
+                        </m:dPr>
+                        <m:e>
+                          <m:sSub>
+                            <m:sSubPr>
+                              <m:ctrlPr>
+                                <a:rPr lang="fr-FR" sz="1100" b="0" i="1" smtClean="0">
+                                  <a:latin typeface="Cambria Math" panose="02040503050406030204" pitchFamily="18" charset="0"/>
+                                </a:rPr>
+                              </m:ctrlPr>
+                            </m:sSubPr>
+                            <m:e>
+                              <m:r>
+                                <a:rPr lang="fr-FR" sz="1100" b="0" i="1" smtClean="0">
+                                  <a:latin typeface="Cambria Math" panose="02040503050406030204" pitchFamily="18" charset="0"/>
+                                </a:rPr>
+                                <m:t>𝑂</m:t>
+                              </m:r>
+                            </m:e>
+                            <m:sub>
+                              <m:r>
+                                <a:rPr lang="fr-FR" sz="1100" b="0" i="1" smtClean="0">
+                                  <a:latin typeface="Cambria Math" panose="02040503050406030204" pitchFamily="18" charset="0"/>
+                                </a:rPr>
+                                <m:t>1</m:t>
+                              </m:r>
+                            </m:sub>
+                          </m:sSub>
+                          <m:r>
+                            <a:rPr lang="fr-FR" sz="1100" b="0" i="1" smtClean="0">
+                              <a:latin typeface="Cambria Math" panose="02040503050406030204" pitchFamily="18" charset="0"/>
+                            </a:rPr>
+                            <m:t>,</m:t>
+                          </m:r>
+                          <m:acc>
+                            <m:accPr>
+                              <m:chr m:val="⃗"/>
+                              <m:ctrlPr>
+                                <a:rPr lang="fr-FR" sz="1100" b="0" i="1" smtClean="0">
+                                  <a:latin typeface="Cambria Math" panose="02040503050406030204" pitchFamily="18" charset="0"/>
+                                </a:rPr>
+                              </m:ctrlPr>
+                            </m:accPr>
+                            <m:e>
+                              <m:sSub>
+                                <m:sSubPr>
+                                  <m:ctrlPr>
+                                    <a:rPr lang="fr-FR" sz="1100" b="0" i="1" smtClean="0">
+                                      <a:latin typeface="Cambria Math" panose="02040503050406030204" pitchFamily="18" charset="0"/>
+                                    </a:rPr>
+                                  </m:ctrlPr>
+                                </m:sSubPr>
+                                <m:e>
+                                  <m:r>
+                                    <a:rPr lang="fr-FR" sz="1100" b="0" i="1" smtClean="0">
+                                      <a:latin typeface="Cambria Math" panose="02040503050406030204" pitchFamily="18" charset="0"/>
+                                    </a:rPr>
+                                    <m:t>𝑦</m:t>
+                                  </m:r>
+                                </m:e>
+                                <m:sub>
+                                  <m:r>
+                                    <a:rPr lang="fr-FR" sz="1100" b="0" i="1" smtClean="0">
+                                      <a:latin typeface="Cambria Math" panose="02040503050406030204" pitchFamily="18" charset="0"/>
+                                    </a:rPr>
+                                    <m:t>𝑠</m:t>
+                                  </m:r>
+                                </m:sub>
+                              </m:sSub>
+                            </m:e>
+                          </m:acc>
+                        </m:e>
+                      </m:d>
+                    </m:oMath>
+                  </m:oMathPara>
+                </a14:m>
+                <a:endParaRPr lang="fr-FR" sz="1100" dirty="0"/>
+              </a:p>
+            </p:txBody>
+          </p:sp>
+        </mc:Choice>
+        <mc:Fallback>
+          <p:sp>
+            <p:nvSpPr>
+              <p:cNvPr id="49" name="ZoneTexte 48">
+                <a:extLst>
+                  <a:ext uri="{FF2B5EF4-FFF2-40B4-BE49-F238E27FC236}">
+                    <a16:creationId xmlns:a16="http://schemas.microsoft.com/office/drawing/2014/main" id="{84C65330-ED68-43A8-9795-D8D1F0F11DBB}"/>
+                  </a:ext>
+                </a:extLst>
+              </p:cNvPr>
+              <p:cNvSpPr txBox="1">
+                <a:spLocks noRot="1" noChangeAspect="1" noMove="1" noResize="1" noEditPoints="1" noAdjustHandles="1" noChangeArrowheads="1" noChangeShapeType="1" noTextEdit="1"/>
+              </p:cNvSpPr>
+              <p:nvPr/>
+            </p:nvSpPr>
+            <p:spPr>
+              <a:xfrm>
+                <a:off x="4572000" y="4294257"/>
+                <a:ext cx="801215" cy="430887"/>
+              </a:xfrm>
+              <a:prstGeom prst="rect">
+                <a:avLst/>
+              </a:prstGeom>
+              <a:blipFill>
+                <a:blip r:embed="rId4"/>
+                <a:stretch>
+                  <a:fillRect t="-1408"/>
+                </a:stretch>
+              </a:blipFill>
+            </p:spPr>
+            <p:txBody>
+              <a:bodyPr/>
+              <a:lstStyle/>
+              <a:p>
+                <a:r>
+                  <a:rPr lang="fr-FR">
+                    <a:noFill/>
+                  </a:rPr>
+                  <a:t> </a:t>
+                </a:r>
+              </a:p>
+            </p:txBody>
+          </p:sp>
+        </mc:Fallback>
+      </mc:AlternateContent>
+      <mc:AlternateContent xmlns:mc="http://schemas.openxmlformats.org/markup-compatibility/2006">
+        <mc:Choice xmlns:a14="http://schemas.microsoft.com/office/drawing/2010/main" Requires="a14">
+          <p:sp>
+            <p:nvSpPr>
+              <p:cNvPr id="50" name="ZoneTexte 49">
+                <a:extLst>
+                  <a:ext uri="{FF2B5EF4-FFF2-40B4-BE49-F238E27FC236}">
+                    <a16:creationId xmlns:a16="http://schemas.microsoft.com/office/drawing/2014/main" id="{78B17D61-7F39-413D-98AB-0490027599D4}"/>
+                  </a:ext>
+                </a:extLst>
+              </p:cNvPr>
+              <p:cNvSpPr txBox="1"/>
+              <p:nvPr/>
+            </p:nvSpPr>
+            <p:spPr>
+              <a:xfrm>
+                <a:off x="3464548" y="4530791"/>
+                <a:ext cx="801215" cy="430887"/>
+              </a:xfrm>
+              <a:prstGeom prst="rect">
+                <a:avLst/>
+              </a:prstGeom>
+              <a:noFill/>
+            </p:spPr>
+            <p:txBody>
+              <a:bodyPr wrap="square" rtlCol="0">
+                <a:spAutoFit/>
+              </a:bodyPr>
+              <a:lstStyle/>
+              <a:p>
+                <a:pPr algn="ctr"/>
+                <a:r>
+                  <a:rPr lang="fr-FR" sz="1100" b="0" dirty="0"/>
+                  <a:t>Pivot</a:t>
+                </a:r>
+              </a:p>
+              <a:p>
+                <a:pPr algn="ctr"/>
+                <a14:m>
+                  <m:oMathPara xmlns:m="http://schemas.openxmlformats.org/officeDocument/2006/math">
+                    <m:oMathParaPr>
+                      <m:jc m:val="centerGroup"/>
+                    </m:oMathParaPr>
+                    <m:oMath xmlns:m="http://schemas.openxmlformats.org/officeDocument/2006/math">
+                      <m:d>
+                        <m:dPr>
+                          <m:ctrlPr>
+                            <a:rPr lang="fr-FR" sz="1100" i="1" smtClean="0">
+                              <a:latin typeface="Cambria Math" panose="02040503050406030204" pitchFamily="18" charset="0"/>
+                            </a:rPr>
+                          </m:ctrlPr>
+                        </m:dPr>
+                        <m:e>
+                          <m:sSub>
+                            <m:sSubPr>
+                              <m:ctrlPr>
+                                <a:rPr lang="fr-FR" sz="1100" b="0" i="1" smtClean="0">
+                                  <a:latin typeface="Cambria Math" panose="02040503050406030204" pitchFamily="18" charset="0"/>
+                                </a:rPr>
+                              </m:ctrlPr>
+                            </m:sSubPr>
+                            <m:e>
+                              <m:r>
+                                <a:rPr lang="fr-FR" sz="1100" b="0" i="1" smtClean="0">
+                                  <a:latin typeface="Cambria Math" panose="02040503050406030204" pitchFamily="18" charset="0"/>
+                                </a:rPr>
+                                <m:t>𝑂</m:t>
+                              </m:r>
+                            </m:e>
+                            <m:sub>
+                              <m:r>
+                                <a:rPr lang="fr-FR" sz="1100" b="0" i="1" smtClean="0">
+                                  <a:latin typeface="Cambria Math" panose="02040503050406030204" pitchFamily="18" charset="0"/>
+                                </a:rPr>
+                                <m:t>2</m:t>
+                              </m:r>
+                            </m:sub>
+                          </m:sSub>
+                          <m:r>
+                            <a:rPr lang="fr-FR" sz="1100" b="0" i="1" smtClean="0">
+                              <a:latin typeface="Cambria Math" panose="02040503050406030204" pitchFamily="18" charset="0"/>
+                            </a:rPr>
+                            <m:t>,</m:t>
+                          </m:r>
+                          <m:acc>
+                            <m:accPr>
+                              <m:chr m:val="⃗"/>
+                              <m:ctrlPr>
+                                <a:rPr lang="fr-FR" sz="1100" b="0" i="1" smtClean="0">
+                                  <a:latin typeface="Cambria Math" panose="02040503050406030204" pitchFamily="18" charset="0"/>
+                                </a:rPr>
+                              </m:ctrlPr>
+                            </m:accPr>
+                            <m:e>
+                              <m:sSub>
+                                <m:sSubPr>
+                                  <m:ctrlPr>
+                                    <a:rPr lang="fr-FR" sz="1100" b="0" i="1" smtClean="0">
+                                      <a:latin typeface="Cambria Math" panose="02040503050406030204" pitchFamily="18" charset="0"/>
+                                    </a:rPr>
+                                  </m:ctrlPr>
+                                </m:sSubPr>
+                                <m:e>
+                                  <m:r>
+                                    <a:rPr lang="fr-FR" sz="1100" b="0" i="1" smtClean="0">
+                                      <a:latin typeface="Cambria Math" panose="02040503050406030204" pitchFamily="18" charset="0"/>
+                                    </a:rPr>
+                                    <m:t>𝑦</m:t>
+                                  </m:r>
+                                </m:e>
+                                <m:sub>
+                                  <m:r>
+                                    <a:rPr lang="fr-FR" sz="1100" b="0" i="1" smtClean="0">
+                                      <a:latin typeface="Cambria Math" panose="02040503050406030204" pitchFamily="18" charset="0"/>
+                                    </a:rPr>
+                                    <m:t>𝑠</m:t>
+                                  </m:r>
+                                </m:sub>
+                              </m:sSub>
+                            </m:e>
+                          </m:acc>
+                        </m:e>
+                      </m:d>
+                    </m:oMath>
+                  </m:oMathPara>
+                </a14:m>
+                <a:endParaRPr lang="fr-FR" sz="1100" dirty="0"/>
+              </a:p>
+            </p:txBody>
+          </p:sp>
+        </mc:Choice>
+        <mc:Fallback>
+          <p:sp>
+            <p:nvSpPr>
+              <p:cNvPr id="50" name="ZoneTexte 49">
+                <a:extLst>
+                  <a:ext uri="{FF2B5EF4-FFF2-40B4-BE49-F238E27FC236}">
+                    <a16:creationId xmlns:a16="http://schemas.microsoft.com/office/drawing/2014/main" id="{78B17D61-7F39-413D-98AB-0490027599D4}"/>
+                  </a:ext>
+                </a:extLst>
+              </p:cNvPr>
+              <p:cNvSpPr txBox="1">
+                <a:spLocks noRot="1" noChangeAspect="1" noMove="1" noResize="1" noEditPoints="1" noAdjustHandles="1" noChangeArrowheads="1" noChangeShapeType="1" noTextEdit="1"/>
+              </p:cNvSpPr>
+              <p:nvPr/>
+            </p:nvSpPr>
+            <p:spPr>
+              <a:xfrm>
+                <a:off x="3464548" y="4530791"/>
+                <a:ext cx="801215" cy="430887"/>
+              </a:xfrm>
+              <a:prstGeom prst="rect">
+                <a:avLst/>
+              </a:prstGeom>
+              <a:blipFill>
+                <a:blip r:embed="rId5"/>
+                <a:stretch>
+                  <a:fillRect t="-1408"/>
+                </a:stretch>
+              </a:blipFill>
+            </p:spPr>
+            <p:txBody>
+              <a:bodyPr/>
+              <a:lstStyle/>
+              <a:p>
+                <a:r>
+                  <a:rPr lang="fr-FR">
+                    <a:noFill/>
+                  </a:rPr>
+                  <a:t> </a:t>
+                </a:r>
+              </a:p>
+            </p:txBody>
+          </p:sp>
+        </mc:Fallback>
+      </mc:AlternateContent>
+      <p:cxnSp>
+        <p:nvCxnSpPr>
+          <p:cNvPr id="51" name="Connecteur droit 50">
+            <a:extLst>
+              <a:ext uri="{FF2B5EF4-FFF2-40B4-BE49-F238E27FC236}">
+                <a16:creationId xmlns:a16="http://schemas.microsoft.com/office/drawing/2014/main" id="{E2ACF6AF-BE87-47B4-8279-A6B54665D913}"/>
+              </a:ext>
+            </a:extLst>
+          </p:cNvPr>
+          <p:cNvCxnSpPr>
+            <a:cxnSpLocks/>
+            <a:stCxn id="26" idx="2"/>
+            <a:endCxn id="28" idx="6"/>
+          </p:cNvCxnSpPr>
+          <p:nvPr/>
+        </p:nvCxnSpPr>
+        <p:spPr>
+          <a:xfrm flipH="1">
+            <a:off x="3707904" y="4149080"/>
+            <a:ext cx="720080" cy="0"/>
+          </a:xfrm>
+          <a:prstGeom prst="line">
+            <a:avLst/>
+          </a:prstGeom>
+          <a:ln w="19050">
+            <a:solidFill>
+              <a:schemeClr val="tx1"/>
+            </a:solidFill>
+          </a:ln>
+        </p:spPr>
+        <p:style>
+          <a:lnRef idx="1">
+            <a:schemeClr val="accent1"/>
+          </a:lnRef>
+          <a:fillRef idx="0">
+            <a:schemeClr val="accent1"/>
+          </a:fillRef>
+          <a:effectRef idx="0">
+            <a:schemeClr val="accent1"/>
+          </a:effectRef>
+          <a:fontRef idx="minor">
+            <a:schemeClr val="tx1"/>
+          </a:fontRef>
+        </p:style>
+      </p:cxnSp>
+      <mc:AlternateContent xmlns:mc="http://schemas.openxmlformats.org/markup-compatibility/2006">
+        <mc:Choice xmlns:a14="http://schemas.microsoft.com/office/drawing/2010/main" Requires="a14">
+          <p:sp>
+            <p:nvSpPr>
+              <p:cNvPr id="56" name="ZoneTexte 55">
+                <a:extLst>
+                  <a:ext uri="{FF2B5EF4-FFF2-40B4-BE49-F238E27FC236}">
+                    <a16:creationId xmlns:a16="http://schemas.microsoft.com/office/drawing/2014/main" id="{E7729708-86CF-4095-B0D2-8D06E72FE426}"/>
+                  </a:ext>
+                </a:extLst>
+              </p:cNvPr>
+              <p:cNvSpPr txBox="1"/>
+              <p:nvPr/>
+            </p:nvSpPr>
+            <p:spPr>
+              <a:xfrm>
+                <a:off x="3677588" y="3723309"/>
+                <a:ext cx="801215" cy="430887"/>
+              </a:xfrm>
+              <a:prstGeom prst="rect">
+                <a:avLst/>
+              </a:prstGeom>
+              <a:noFill/>
+            </p:spPr>
+            <p:txBody>
+              <a:bodyPr wrap="square" rtlCol="0">
+                <a:spAutoFit/>
+              </a:bodyPr>
+              <a:lstStyle/>
+              <a:p>
+                <a:pPr algn="ctr"/>
+                <a:r>
+                  <a:rPr lang="fr-FR" sz="1100" b="0" dirty="0"/>
+                  <a:t>Pivot</a:t>
+                </a:r>
+              </a:p>
+              <a:p>
+                <a:pPr algn="ctr"/>
+                <a14:m>
+                  <m:oMathPara xmlns:m="http://schemas.openxmlformats.org/officeDocument/2006/math">
+                    <m:oMathParaPr>
+                      <m:jc m:val="centerGroup"/>
+                    </m:oMathParaPr>
+                    <m:oMath xmlns:m="http://schemas.openxmlformats.org/officeDocument/2006/math">
+                      <m:d>
+                        <m:dPr>
+                          <m:ctrlPr>
+                            <a:rPr lang="fr-FR" sz="1100" i="1" smtClean="0">
+                              <a:latin typeface="Cambria Math" panose="02040503050406030204" pitchFamily="18" charset="0"/>
+                            </a:rPr>
+                          </m:ctrlPr>
+                        </m:dPr>
+                        <m:e>
+                          <m:r>
+                            <a:rPr lang="fr-FR" sz="1100" b="0" i="1" smtClean="0">
+                              <a:latin typeface="Cambria Math" panose="02040503050406030204" pitchFamily="18" charset="0"/>
+                            </a:rPr>
+                            <m:t>𝐴</m:t>
+                          </m:r>
+                          <m:r>
+                            <a:rPr lang="fr-FR" sz="1100" b="0" i="1" smtClean="0">
+                              <a:latin typeface="Cambria Math" panose="02040503050406030204" pitchFamily="18" charset="0"/>
+                            </a:rPr>
+                            <m:t>,</m:t>
+                          </m:r>
+                          <m:acc>
+                            <m:accPr>
+                              <m:chr m:val="⃗"/>
+                              <m:ctrlPr>
+                                <a:rPr lang="fr-FR" sz="1100" b="0" i="1" smtClean="0">
+                                  <a:latin typeface="Cambria Math" panose="02040503050406030204" pitchFamily="18" charset="0"/>
+                                </a:rPr>
+                              </m:ctrlPr>
+                            </m:accPr>
+                            <m:e>
+                              <m:sSub>
+                                <m:sSubPr>
+                                  <m:ctrlPr>
+                                    <a:rPr lang="fr-FR" sz="1100" b="0" i="1" smtClean="0">
+                                      <a:latin typeface="Cambria Math" panose="02040503050406030204" pitchFamily="18" charset="0"/>
+                                    </a:rPr>
+                                  </m:ctrlPr>
+                                </m:sSubPr>
+                                <m:e>
+                                  <m:r>
+                                    <a:rPr lang="fr-FR" sz="1100" b="0" i="1" smtClean="0">
+                                      <a:latin typeface="Cambria Math" panose="02040503050406030204" pitchFamily="18" charset="0"/>
+                                    </a:rPr>
+                                    <m:t>𝑦</m:t>
+                                  </m:r>
+                                </m:e>
+                                <m:sub>
+                                  <m:r>
+                                    <a:rPr lang="fr-FR" sz="1100" b="0" i="1" smtClean="0">
+                                      <a:latin typeface="Cambria Math" panose="02040503050406030204" pitchFamily="18" charset="0"/>
+                                    </a:rPr>
+                                    <m:t>0</m:t>
+                                  </m:r>
+                                </m:sub>
+                              </m:sSub>
+                            </m:e>
+                          </m:acc>
+                        </m:e>
+                      </m:d>
+                    </m:oMath>
+                  </m:oMathPara>
+                </a14:m>
+                <a:endParaRPr lang="fr-FR" sz="1100" dirty="0"/>
+              </a:p>
+            </p:txBody>
+          </p:sp>
+        </mc:Choice>
+        <mc:Fallback>
+          <p:sp>
+            <p:nvSpPr>
+              <p:cNvPr id="56" name="ZoneTexte 55">
+                <a:extLst>
+                  <a:ext uri="{FF2B5EF4-FFF2-40B4-BE49-F238E27FC236}">
+                    <a16:creationId xmlns:a16="http://schemas.microsoft.com/office/drawing/2014/main" id="{E7729708-86CF-4095-B0D2-8D06E72FE426}"/>
+                  </a:ext>
+                </a:extLst>
+              </p:cNvPr>
+              <p:cNvSpPr txBox="1">
+                <a:spLocks noRot="1" noChangeAspect="1" noMove="1" noResize="1" noEditPoints="1" noAdjustHandles="1" noChangeArrowheads="1" noChangeShapeType="1" noTextEdit="1"/>
+              </p:cNvSpPr>
+              <p:nvPr/>
+            </p:nvSpPr>
+            <p:spPr>
+              <a:xfrm>
+                <a:off x="3677588" y="3723309"/>
+                <a:ext cx="801215" cy="430887"/>
+              </a:xfrm>
+              <a:prstGeom prst="rect">
+                <a:avLst/>
+              </a:prstGeom>
+              <a:blipFill>
+                <a:blip r:embed="rId6"/>
+                <a:stretch>
+                  <a:fillRect t="-1429"/>
+                </a:stretch>
+              </a:blipFill>
+            </p:spPr>
+            <p:txBody>
+              <a:bodyPr/>
+              <a:lstStyle/>
+              <a:p>
+                <a:r>
+                  <a:rPr lang="fr-FR">
+                    <a:noFill/>
+                  </a:rPr>
+                  <a:t> </a:t>
+                </a:r>
+              </a:p>
+            </p:txBody>
+          </p:sp>
+        </mc:Fallback>
+      </mc:AlternateContent>
+      <p:cxnSp>
+        <p:nvCxnSpPr>
+          <p:cNvPr id="60" name="Connecteur droit 59">
+            <a:extLst>
+              <a:ext uri="{FF2B5EF4-FFF2-40B4-BE49-F238E27FC236}">
+                <a16:creationId xmlns:a16="http://schemas.microsoft.com/office/drawing/2014/main" id="{D7D8A625-34B0-488F-B761-2052C456541A}"/>
+              </a:ext>
+            </a:extLst>
+          </p:cNvPr>
+          <p:cNvCxnSpPr>
+            <a:cxnSpLocks/>
+            <a:stCxn id="28" idx="3"/>
+            <a:endCxn id="24" idx="0"/>
+          </p:cNvCxnSpPr>
+          <p:nvPr/>
+        </p:nvCxnSpPr>
+        <p:spPr>
+          <a:xfrm flipH="1">
+            <a:off x="3131839" y="4250915"/>
+            <a:ext cx="330214" cy="474229"/>
+          </a:xfrm>
+          <a:prstGeom prst="line">
+            <a:avLst/>
+          </a:prstGeom>
+          <a:ln w="19050">
+            <a:solidFill>
+              <a:schemeClr val="tx1"/>
+            </a:solidFill>
+          </a:ln>
+        </p:spPr>
+        <p:style>
+          <a:lnRef idx="1">
+            <a:schemeClr val="accent1"/>
+          </a:lnRef>
+          <a:fillRef idx="0">
+            <a:schemeClr val="accent1"/>
+          </a:fillRef>
+          <a:effectRef idx="0">
+            <a:schemeClr val="accent1"/>
+          </a:effectRef>
+          <a:fontRef idx="minor">
+            <a:schemeClr val="tx1"/>
+          </a:fontRef>
+        </p:style>
+      </p:cxnSp>
+      <p:sp>
+        <p:nvSpPr>
+          <p:cNvPr id="63" name="ZoneTexte 62">
+            <a:extLst>
+              <a:ext uri="{FF2B5EF4-FFF2-40B4-BE49-F238E27FC236}">
+                <a16:creationId xmlns:a16="http://schemas.microsoft.com/office/drawing/2014/main" id="{473F221E-D123-4AF7-BA75-16AECDD4CF49}"/>
+              </a:ext>
+            </a:extLst>
+          </p:cNvPr>
+          <p:cNvSpPr txBox="1"/>
+          <p:nvPr/>
+        </p:nvSpPr>
+        <p:spPr>
+          <a:xfrm>
+            <a:off x="2605224" y="4235979"/>
+            <a:ext cx="801215" cy="261610"/>
+          </a:xfrm>
+          <a:prstGeom prst="rect">
+            <a:avLst/>
+          </a:prstGeom>
+          <a:noFill/>
+        </p:spPr>
+        <p:txBody>
+          <a:bodyPr wrap="square" rtlCol="0">
+            <a:spAutoFit/>
+          </a:bodyPr>
+          <a:lstStyle/>
+          <a:p>
+            <a:pPr algn="ctr"/>
+            <a:r>
+              <a:rPr lang="fr-FR" sz="1100" b="0" dirty="0"/>
+              <a:t>Engrenage</a:t>
+            </a:r>
+            <a:endParaRPr lang="fr-FR" sz="1100" dirty="0"/>
+          </a:p>
+        </p:txBody>
+      </p:sp>
+      <p:sp>
+        <p:nvSpPr>
+          <p:cNvPr id="64" name="Rectangle : coins arrondis 63">
+            <a:extLst>
+              <a:ext uri="{FF2B5EF4-FFF2-40B4-BE49-F238E27FC236}">
+                <a16:creationId xmlns:a16="http://schemas.microsoft.com/office/drawing/2014/main" id="{600E5F48-7E0B-4CA6-901B-CE4030B36054}"/>
+              </a:ext>
+            </a:extLst>
+          </p:cNvPr>
+          <p:cNvSpPr/>
+          <p:nvPr/>
+        </p:nvSpPr>
+        <p:spPr>
+          <a:xfrm>
+            <a:off x="2699792" y="3722072"/>
+            <a:ext cx="2540902" cy="1354730"/>
+          </a:xfrm>
+          <a:prstGeom prst="roundRect">
+            <a:avLst/>
+          </a:prstGeom>
+          <a:noFill/>
+          <a:ln w="9525">
+            <a:solidFill>
+              <a:srgbClr val="FF0000"/>
+            </a:solidFill>
+            <a:prstDash val="sysDash"/>
+          </a:ln>
+        </p:spPr>
+        <p:style>
+          <a:lnRef idx="2">
+            <a:schemeClr val="accent1">
+              <a:shade val="50000"/>
+            </a:schemeClr>
+          </a:lnRef>
+          <a:fillRef idx="1">
+            <a:schemeClr val="accent1"/>
+          </a:fillRef>
+          <a:effectRef idx="0">
+            <a:schemeClr val="accent1"/>
+          </a:effectRef>
+          <a:fontRef idx="minor">
+            <a:schemeClr val="lt1"/>
+          </a:fontRef>
+        </p:style>
+        <p:txBody>
+          <a:bodyPr rtlCol="0" anchor="ctr"/>
+          <a:lstStyle/>
+          <a:p>
+            <a:pPr algn="ctr"/>
+            <a:endParaRPr lang="fr-FR"/>
+          </a:p>
+        </p:txBody>
+      </p:sp>
+      <p:sp>
+        <p:nvSpPr>
+          <p:cNvPr id="65" name="Éclair 64">
+            <a:extLst>
+              <a:ext uri="{FF2B5EF4-FFF2-40B4-BE49-F238E27FC236}">
+                <a16:creationId xmlns:a16="http://schemas.microsoft.com/office/drawing/2014/main" id="{7426047B-98BD-453C-9405-3281EF0FCE11}"/>
+              </a:ext>
+            </a:extLst>
+          </p:cNvPr>
+          <p:cNvSpPr/>
+          <p:nvPr/>
+        </p:nvSpPr>
+        <p:spPr>
+          <a:xfrm>
+            <a:off x="3607453" y="3371905"/>
+            <a:ext cx="328759" cy="317859"/>
+          </a:xfrm>
+          <a:prstGeom prst="lightningBolt">
+            <a:avLst/>
+          </a:prstGeom>
+          <a:solidFill>
+            <a:srgbClr val="FFC000"/>
+          </a:solidFill>
+          <a:ln w="12700">
+            <a:solidFill>
+              <a:srgbClr val="FF0000"/>
+            </a:solidFill>
+          </a:ln>
+        </p:spPr>
+        <p:style>
+          <a:lnRef idx="2">
+            <a:schemeClr val="accent1">
+              <a:shade val="50000"/>
+            </a:schemeClr>
+          </a:lnRef>
+          <a:fillRef idx="1">
+            <a:schemeClr val="accent1"/>
+          </a:fillRef>
+          <a:effectRef idx="0">
+            <a:schemeClr val="accent1"/>
+          </a:effectRef>
+          <a:fontRef idx="minor">
+            <a:schemeClr val="lt1"/>
+          </a:fontRef>
+        </p:style>
+        <p:txBody>
+          <a:bodyPr rtlCol="0" anchor="ctr"/>
+          <a:lstStyle/>
+          <a:p>
+            <a:pPr algn="ctr"/>
+            <a:endParaRPr lang="fr-FR"/>
+          </a:p>
+        </p:txBody>
+      </p:sp>
+      <p:sp>
+        <p:nvSpPr>
+          <p:cNvPr id="66" name="ZoneTexte 65">
+            <a:extLst>
+              <a:ext uri="{FF2B5EF4-FFF2-40B4-BE49-F238E27FC236}">
+                <a16:creationId xmlns:a16="http://schemas.microsoft.com/office/drawing/2014/main" id="{38914942-A735-417A-9699-7EA9F9D52679}"/>
+              </a:ext>
+            </a:extLst>
+          </p:cNvPr>
+          <p:cNvSpPr txBox="1"/>
+          <p:nvPr/>
+        </p:nvSpPr>
+        <p:spPr>
+          <a:xfrm>
+            <a:off x="2875247" y="3148663"/>
+            <a:ext cx="801215" cy="261610"/>
+          </a:xfrm>
+          <a:prstGeom prst="rect">
+            <a:avLst/>
+          </a:prstGeom>
+          <a:noFill/>
+        </p:spPr>
+        <p:txBody>
+          <a:bodyPr wrap="square" rtlCol="0">
+            <a:spAutoFit/>
+          </a:bodyPr>
+          <a:lstStyle/>
+          <a:p>
+            <a:pPr algn="ctr"/>
+            <a:r>
+              <a:rPr lang="fr-FR" sz="1100" b="0" dirty="0"/>
+              <a:t>Pesanteur</a:t>
+            </a:r>
+            <a:endParaRPr lang="fr-FR" sz="1100" dirty="0"/>
+          </a:p>
+        </p:txBody>
+      </p:sp>
+    </p:spTree>
+    <p:extLst>
+      <p:ext uri="{BB962C8B-B14F-4D97-AF65-F5344CB8AC3E}">
+        <p14:creationId xmlns:p14="http://schemas.microsoft.com/office/powerpoint/2010/main" val="1487099493"/>
+      </p:ext>
+    </p:extLst>
+  </p:cSld>
+  <p:clrMapOvr>
+    <a:masterClrMapping/>
+  </p:clrMapOvr>
+</p:sld>
+</file>
+
+<file path=ppt/slides/slide10.xml><?xml version="1.0" encoding="utf-8"?>
+<p:sld xmlns:a="http://schemas.openxmlformats.org/drawingml/2006/main" xmlns:r="http://schemas.openxmlformats.org/officeDocument/2006/relationships" xmlns:p="http://schemas.openxmlformats.org/presentationml/2006/main">
+  <p:cSld>
+    <p:spTree>
+      <p:nvGrpSpPr>
+        <p:cNvPr id="1" name=""/>
+        <p:cNvGrpSpPr/>
+        <p:nvPr/>
+      </p:nvGrpSpPr>
+      <p:grpSpPr>
+        <a:xfrm>
+          <a:off x="0" y="0"/>
+          <a:ext cx="0" cy="0"/>
+          <a:chOff x="0" y="0"/>
+          <a:chExt cx="0" cy="0"/>
+        </a:xfrm>
+      </p:grpSpPr>
+      <p:sp>
+        <p:nvSpPr>
+          <p:cNvPr id="15" name="Rectangle 14"/>
+          <p:cNvSpPr/>
+          <p:nvPr/>
+        </p:nvSpPr>
+        <p:spPr>
+          <a:xfrm>
+            <a:off x="0" y="1813200"/>
+            <a:ext cx="152400" cy="286396"/>
+          </a:xfrm>
+          <a:prstGeom prst="rect">
+            <a:avLst/>
+          </a:prstGeom>
+          <a:solidFill>
+            <a:schemeClr val="accent6">
+              <a:lumMod val="20000"/>
+              <a:lumOff val="80000"/>
+            </a:schemeClr>
+          </a:solidFill>
+          <a:ln w="19050">
+            <a:noFill/>
+          </a:ln>
+        </p:spPr>
+        <p:style>
+          <a:lnRef idx="2">
+            <a:schemeClr val="accent1">
+              <a:shade val="50000"/>
+            </a:schemeClr>
+          </a:lnRef>
+          <a:fillRef idx="1">
+            <a:schemeClr val="accent1"/>
+          </a:fillRef>
+          <a:effectRef idx="0">
+            <a:schemeClr val="accent1"/>
+          </a:effectRef>
+          <a:fontRef idx="minor">
+            <a:schemeClr val="lt1"/>
+          </a:fontRef>
+        </p:style>
+        <p:txBody>
+          <a:bodyPr rtlCol="0" anchor="ctr"/>
+          <a:lstStyle/>
+          <a:p>
+            <a:pPr algn="ctr"/>
+            <a:endParaRPr lang="fr-FR" sz="1400" b="1">
+              <a:solidFill>
+                <a:schemeClr val="accent6">
+                  <a:lumMod val="50000"/>
+                </a:schemeClr>
+              </a:solidFill>
+            </a:endParaRPr>
+          </a:p>
+        </p:txBody>
+      </p:sp>
+      <p:sp>
+        <p:nvSpPr>
+          <p:cNvPr id="4" name="Ellipse 3"/>
+          <p:cNvSpPr/>
+          <p:nvPr/>
+        </p:nvSpPr>
+        <p:spPr>
+          <a:xfrm>
+            <a:off x="1061610" y="1813199"/>
+            <a:ext cx="288032" cy="288032"/>
+          </a:xfrm>
+          <a:prstGeom prst="ellipse">
+            <a:avLst/>
+          </a:prstGeom>
+          <a:solidFill>
+            <a:schemeClr val="accent4">
+              <a:lumMod val="20000"/>
+              <a:lumOff val="80000"/>
+            </a:schemeClr>
+          </a:solidFill>
+          <a:ln w="19050">
+            <a:solidFill>
+              <a:schemeClr val="accent4"/>
+            </a:solidFill>
+          </a:ln>
+        </p:spPr>
+        <p:style>
+          <a:lnRef idx="2">
+            <a:schemeClr val="accent1">
+              <a:shade val="50000"/>
+            </a:schemeClr>
+          </a:lnRef>
+          <a:fillRef idx="1">
+            <a:schemeClr val="accent1"/>
+          </a:fillRef>
+          <a:effectRef idx="0">
+            <a:schemeClr val="accent1"/>
+          </a:effectRef>
+          <a:fontRef idx="minor">
+            <a:schemeClr val="lt1"/>
+          </a:fontRef>
+        </p:style>
+        <p:txBody>
+          <a:bodyPr rtlCol="0" anchor="ctr"/>
+          <a:lstStyle/>
+          <a:p>
+            <a:pPr algn="ctr"/>
+            <a:r>
+              <a:rPr lang="fr-FR" sz="1400" b="1" dirty="0">
+                <a:solidFill>
+                  <a:schemeClr val="accent4"/>
+                </a:solidFill>
+              </a:rPr>
+              <a:t>1</a:t>
+            </a:r>
+          </a:p>
+        </p:txBody>
+      </p:sp>
+      <p:sp>
+        <p:nvSpPr>
+          <p:cNvPr id="5" name="Ellipse 4"/>
+          <p:cNvSpPr/>
+          <p:nvPr/>
+        </p:nvSpPr>
+        <p:spPr>
+          <a:xfrm>
+            <a:off x="1799692" y="1813199"/>
+            <a:ext cx="288032" cy="288032"/>
+          </a:xfrm>
+          <a:prstGeom prst="ellipse">
+            <a:avLst/>
+          </a:prstGeom>
+          <a:solidFill>
+            <a:schemeClr val="accent2">
+              <a:lumMod val="20000"/>
+              <a:lumOff val="80000"/>
+            </a:schemeClr>
+          </a:solidFill>
+          <a:ln w="19050">
+            <a:solidFill>
+              <a:schemeClr val="accent2"/>
+            </a:solidFill>
+          </a:ln>
+        </p:spPr>
+        <p:style>
+          <a:lnRef idx="2">
+            <a:schemeClr val="accent1">
+              <a:shade val="50000"/>
+            </a:schemeClr>
+          </a:lnRef>
+          <a:fillRef idx="1">
+            <a:schemeClr val="accent1"/>
+          </a:fillRef>
+          <a:effectRef idx="0">
+            <a:schemeClr val="accent1"/>
+          </a:effectRef>
+          <a:fontRef idx="minor">
+            <a:schemeClr val="lt1"/>
+          </a:fontRef>
+        </p:style>
+        <p:txBody>
+          <a:bodyPr rtlCol="0" anchor="ctr"/>
+          <a:lstStyle/>
+          <a:p>
+            <a:pPr algn="ctr"/>
+            <a:r>
+              <a:rPr lang="fr-FR" sz="1400" b="1" dirty="0">
+                <a:solidFill>
+                  <a:schemeClr val="accent2"/>
+                </a:solidFill>
+              </a:rPr>
+              <a:t>2</a:t>
+            </a:r>
+          </a:p>
+        </p:txBody>
+      </p:sp>
+      <p:sp>
+        <p:nvSpPr>
+          <p:cNvPr id="6" name="Ellipse 5"/>
+          <p:cNvSpPr/>
+          <p:nvPr/>
+        </p:nvSpPr>
+        <p:spPr>
+          <a:xfrm>
+            <a:off x="2537774" y="1813199"/>
+            <a:ext cx="288032" cy="288032"/>
+          </a:xfrm>
+          <a:prstGeom prst="ellipse">
+            <a:avLst/>
+          </a:prstGeom>
+          <a:solidFill>
+            <a:schemeClr val="accent3">
+              <a:lumMod val="20000"/>
+              <a:lumOff val="80000"/>
+            </a:schemeClr>
+          </a:solidFill>
+          <a:ln w="19050">
+            <a:solidFill>
+              <a:schemeClr val="accent3"/>
+            </a:solidFill>
+          </a:ln>
+        </p:spPr>
+        <p:style>
+          <a:lnRef idx="2">
+            <a:schemeClr val="accent1">
+              <a:shade val="50000"/>
+            </a:schemeClr>
+          </a:lnRef>
+          <a:fillRef idx="1">
+            <a:schemeClr val="accent1"/>
+          </a:fillRef>
+          <a:effectRef idx="0">
+            <a:schemeClr val="accent1"/>
+          </a:effectRef>
+          <a:fontRef idx="minor">
+            <a:schemeClr val="lt1"/>
+          </a:fontRef>
+        </p:style>
+        <p:txBody>
+          <a:bodyPr rtlCol="0" anchor="ctr"/>
+          <a:lstStyle/>
+          <a:p>
+            <a:pPr algn="ctr"/>
+            <a:r>
+              <a:rPr lang="fr-FR" sz="1400" b="1" dirty="0">
+                <a:solidFill>
+                  <a:schemeClr val="accent3"/>
+                </a:solidFill>
+              </a:rPr>
+              <a:t>3</a:t>
+            </a:r>
+          </a:p>
+        </p:txBody>
+      </p:sp>
+      <p:sp>
+        <p:nvSpPr>
+          <p:cNvPr id="7" name="Ellipse 6"/>
+          <p:cNvSpPr/>
+          <p:nvPr/>
+        </p:nvSpPr>
+        <p:spPr>
+          <a:xfrm>
+            <a:off x="3275856" y="1813199"/>
+            <a:ext cx="288032" cy="288032"/>
+          </a:xfrm>
+          <a:prstGeom prst="ellipse">
+            <a:avLst/>
+          </a:prstGeom>
+          <a:solidFill>
+            <a:schemeClr val="bg1">
+              <a:lumMod val="85000"/>
+            </a:schemeClr>
+          </a:solidFill>
+          <a:ln w="19050">
+            <a:solidFill>
+              <a:schemeClr val="tx1"/>
+            </a:solidFill>
+          </a:ln>
+        </p:spPr>
+        <p:style>
+          <a:lnRef idx="2">
+            <a:schemeClr val="accent1">
+              <a:shade val="50000"/>
+            </a:schemeClr>
+          </a:lnRef>
+          <a:fillRef idx="1">
+            <a:schemeClr val="accent1"/>
+          </a:fillRef>
+          <a:effectRef idx="0">
+            <a:schemeClr val="accent1"/>
+          </a:effectRef>
+          <a:fontRef idx="minor">
+            <a:schemeClr val="lt1"/>
+          </a:fontRef>
+        </p:style>
+        <p:txBody>
+          <a:bodyPr rtlCol="0" anchor="ctr"/>
+          <a:lstStyle/>
+          <a:p>
+            <a:pPr algn="ctr"/>
+            <a:r>
+              <a:rPr lang="fr-FR" sz="1400" b="1" dirty="0">
+                <a:solidFill>
+                  <a:schemeClr val="tx1"/>
+                </a:solidFill>
+              </a:rPr>
+              <a:t>4</a:t>
+            </a:r>
+          </a:p>
+        </p:txBody>
+      </p:sp>
+      <p:sp>
+        <p:nvSpPr>
+          <p:cNvPr id="8" name="Ellipse 7"/>
+          <p:cNvSpPr/>
+          <p:nvPr/>
+        </p:nvSpPr>
+        <p:spPr>
+          <a:xfrm>
+            <a:off x="323528" y="1813199"/>
+            <a:ext cx="288032" cy="288032"/>
+          </a:xfrm>
+          <a:prstGeom prst="ellipse">
+            <a:avLst/>
+          </a:prstGeom>
+          <a:solidFill>
+            <a:schemeClr val="accent6">
+              <a:lumMod val="20000"/>
+              <a:lumOff val="80000"/>
+            </a:schemeClr>
+          </a:solidFill>
+          <a:ln w="19050">
+            <a:solidFill>
+              <a:schemeClr val="accent6">
+                <a:lumMod val="50000"/>
+              </a:schemeClr>
+            </a:solidFill>
+          </a:ln>
+        </p:spPr>
+        <p:style>
+          <a:lnRef idx="2">
+            <a:schemeClr val="accent1">
+              <a:shade val="50000"/>
+            </a:schemeClr>
+          </a:lnRef>
+          <a:fillRef idx="1">
+            <a:schemeClr val="accent1"/>
+          </a:fillRef>
+          <a:effectRef idx="0">
+            <a:schemeClr val="accent1"/>
+          </a:effectRef>
+          <a:fontRef idx="minor">
+            <a:schemeClr val="lt1"/>
+          </a:fontRef>
+        </p:style>
+        <p:txBody>
+          <a:bodyPr rtlCol="0" anchor="ctr"/>
+          <a:lstStyle/>
+          <a:p>
+            <a:pPr algn="ctr"/>
+            <a:r>
+              <a:rPr lang="fr-FR" sz="1400" b="1" dirty="0">
+                <a:solidFill>
+                  <a:schemeClr val="accent6">
+                    <a:lumMod val="50000"/>
+                  </a:schemeClr>
+                </a:solidFill>
+              </a:rPr>
+              <a:t>0</a:t>
+            </a:r>
+          </a:p>
+        </p:txBody>
+      </p:sp>
+      <p:cxnSp>
+        <p:nvCxnSpPr>
+          <p:cNvPr id="10" name="Connecteur droit 9"/>
+          <p:cNvCxnSpPr>
+            <a:stCxn id="8" idx="6"/>
+            <a:endCxn id="4" idx="2"/>
+          </p:cNvCxnSpPr>
+          <p:nvPr/>
+        </p:nvCxnSpPr>
+        <p:spPr>
+          <a:xfrm>
+            <a:off x="611560" y="1957215"/>
+            <a:ext cx="450050" cy="0"/>
+          </a:xfrm>
+          <a:prstGeom prst="line">
+            <a:avLst/>
+          </a:prstGeom>
+          <a:ln w="19050">
+            <a:solidFill>
+              <a:schemeClr val="tx1"/>
+            </a:solidFill>
+          </a:ln>
+        </p:spPr>
+        <p:style>
+          <a:lnRef idx="1">
+            <a:schemeClr val="accent1"/>
+          </a:lnRef>
+          <a:fillRef idx="0">
+            <a:schemeClr val="accent1"/>
+          </a:fillRef>
+          <a:effectRef idx="0">
+            <a:schemeClr val="accent1"/>
+          </a:effectRef>
+          <a:fontRef idx="minor">
+            <a:schemeClr val="tx1"/>
+          </a:fontRef>
+        </p:style>
+      </p:cxnSp>
+      <p:cxnSp>
+        <p:nvCxnSpPr>
+          <p:cNvPr id="11" name="Connecteur droit 10"/>
+          <p:cNvCxnSpPr>
+            <a:stCxn id="5" idx="2"/>
+            <a:endCxn id="4" idx="6"/>
+          </p:cNvCxnSpPr>
+          <p:nvPr/>
+        </p:nvCxnSpPr>
+        <p:spPr>
+          <a:xfrm flipH="1">
+            <a:off x="1349642" y="1957215"/>
+            <a:ext cx="450050" cy="0"/>
+          </a:xfrm>
+          <a:prstGeom prst="line">
+            <a:avLst/>
+          </a:prstGeom>
+          <a:ln w="19050">
+            <a:solidFill>
+              <a:schemeClr val="tx1"/>
+            </a:solidFill>
+          </a:ln>
+        </p:spPr>
+        <p:style>
+          <a:lnRef idx="1">
+            <a:schemeClr val="accent1"/>
+          </a:lnRef>
+          <a:fillRef idx="0">
+            <a:schemeClr val="accent1"/>
+          </a:fillRef>
+          <a:effectRef idx="0">
+            <a:schemeClr val="accent1"/>
+          </a:effectRef>
+          <a:fontRef idx="minor">
+            <a:schemeClr val="tx1"/>
+          </a:fontRef>
+        </p:style>
+      </p:cxnSp>
+      <p:cxnSp>
+        <p:nvCxnSpPr>
+          <p:cNvPr id="14" name="Connecteur droit 13"/>
+          <p:cNvCxnSpPr>
+            <a:stCxn id="6" idx="2"/>
+            <a:endCxn id="5" idx="6"/>
+          </p:cNvCxnSpPr>
+          <p:nvPr/>
+        </p:nvCxnSpPr>
+        <p:spPr>
+          <a:xfrm flipH="1">
+            <a:off x="2087724" y="1957215"/>
+            <a:ext cx="450050" cy="0"/>
+          </a:xfrm>
+          <a:prstGeom prst="line">
+            <a:avLst/>
+          </a:prstGeom>
+          <a:ln w="19050">
+            <a:solidFill>
+              <a:schemeClr val="tx1"/>
+            </a:solidFill>
+          </a:ln>
+        </p:spPr>
+        <p:style>
+          <a:lnRef idx="1">
+            <a:schemeClr val="accent1"/>
+          </a:lnRef>
+          <a:fillRef idx="0">
+            <a:schemeClr val="accent1"/>
+          </a:fillRef>
+          <a:effectRef idx="0">
+            <a:schemeClr val="accent1"/>
+          </a:effectRef>
+          <a:fontRef idx="minor">
+            <a:schemeClr val="tx1"/>
+          </a:fontRef>
+        </p:style>
+      </p:cxnSp>
+      <p:cxnSp>
+        <p:nvCxnSpPr>
+          <p:cNvPr id="17" name="Connecteur droit 16"/>
+          <p:cNvCxnSpPr>
+            <a:stCxn id="7" idx="2"/>
+            <a:endCxn id="6" idx="6"/>
+          </p:cNvCxnSpPr>
+          <p:nvPr/>
+        </p:nvCxnSpPr>
+        <p:spPr>
+          <a:xfrm flipH="1">
+            <a:off x="2825806" y="1957215"/>
+            <a:ext cx="450050" cy="0"/>
+          </a:xfrm>
+          <a:prstGeom prst="line">
+            <a:avLst/>
+          </a:prstGeom>
+          <a:ln w="19050">
+            <a:solidFill>
+              <a:schemeClr val="tx1"/>
+            </a:solidFill>
+          </a:ln>
+        </p:spPr>
+        <p:style>
+          <a:lnRef idx="1">
+            <a:schemeClr val="accent1"/>
+          </a:lnRef>
+          <a:fillRef idx="0">
+            <a:schemeClr val="accent1"/>
+          </a:fillRef>
+          <a:effectRef idx="0">
+            <a:schemeClr val="accent1"/>
+          </a:effectRef>
+          <a:fontRef idx="minor">
+            <a:schemeClr val="tx1"/>
+          </a:fontRef>
+        </p:style>
+      </p:cxnSp>
+      <mc:AlternateContent xmlns:mc="http://schemas.openxmlformats.org/markup-compatibility/2006" xmlns:a14="http://schemas.microsoft.com/office/drawing/2010/main">
+        <mc:Choice Requires="a14">
+          <p:sp>
+            <p:nvSpPr>
+              <p:cNvPr id="31" name="ZoneTexte 30"/>
+              <p:cNvSpPr txBox="1"/>
+              <p:nvPr/>
+            </p:nvSpPr>
+            <p:spPr>
+              <a:xfrm rot="2700000">
+                <a:off x="583745" y="2358459"/>
+                <a:ext cx="901722" cy="261610"/>
+              </a:xfrm>
+              <a:prstGeom prst="rect">
+                <a:avLst/>
+              </a:prstGeom>
+              <a:noFill/>
+            </p:spPr>
+            <p:txBody>
+              <a:bodyPr wrap="none" rtlCol="0">
+                <a:spAutoFit/>
+              </a:bodyPr>
+              <a:lstStyle/>
+              <a:p>
+                <a:r>
+                  <a:rPr lang="fr-FR" sz="1100" b="0" dirty="0"/>
+                  <a:t>Pivot </a:t>
+                </a:r>
+                <a14:m>
+                  <m:oMath xmlns:m="http://schemas.openxmlformats.org/officeDocument/2006/math">
+                    <m:d>
+                      <m:dPr>
+                        <m:ctrlPr>
+                          <a:rPr lang="fr-FR" sz="1100" b="0" i="1" smtClean="0">
+                            <a:latin typeface="Cambria Math" panose="02040503050406030204" pitchFamily="18" charset="0"/>
+                          </a:rPr>
+                        </m:ctrlPr>
+                      </m:dPr>
+                      <m:e>
+                        <m:r>
+                          <a:rPr lang="fr-FR" sz="1100" b="0" i="1" smtClean="0">
+                            <a:latin typeface="Cambria Math"/>
+                          </a:rPr>
+                          <m:t>𝑂</m:t>
+                        </m:r>
+                        <m:r>
+                          <a:rPr lang="fr-FR" sz="1100" b="0" i="1" smtClean="0">
+                            <a:latin typeface="Cambria Math"/>
+                          </a:rPr>
+                          <m:t>,</m:t>
+                        </m:r>
+                        <m:acc>
+                          <m:accPr>
+                            <m:chr m:val="⃗"/>
+                            <m:ctrlPr>
+                              <a:rPr lang="fr-FR" sz="1100" b="0" i="1" smtClean="0">
+                                <a:latin typeface="Cambria Math" panose="02040503050406030204" pitchFamily="18" charset="0"/>
+                              </a:rPr>
+                            </m:ctrlPr>
+                          </m:accPr>
+                          <m:e>
+                            <m:sSub>
+                              <m:sSubPr>
+                                <m:ctrlPr>
+                                  <a:rPr lang="fr-FR" sz="1100" b="0" i="1" smtClean="0">
+                                    <a:latin typeface="Cambria Math" panose="02040503050406030204" pitchFamily="18" charset="0"/>
+                                  </a:rPr>
+                                </m:ctrlPr>
+                              </m:sSubPr>
+                              <m:e>
+                                <m:r>
+                                  <a:rPr lang="fr-FR" sz="1100" b="0" i="1" smtClean="0">
+                                    <a:latin typeface="Cambria Math"/>
+                                  </a:rPr>
+                                  <m:t>𝑧</m:t>
+                                </m:r>
+                              </m:e>
+                              <m:sub>
+                                <m:r>
+                                  <a:rPr lang="fr-FR" sz="1100" b="0" i="1" smtClean="0">
+                                    <a:latin typeface="Cambria Math"/>
+                                  </a:rPr>
+                                  <m:t>1</m:t>
+                                </m:r>
+                              </m:sub>
+                            </m:sSub>
+                          </m:e>
+                        </m:acc>
+                      </m:e>
+                    </m:d>
+                  </m:oMath>
+                </a14:m>
+                <a:endParaRPr lang="fr-FR" sz="1100" dirty="0"/>
+              </a:p>
+            </p:txBody>
+          </p:sp>
+        </mc:Choice>
+        <mc:Fallback xmlns="">
+          <p:sp>
+            <p:nvSpPr>
+              <p:cNvPr id="31" name="ZoneTexte 30"/>
+              <p:cNvSpPr txBox="1">
+                <a:spLocks noRot="1" noChangeAspect="1" noMove="1" noResize="1" noEditPoints="1" noAdjustHandles="1" noChangeArrowheads="1" noChangeShapeType="1" noTextEdit="1"/>
+              </p:cNvSpPr>
+              <p:nvPr/>
+            </p:nvSpPr>
+            <p:spPr>
+              <a:xfrm rot="2700000">
+                <a:off x="583745" y="2358459"/>
+                <a:ext cx="901722" cy="261610"/>
+              </a:xfrm>
+              <a:prstGeom prst="rect">
+                <a:avLst/>
+              </a:prstGeom>
+              <a:blipFill rotWithShape="1">
+                <a:blip r:embed="rId2"/>
+                <a:stretch>
+                  <a:fillRect l="-2941"/>
+                </a:stretch>
+              </a:blipFill>
+            </p:spPr>
+            <p:txBody>
+              <a:bodyPr/>
+              <a:lstStyle/>
+              <a:p>
+                <a:r>
+                  <a:rPr lang="fr-FR">
+                    <a:noFill/>
+                  </a:rPr>
+                  <a:t> </a:t>
+                </a:r>
+              </a:p>
+            </p:txBody>
+          </p:sp>
+        </mc:Fallback>
+      </mc:AlternateContent>
+      <mc:AlternateContent xmlns:mc="http://schemas.openxmlformats.org/markup-compatibility/2006" xmlns:a14="http://schemas.microsoft.com/office/drawing/2010/main">
+        <mc:Choice Requires="a14">
+          <p:sp>
+            <p:nvSpPr>
+              <p:cNvPr id="32" name="ZoneTexte 31"/>
+              <p:cNvSpPr txBox="1"/>
+              <p:nvPr/>
+            </p:nvSpPr>
+            <p:spPr>
+              <a:xfrm rot="2700000">
+                <a:off x="1329193" y="2358459"/>
+                <a:ext cx="904991" cy="261610"/>
+              </a:xfrm>
+              <a:prstGeom prst="rect">
+                <a:avLst/>
+              </a:prstGeom>
+              <a:noFill/>
+            </p:spPr>
+            <p:txBody>
+              <a:bodyPr wrap="none" rtlCol="0">
+                <a:spAutoFit/>
+              </a:bodyPr>
+              <a:lstStyle/>
+              <a:p>
+                <a:r>
+                  <a:rPr lang="fr-FR" sz="1100" b="0" dirty="0"/>
+                  <a:t>Pivot </a:t>
+                </a:r>
+                <a14:m>
+                  <m:oMath xmlns:m="http://schemas.openxmlformats.org/officeDocument/2006/math">
+                    <m:d>
+                      <m:dPr>
+                        <m:ctrlPr>
+                          <a:rPr lang="fr-FR" sz="1100" b="0" i="1" smtClean="0">
+                            <a:latin typeface="Cambria Math" panose="02040503050406030204" pitchFamily="18" charset="0"/>
+                          </a:rPr>
+                        </m:ctrlPr>
+                      </m:dPr>
+                      <m:e>
+                        <m:r>
+                          <a:rPr lang="fr-FR" sz="1100" b="0" i="1" smtClean="0">
+                            <a:latin typeface="Cambria Math"/>
+                          </a:rPr>
+                          <m:t>𝑂</m:t>
+                        </m:r>
+                        <m:r>
+                          <a:rPr lang="fr-FR" sz="1100" b="0" i="1" smtClean="0">
+                            <a:latin typeface="Cambria Math"/>
+                          </a:rPr>
+                          <m:t>,</m:t>
+                        </m:r>
+                        <m:acc>
+                          <m:accPr>
+                            <m:chr m:val="⃗"/>
+                            <m:ctrlPr>
+                              <a:rPr lang="fr-FR" sz="1100" b="0" i="1" smtClean="0">
+                                <a:latin typeface="Cambria Math" panose="02040503050406030204" pitchFamily="18" charset="0"/>
+                              </a:rPr>
+                            </m:ctrlPr>
+                          </m:accPr>
+                          <m:e>
+                            <m:sSub>
+                              <m:sSubPr>
+                                <m:ctrlPr>
+                                  <a:rPr lang="fr-FR" sz="1100" b="0" i="1" smtClean="0">
+                                    <a:latin typeface="Cambria Math" panose="02040503050406030204" pitchFamily="18" charset="0"/>
+                                  </a:rPr>
+                                </m:ctrlPr>
+                              </m:sSubPr>
+                              <m:e>
+                                <m:r>
+                                  <a:rPr lang="fr-FR" sz="1100" b="0" i="1" smtClean="0">
+                                    <a:latin typeface="Cambria Math"/>
+                                  </a:rPr>
+                                  <m:t>𝑧</m:t>
+                                </m:r>
+                              </m:e>
+                              <m:sub>
+                                <m:r>
+                                  <a:rPr lang="fr-FR" sz="1100" b="0" i="1" smtClean="0">
+                                    <a:latin typeface="Cambria Math"/>
+                                  </a:rPr>
+                                  <m:t>2</m:t>
+                                </m:r>
+                              </m:sub>
+                            </m:sSub>
+                          </m:e>
+                        </m:acc>
+                      </m:e>
+                    </m:d>
+                  </m:oMath>
+                </a14:m>
+                <a:endParaRPr lang="fr-FR" sz="1100" dirty="0"/>
+              </a:p>
+            </p:txBody>
+          </p:sp>
+        </mc:Choice>
+        <mc:Fallback xmlns="">
+          <p:sp>
+            <p:nvSpPr>
+              <p:cNvPr id="32" name="ZoneTexte 31"/>
+              <p:cNvSpPr txBox="1">
+                <a:spLocks noRot="1" noChangeAspect="1" noMove="1" noResize="1" noEditPoints="1" noAdjustHandles="1" noChangeArrowheads="1" noChangeShapeType="1" noTextEdit="1"/>
+              </p:cNvSpPr>
+              <p:nvPr/>
+            </p:nvSpPr>
+            <p:spPr>
+              <a:xfrm rot="2700000">
+                <a:off x="1329193" y="2358459"/>
+                <a:ext cx="904991" cy="261610"/>
+              </a:xfrm>
+              <a:prstGeom prst="rect">
+                <a:avLst/>
+              </a:prstGeom>
+              <a:blipFill rotWithShape="1">
+                <a:blip r:embed="rId3"/>
+                <a:stretch>
+                  <a:fillRect l="-2941"/>
+                </a:stretch>
+              </a:blipFill>
+            </p:spPr>
+            <p:txBody>
+              <a:bodyPr/>
+              <a:lstStyle/>
+              <a:p>
+                <a:r>
+                  <a:rPr lang="fr-FR">
+                    <a:noFill/>
+                  </a:rPr>
+                  <a:t> </a:t>
+                </a:r>
+              </a:p>
+            </p:txBody>
+          </p:sp>
+        </mc:Fallback>
+      </mc:AlternateContent>
+      <mc:AlternateContent xmlns:mc="http://schemas.openxmlformats.org/markup-compatibility/2006" xmlns:a14="http://schemas.microsoft.com/office/drawing/2010/main">
+        <mc:Choice Requires="a14">
+          <p:sp>
+            <p:nvSpPr>
+              <p:cNvPr id="33" name="ZoneTexte 32"/>
+              <p:cNvSpPr txBox="1"/>
+              <p:nvPr/>
+            </p:nvSpPr>
+            <p:spPr>
+              <a:xfrm rot="2700000">
+                <a:off x="2076276" y="2358459"/>
+                <a:ext cx="904991" cy="261610"/>
+              </a:xfrm>
+              <a:prstGeom prst="rect">
+                <a:avLst/>
+              </a:prstGeom>
+              <a:noFill/>
+            </p:spPr>
+            <p:txBody>
+              <a:bodyPr wrap="none" rtlCol="0">
+                <a:spAutoFit/>
+              </a:bodyPr>
+              <a:lstStyle/>
+              <a:p>
+                <a:r>
+                  <a:rPr lang="fr-FR" sz="1100" b="0" dirty="0"/>
+                  <a:t>Pivot </a:t>
+                </a:r>
+                <a14:m>
+                  <m:oMath xmlns:m="http://schemas.openxmlformats.org/officeDocument/2006/math">
+                    <m:d>
+                      <m:dPr>
+                        <m:ctrlPr>
+                          <a:rPr lang="fr-FR" sz="1100" b="0" i="1" smtClean="0">
+                            <a:latin typeface="Cambria Math" panose="02040503050406030204" pitchFamily="18" charset="0"/>
+                          </a:rPr>
+                        </m:ctrlPr>
+                      </m:dPr>
+                      <m:e>
+                        <m:r>
+                          <a:rPr lang="fr-FR" sz="1100" b="0" i="1" smtClean="0">
+                            <a:latin typeface="Cambria Math"/>
+                          </a:rPr>
+                          <m:t>𝑂</m:t>
+                        </m:r>
+                        <m:r>
+                          <a:rPr lang="fr-FR" sz="1100" b="0" i="1" smtClean="0">
+                            <a:latin typeface="Cambria Math"/>
+                          </a:rPr>
+                          <m:t>,</m:t>
+                        </m:r>
+                        <m:acc>
+                          <m:accPr>
+                            <m:chr m:val="⃗"/>
+                            <m:ctrlPr>
+                              <a:rPr lang="fr-FR" sz="1100" b="0" i="1" smtClean="0">
+                                <a:latin typeface="Cambria Math" panose="02040503050406030204" pitchFamily="18" charset="0"/>
+                              </a:rPr>
+                            </m:ctrlPr>
+                          </m:accPr>
+                          <m:e>
+                            <m:sSub>
+                              <m:sSubPr>
+                                <m:ctrlPr>
+                                  <a:rPr lang="fr-FR" sz="1100" b="0" i="1" smtClean="0">
+                                    <a:latin typeface="Cambria Math" panose="02040503050406030204" pitchFamily="18" charset="0"/>
+                                  </a:rPr>
+                                </m:ctrlPr>
+                              </m:sSubPr>
+                              <m:e>
+                                <m:r>
+                                  <a:rPr lang="fr-FR" sz="1100" b="0" i="1" smtClean="0">
+                                    <a:latin typeface="Cambria Math"/>
+                                  </a:rPr>
+                                  <m:t>𝑧</m:t>
+                                </m:r>
+                              </m:e>
+                              <m:sub>
+                                <m:r>
+                                  <a:rPr lang="fr-FR" sz="1100" b="0" i="1" smtClean="0">
+                                    <a:latin typeface="Cambria Math"/>
+                                  </a:rPr>
+                                  <m:t>3</m:t>
+                                </m:r>
+                              </m:sub>
+                            </m:sSub>
+                          </m:e>
+                        </m:acc>
+                      </m:e>
+                    </m:d>
+                  </m:oMath>
+                </a14:m>
+                <a:endParaRPr lang="fr-FR" sz="1100" dirty="0"/>
+              </a:p>
+            </p:txBody>
+          </p:sp>
+        </mc:Choice>
+        <mc:Fallback xmlns="">
+          <p:sp>
+            <p:nvSpPr>
+              <p:cNvPr id="33" name="ZoneTexte 32"/>
+              <p:cNvSpPr txBox="1">
+                <a:spLocks noRot="1" noChangeAspect="1" noMove="1" noResize="1" noEditPoints="1" noAdjustHandles="1" noChangeArrowheads="1" noChangeShapeType="1" noTextEdit="1"/>
+              </p:cNvSpPr>
+              <p:nvPr/>
+            </p:nvSpPr>
+            <p:spPr>
+              <a:xfrm rot="2700000">
+                <a:off x="2076276" y="2358459"/>
+                <a:ext cx="904991" cy="261610"/>
+              </a:xfrm>
+              <a:prstGeom prst="rect">
+                <a:avLst/>
+              </a:prstGeom>
+              <a:blipFill rotWithShape="1">
+                <a:blip r:embed="rId4"/>
+                <a:stretch>
+                  <a:fillRect l="-2941"/>
+                </a:stretch>
+              </a:blipFill>
+            </p:spPr>
+            <p:txBody>
+              <a:bodyPr/>
+              <a:lstStyle/>
+              <a:p>
+                <a:r>
+                  <a:rPr lang="fr-FR">
+                    <a:noFill/>
+                  </a:rPr>
+                  <a:t> </a:t>
+                </a:r>
+              </a:p>
+            </p:txBody>
+          </p:sp>
+        </mc:Fallback>
+      </mc:AlternateContent>
+      <mc:AlternateContent xmlns:mc="http://schemas.openxmlformats.org/markup-compatibility/2006" xmlns:a14="http://schemas.microsoft.com/office/drawing/2010/main">
+        <mc:Choice Requires="a14">
+          <p:sp>
+            <p:nvSpPr>
+              <p:cNvPr id="34" name="ZoneTexte 33"/>
+              <p:cNvSpPr txBox="1"/>
+              <p:nvPr/>
+            </p:nvSpPr>
+            <p:spPr>
+              <a:xfrm rot="2700000">
+                <a:off x="2800789" y="2358459"/>
+                <a:ext cx="950132" cy="261610"/>
+              </a:xfrm>
+              <a:prstGeom prst="rect">
+                <a:avLst/>
+              </a:prstGeom>
+              <a:noFill/>
+            </p:spPr>
+            <p:txBody>
+              <a:bodyPr wrap="none" rtlCol="0">
+                <a:spAutoFit/>
+              </a:bodyPr>
+              <a:lstStyle/>
+              <a:p>
+                <a:r>
+                  <a:rPr lang="fr-FR" sz="1100" b="0" dirty="0"/>
+                  <a:t>Glissière </a:t>
+                </a:r>
+                <a14:m>
+                  <m:oMath xmlns:m="http://schemas.openxmlformats.org/officeDocument/2006/math">
+                    <m:d>
+                      <m:dPr>
+                        <m:ctrlPr>
+                          <a:rPr lang="fr-FR" sz="1100" b="0" i="1" smtClean="0">
+                            <a:latin typeface="Cambria Math" panose="02040503050406030204" pitchFamily="18" charset="0"/>
+                          </a:rPr>
+                        </m:ctrlPr>
+                      </m:dPr>
+                      <m:e>
+                        <m:acc>
+                          <m:accPr>
+                            <m:chr m:val="⃗"/>
+                            <m:ctrlPr>
+                              <a:rPr lang="fr-FR" sz="1100" b="0" i="1" smtClean="0">
+                                <a:latin typeface="Cambria Math" panose="02040503050406030204" pitchFamily="18" charset="0"/>
+                              </a:rPr>
+                            </m:ctrlPr>
+                          </m:accPr>
+                          <m:e>
+                            <m:sSub>
+                              <m:sSubPr>
+                                <m:ctrlPr>
+                                  <a:rPr lang="fr-FR" sz="1100" b="0" i="1" smtClean="0">
+                                    <a:latin typeface="Cambria Math" panose="02040503050406030204" pitchFamily="18" charset="0"/>
+                                  </a:rPr>
+                                </m:ctrlPr>
+                              </m:sSubPr>
+                              <m:e>
+                                <m:r>
+                                  <a:rPr lang="fr-FR" sz="1100" b="0" i="1" smtClean="0">
+                                    <a:latin typeface="Cambria Math"/>
+                                  </a:rPr>
+                                  <m:t>𝑧</m:t>
+                                </m:r>
+                              </m:e>
+                              <m:sub>
+                                <m:r>
+                                  <a:rPr lang="fr-FR" sz="1100" b="0" i="1" smtClean="0">
+                                    <a:latin typeface="Cambria Math"/>
+                                  </a:rPr>
+                                  <m:t>3</m:t>
+                                </m:r>
+                              </m:sub>
+                            </m:sSub>
+                          </m:e>
+                        </m:acc>
+                      </m:e>
+                    </m:d>
+                  </m:oMath>
+                </a14:m>
+                <a:endParaRPr lang="fr-FR" sz="1100" dirty="0"/>
+              </a:p>
+            </p:txBody>
+          </p:sp>
+        </mc:Choice>
+        <mc:Fallback xmlns="">
+          <p:sp>
+            <p:nvSpPr>
+              <p:cNvPr id="34" name="ZoneTexte 33"/>
+              <p:cNvSpPr txBox="1">
+                <a:spLocks noRot="1" noChangeAspect="1" noMove="1" noResize="1" noEditPoints="1" noAdjustHandles="1" noChangeArrowheads="1" noChangeShapeType="1" noTextEdit="1"/>
+              </p:cNvSpPr>
+              <p:nvPr/>
+            </p:nvSpPr>
+            <p:spPr>
+              <a:xfrm rot="2700000">
+                <a:off x="2800789" y="2358459"/>
+                <a:ext cx="950132" cy="261610"/>
+              </a:xfrm>
+              <a:prstGeom prst="rect">
+                <a:avLst/>
+              </a:prstGeom>
+              <a:blipFill rotWithShape="1">
+                <a:blip r:embed="rId5"/>
+                <a:stretch>
+                  <a:fillRect l="-2837"/>
+                </a:stretch>
+              </a:blipFill>
+            </p:spPr>
+            <p:txBody>
+              <a:bodyPr/>
+              <a:lstStyle/>
+              <a:p>
+                <a:r>
+                  <a:rPr lang="fr-FR">
+                    <a:noFill/>
+                  </a:rPr>
+                  <a:t> </a:t>
+                </a:r>
+              </a:p>
+            </p:txBody>
+          </p:sp>
+        </mc:Fallback>
+      </mc:AlternateContent>
+      <p:cxnSp>
+        <p:nvCxnSpPr>
+          <p:cNvPr id="41" name="Connecteur droit 40"/>
+          <p:cNvCxnSpPr/>
+          <p:nvPr/>
+        </p:nvCxnSpPr>
+        <p:spPr>
+          <a:xfrm>
+            <a:off x="152400" y="1957215"/>
+            <a:ext cx="171128" cy="0"/>
+          </a:xfrm>
+          <a:prstGeom prst="line">
+            <a:avLst/>
+          </a:prstGeom>
+          <a:solidFill>
+            <a:schemeClr val="accent6">
+              <a:lumMod val="20000"/>
+              <a:lumOff val="80000"/>
+            </a:schemeClr>
+          </a:solidFill>
+          <a:ln w="19050">
+            <a:solidFill>
+              <a:schemeClr val="accent6">
+                <a:lumMod val="50000"/>
+              </a:schemeClr>
+            </a:solidFill>
+          </a:ln>
+        </p:spPr>
+        <p:style>
+          <a:lnRef idx="2">
+            <a:schemeClr val="accent1">
+              <a:shade val="50000"/>
+            </a:schemeClr>
+          </a:lnRef>
+          <a:fillRef idx="1">
+            <a:schemeClr val="accent1"/>
+          </a:fillRef>
+          <a:effectRef idx="0">
+            <a:schemeClr val="accent1"/>
+          </a:effectRef>
+          <a:fontRef idx="minor">
+            <a:schemeClr val="lt1"/>
+          </a:fontRef>
+        </p:style>
+      </p:cxnSp>
+      <p:cxnSp>
+        <p:nvCxnSpPr>
+          <p:cNvPr id="43" name="Connecteur droit 42"/>
+          <p:cNvCxnSpPr/>
+          <p:nvPr/>
+        </p:nvCxnSpPr>
+        <p:spPr>
+          <a:xfrm flipV="1">
+            <a:off x="152400" y="1813200"/>
+            <a:ext cx="0" cy="288031"/>
+          </a:xfrm>
+          <a:prstGeom prst="line">
+            <a:avLst/>
+          </a:prstGeom>
+          <a:solidFill>
+            <a:schemeClr val="accent6">
+              <a:lumMod val="20000"/>
+              <a:lumOff val="80000"/>
+            </a:schemeClr>
+          </a:solidFill>
+          <a:ln w="19050">
+            <a:solidFill>
+              <a:schemeClr val="accent6">
+                <a:lumMod val="50000"/>
+              </a:schemeClr>
+            </a:solidFill>
+          </a:ln>
+        </p:spPr>
+        <p:style>
+          <a:lnRef idx="2">
+            <a:schemeClr val="accent1">
+              <a:shade val="50000"/>
+            </a:schemeClr>
+          </a:lnRef>
+          <a:fillRef idx="1">
+            <a:schemeClr val="accent1"/>
+          </a:fillRef>
+          <a:effectRef idx="0">
+            <a:schemeClr val="accent1"/>
+          </a:effectRef>
+          <a:fontRef idx="minor">
+            <a:schemeClr val="lt1"/>
+          </a:fontRef>
+        </p:style>
+      </p:cxnSp>
+      <p:cxnSp>
+        <p:nvCxnSpPr>
+          <p:cNvPr id="44" name="Connecteur droit 43"/>
+          <p:cNvCxnSpPr>
+            <a:stCxn id="7" idx="1"/>
+            <a:endCxn id="8" idx="7"/>
+          </p:cNvCxnSpPr>
+          <p:nvPr/>
+        </p:nvCxnSpPr>
+        <p:spPr>
+          <a:xfrm rot="16200000" flipV="1">
+            <a:off x="1943708" y="481051"/>
+            <a:ext cx="12700" cy="2748658"/>
+          </a:xfrm>
+          <a:prstGeom prst="curvedConnector3">
+            <a:avLst>
+              <a:gd name="adj1" fmla="val 2132134"/>
+            </a:avLst>
+          </a:prstGeom>
+          <a:ln w="19050">
+            <a:solidFill>
+              <a:schemeClr val="tx1"/>
+            </a:solidFill>
+            <a:prstDash val="sysDash"/>
+          </a:ln>
+        </p:spPr>
+        <p:style>
+          <a:lnRef idx="1">
+            <a:schemeClr val="accent1"/>
+          </a:lnRef>
+          <a:fillRef idx="0">
+            <a:schemeClr val="accent1"/>
+          </a:fillRef>
+          <a:effectRef idx="0">
+            <a:schemeClr val="accent1"/>
+          </a:effectRef>
+          <a:fontRef idx="minor">
+            <a:schemeClr val="tx1"/>
+          </a:fontRef>
+        </p:style>
+      </p:cxnSp>
+      <p:sp>
+        <p:nvSpPr>
+          <p:cNvPr id="45" name="ZoneTexte 44"/>
+          <p:cNvSpPr txBox="1"/>
+          <p:nvPr/>
+        </p:nvSpPr>
+        <p:spPr>
+          <a:xfrm>
+            <a:off x="1401732" y="1340768"/>
+            <a:ext cx="1083951" cy="261610"/>
+          </a:xfrm>
+          <a:prstGeom prst="rect">
+            <a:avLst/>
+          </a:prstGeom>
+          <a:noFill/>
+        </p:spPr>
+        <p:txBody>
+          <a:bodyPr wrap="none" rtlCol="0">
+            <a:spAutoFit/>
+          </a:bodyPr>
+          <a:lstStyle/>
+          <a:p>
+            <a:r>
+              <a:rPr lang="fr-FR" sz="1100" b="0" dirty="0"/>
+              <a:t>Liaison à définir</a:t>
+            </a:r>
+            <a:endParaRPr lang="fr-FR" sz="1100" dirty="0"/>
+          </a:p>
+        </p:txBody>
+      </p:sp>
+    </p:spTree>
+    <p:extLst>
+      <p:ext uri="{BB962C8B-B14F-4D97-AF65-F5344CB8AC3E}">
+        <p14:creationId xmlns:p14="http://schemas.microsoft.com/office/powerpoint/2010/main" val="1567687556"/>
+      </p:ext>
+    </p:extLst>
+  </p:cSld>
+  <p:clrMapOvr>
+    <a:masterClrMapping/>
+  </p:clrMapOvr>
+</p:sld>
+</file>
+
+<file path=ppt/slides/slide2.xml><?xml version="1.0" encoding="utf-8"?>
 <p:sld xmlns:a="http://schemas.openxmlformats.org/drawingml/2006/main" xmlns:r="http://schemas.openxmlformats.org/officeDocument/2006/relationships" xmlns:p="http://schemas.openxmlformats.org/presentationml/2006/main">
   <p:cSld>
     <p:spTree>
@@ -4192,7 +7277,7 @@
                           <m:chr m:val="⃗"/>
                           <m:ctrlPr>
                             <a:rPr lang="fr-FR" sz="1000" b="0" i="1" smtClean="0">
-                              <a:latin typeface="Cambria Math"/>
+                              <a:latin typeface="Cambria Math" panose="02040503050406030204" pitchFamily="18" charset="0"/>
                             </a:rPr>
                           </m:ctrlPr>
                         </m:accPr>
@@ -4201,7 +7286,7 @@
                             <m:sSubPr>
                               <m:ctrlPr>
                                 <a:rPr lang="fr-FR" sz="1000" i="1">
-                                  <a:latin typeface="Cambria Math"/>
+                                  <a:latin typeface="Cambria Math" panose="02040503050406030204" pitchFamily="18" charset="0"/>
                                 </a:rPr>
                               </m:ctrlPr>
                             </m:sSubPr>
@@ -4361,7 +7446,7 @@
                           <m:chr m:val="⃗"/>
                           <m:ctrlPr>
                             <a:rPr lang="fr-FR" sz="1000" b="0" i="1" smtClean="0">
-                              <a:latin typeface="Cambria Math"/>
+                              <a:latin typeface="Cambria Math" panose="02040503050406030204" pitchFamily="18" charset="0"/>
                             </a:rPr>
                           </m:ctrlPr>
                         </m:accPr>
@@ -4370,7 +7455,7 @@
                             <m:sSubPr>
                               <m:ctrlPr>
                                 <a:rPr lang="fr-FR" sz="1000" i="1">
-                                  <a:latin typeface="Cambria Math"/>
+                                  <a:latin typeface="Cambria Math" panose="02040503050406030204" pitchFamily="18" charset="0"/>
                                 </a:rPr>
                               </m:ctrlPr>
                             </m:sSubPr>
@@ -4476,7 +7561,7 @@
                           <m:chr m:val="⃗"/>
                           <m:ctrlPr>
                             <a:rPr lang="fr-FR" sz="1000" b="0" i="1" smtClean="0">
-                              <a:latin typeface="Cambria Math"/>
+                              <a:latin typeface="Cambria Math" panose="02040503050406030204" pitchFamily="18" charset="0"/>
                             </a:rPr>
                           </m:ctrlPr>
                         </m:accPr>
@@ -4485,7 +7570,7 @@
                             <m:sSubPr>
                               <m:ctrlPr>
                                 <a:rPr lang="fr-FR" sz="1000" i="1">
-                                  <a:latin typeface="Cambria Math"/>
+                                  <a:latin typeface="Cambria Math" panose="02040503050406030204" pitchFamily="18" charset="0"/>
                                 </a:rPr>
                               </m:ctrlPr>
                             </m:sSubPr>
@@ -4519,7 +7604,7 @@
                           <m:chr m:val="⃗"/>
                           <m:ctrlPr>
                             <a:rPr lang="fr-FR" sz="1000" i="1">
-                              <a:latin typeface="Cambria Math"/>
+                              <a:latin typeface="Cambria Math" panose="02040503050406030204" pitchFamily="18" charset="0"/>
                             </a:rPr>
                           </m:ctrlPr>
                         </m:accPr>
@@ -4528,7 +7613,7 @@
                             <m:sSubPr>
                               <m:ctrlPr>
                                 <a:rPr lang="fr-FR" sz="1000" b="0" i="1" smtClean="0">
-                                  <a:latin typeface="Cambria Math"/>
+                                  <a:latin typeface="Cambria Math" panose="02040503050406030204" pitchFamily="18" charset="0"/>
                                 </a:rPr>
                               </m:ctrlPr>
                             </m:sSubPr>
@@ -4640,7 +7725,7 @@
                           <m:chr m:val="⃗"/>
                           <m:ctrlPr>
                             <a:rPr lang="fr-FR" sz="1000" b="0" i="1" smtClean="0">
-                              <a:latin typeface="Cambria Math"/>
+                              <a:latin typeface="Cambria Math" panose="02040503050406030204" pitchFamily="18" charset="0"/>
                             </a:rPr>
                           </m:ctrlPr>
                         </m:accPr>
@@ -4649,7 +7734,7 @@
                             <m:sSubPr>
                               <m:ctrlPr>
                                 <a:rPr lang="fr-FR" sz="1000" i="1">
-                                  <a:latin typeface="Cambria Math"/>
+                                  <a:latin typeface="Cambria Math" panose="02040503050406030204" pitchFamily="18" charset="0"/>
                                 </a:rPr>
                               </m:ctrlPr>
                             </m:sSubPr>
@@ -4761,7 +7846,7 @@
                           <m:chr m:val="⃗"/>
                           <m:ctrlPr>
                             <a:rPr lang="fr-FR" sz="1000" b="0" i="1" smtClean="0">
-                              <a:latin typeface="Cambria Math"/>
+                              <a:latin typeface="Cambria Math" panose="02040503050406030204" pitchFamily="18" charset="0"/>
                             </a:rPr>
                           </m:ctrlPr>
                         </m:accPr>
@@ -4770,7 +7855,7 @@
                             <m:sSubPr>
                               <m:ctrlPr>
                                 <a:rPr lang="fr-FR" sz="1000" i="1">
-                                  <a:latin typeface="Cambria Math"/>
+                                  <a:latin typeface="Cambria Math" panose="02040503050406030204" pitchFamily="18" charset="0"/>
                                 </a:rPr>
                               </m:ctrlPr>
                             </m:sSubPr>
@@ -4876,7 +7961,7 @@
                           <m:chr m:val="⃗"/>
                           <m:ctrlPr>
                             <a:rPr lang="fr-FR" sz="1000" b="0" i="1" smtClean="0">
-                              <a:latin typeface="Cambria Math"/>
+                              <a:latin typeface="Cambria Math" panose="02040503050406030204" pitchFamily="18" charset="0"/>
                             </a:rPr>
                           </m:ctrlPr>
                         </m:accPr>
@@ -4885,7 +7970,7 @@
                             <m:sSubPr>
                               <m:ctrlPr>
                                 <a:rPr lang="fr-FR" sz="1000" i="1">
-                                  <a:latin typeface="Cambria Math"/>
+                                  <a:latin typeface="Cambria Math" panose="02040503050406030204" pitchFamily="18" charset="0"/>
                                 </a:rPr>
                               </m:ctrlPr>
                             </m:sSubPr>
@@ -4991,7 +8076,7 @@
                           <m:chr m:val="⃗"/>
                           <m:ctrlPr>
                             <a:rPr lang="fr-FR" sz="1000" b="0" i="1" smtClean="0">
-                              <a:latin typeface="Cambria Math"/>
+                              <a:latin typeface="Cambria Math" panose="02040503050406030204" pitchFamily="18" charset="0"/>
                             </a:rPr>
                           </m:ctrlPr>
                         </m:accPr>
@@ -5000,7 +8085,7 @@
                             <m:sSubPr>
                               <m:ctrlPr>
                                 <a:rPr lang="fr-FR" sz="1000" i="1">
-                                  <a:latin typeface="Cambria Math"/>
+                                  <a:latin typeface="Cambria Math" panose="02040503050406030204" pitchFamily="18" charset="0"/>
                                 </a:rPr>
                               </m:ctrlPr>
                             </m:sSubPr>
@@ -5112,7 +8197,7 @@
                           <m:chr m:val="⃗"/>
                           <m:ctrlPr>
                             <a:rPr lang="fr-FR" sz="1000" b="0" i="1" smtClean="0">
-                              <a:latin typeface="Cambria Math"/>
+                              <a:latin typeface="Cambria Math" panose="02040503050406030204" pitchFamily="18" charset="0"/>
                             </a:rPr>
                           </m:ctrlPr>
                         </m:accPr>
@@ -5121,7 +8206,7 @@
                             <m:sSubPr>
                               <m:ctrlPr>
                                 <a:rPr lang="fr-FR" sz="1000" i="1">
-                                  <a:latin typeface="Cambria Math"/>
+                                  <a:latin typeface="Cambria Math" panose="02040503050406030204" pitchFamily="18" charset="0"/>
                                 </a:rPr>
                               </m:ctrlPr>
                             </m:sSubPr>
@@ -5227,7 +8312,7 @@
                           <m:chr m:val="⃗"/>
                           <m:ctrlPr>
                             <a:rPr lang="fr-FR" sz="1000" b="0" i="1" smtClean="0">
-                              <a:latin typeface="Cambria Math"/>
+                              <a:latin typeface="Cambria Math" panose="02040503050406030204" pitchFamily="18" charset="0"/>
                             </a:rPr>
                           </m:ctrlPr>
                         </m:accPr>
@@ -5236,7 +8321,7 @@
                             <m:sSubPr>
                               <m:ctrlPr>
                                 <a:rPr lang="fr-FR" sz="1000" i="1">
-                                  <a:latin typeface="Cambria Math"/>
+                                  <a:latin typeface="Cambria Math" panose="02040503050406030204" pitchFamily="18" charset="0"/>
                                 </a:rPr>
                               </m:ctrlPr>
                             </m:sSubPr>
@@ -5342,7 +8427,7 @@
                           <m:chr m:val="⃗"/>
                           <m:ctrlPr>
                             <a:rPr lang="fr-FR" sz="1000" b="0" i="1" smtClean="0">
-                              <a:latin typeface="Cambria Math"/>
+                              <a:latin typeface="Cambria Math" panose="02040503050406030204" pitchFamily="18" charset="0"/>
                             </a:rPr>
                           </m:ctrlPr>
                         </m:accPr>
@@ -5351,7 +8436,7 @@
                             <m:sSubPr>
                               <m:ctrlPr>
                                 <a:rPr lang="fr-FR" sz="1000" i="1">
-                                  <a:latin typeface="Cambria Math"/>
+                                  <a:latin typeface="Cambria Math" panose="02040503050406030204" pitchFamily="18" charset="0"/>
                                 </a:rPr>
                               </m:ctrlPr>
                             </m:sSubPr>
@@ -5456,7 +8541,7 @@
                         <m:sSubPr>
                           <m:ctrlPr>
                             <a:rPr lang="fr-FR" sz="1000" b="0" i="1" smtClean="0">
-                              <a:latin typeface="Cambria Math"/>
+                              <a:latin typeface="Cambria Math" panose="02040503050406030204" pitchFamily="18" charset="0"/>
                             </a:rPr>
                           </m:ctrlPr>
                         </m:sSubPr>
@@ -5559,7 +8644,7 @@
                         <m:sSubPr>
                           <m:ctrlPr>
                             <a:rPr lang="fr-FR" sz="1000" b="0" i="1" smtClean="0">
-                              <a:latin typeface="Cambria Math"/>
+                              <a:latin typeface="Cambria Math" panose="02040503050406030204" pitchFamily="18" charset="0"/>
                             </a:rPr>
                           </m:ctrlPr>
                         </m:sSubPr>
@@ -5662,7 +8747,7 @@
                         <m:sSubPr>
                           <m:ctrlPr>
                             <a:rPr lang="fr-FR" sz="1000" b="0" i="1" smtClean="0">
-                              <a:latin typeface="Cambria Math"/>
+                              <a:latin typeface="Cambria Math" panose="02040503050406030204" pitchFamily="18" charset="0"/>
                             </a:rPr>
                           </m:ctrlPr>
                         </m:sSubPr>
@@ -5812,7 +8897,7 @@
                         <m:sSubPr>
                           <m:ctrlPr>
                             <a:rPr lang="fr-FR" sz="1000" b="0" i="1" smtClean="0">
-                              <a:latin typeface="Cambria Math"/>
+                              <a:latin typeface="Cambria Math" panose="02040503050406030204" pitchFamily="18" charset="0"/>
                             </a:rPr>
                           </m:ctrlPr>
                         </m:sSubPr>
@@ -5916,7 +9001,7 @@
                           <m:chr m:val="⃗"/>
                           <m:ctrlPr>
                             <a:rPr lang="fr-FR" sz="1000" b="0" i="1" smtClean="0">
-                              <a:latin typeface="Cambria Math"/>
+                              <a:latin typeface="Cambria Math" panose="02040503050406030204" pitchFamily="18" charset="0"/>
                             </a:rPr>
                           </m:ctrlPr>
                         </m:accPr>
@@ -5925,7 +9010,7 @@
                             <m:sSubPr>
                               <m:ctrlPr>
                                 <a:rPr lang="fr-FR" sz="1000" i="1">
-                                  <a:latin typeface="Cambria Math"/>
+                                  <a:latin typeface="Cambria Math" panose="02040503050406030204" pitchFamily="18" charset="0"/>
                                 </a:rPr>
                               </m:ctrlPr>
                             </m:sSubPr>
@@ -6031,7 +9116,7 @@
                           <m:chr m:val="⃗"/>
                           <m:ctrlPr>
                             <a:rPr lang="fr-FR" sz="800" b="0" i="1" smtClean="0">
-                              <a:latin typeface="Cambria Math"/>
+                              <a:latin typeface="Cambria Math" panose="02040503050406030204" pitchFamily="18" charset="0"/>
                             </a:rPr>
                           </m:ctrlPr>
                         </m:accPr>
@@ -6040,7 +9125,7 @@
                             <m:sSubPr>
                               <m:ctrlPr>
                                 <a:rPr lang="fr-FR" sz="800" i="1">
-                                  <a:latin typeface="Cambria Math"/>
+                                  <a:latin typeface="Cambria Math" panose="02040503050406030204" pitchFamily="18" charset="0"/>
                                 </a:rPr>
                               </m:ctrlPr>
                             </m:sSubPr>
@@ -6074,7 +9159,7 @@
                           <m:chr m:val="⃗"/>
                           <m:ctrlPr>
                             <a:rPr lang="fr-FR" sz="800" i="1">
-                              <a:latin typeface="Cambria Math"/>
+                              <a:latin typeface="Cambria Math" panose="02040503050406030204" pitchFamily="18" charset="0"/>
                             </a:rPr>
                           </m:ctrlPr>
                         </m:accPr>
@@ -6083,7 +9168,7 @@
                             <m:sSubPr>
                               <m:ctrlPr>
                                 <a:rPr lang="fr-FR" sz="800" i="1">
-                                  <a:latin typeface="Cambria Math"/>
+                                  <a:latin typeface="Cambria Math" panose="02040503050406030204" pitchFamily="18" charset="0"/>
                                 </a:rPr>
                               </m:ctrlPr>
                             </m:sSubPr>
@@ -6117,7 +9202,7 @@
                           <m:chr m:val="⃗"/>
                           <m:ctrlPr>
                             <a:rPr lang="fr-FR" sz="800" i="1">
-                              <a:latin typeface="Cambria Math"/>
+                              <a:latin typeface="Cambria Math" panose="02040503050406030204" pitchFamily="18" charset="0"/>
                             </a:rPr>
                           </m:ctrlPr>
                         </m:accPr>
@@ -6126,7 +9211,7 @@
                             <m:sSubPr>
                               <m:ctrlPr>
                                 <a:rPr lang="fr-FR" sz="800" i="1">
-                                  <a:latin typeface="Cambria Math"/>
+                                  <a:latin typeface="Cambria Math" panose="02040503050406030204" pitchFamily="18" charset="0"/>
                                 </a:rPr>
                               </m:ctrlPr>
                             </m:sSubPr>
@@ -6231,7 +9316,7 @@
                         <m:sSupPr>
                           <m:ctrlPr>
                             <a:rPr lang="fr-FR" sz="1000" b="0" i="1" smtClean="0">
-                              <a:latin typeface="Cambria Math"/>
+                              <a:latin typeface="Cambria Math" panose="02040503050406030204" pitchFamily="18" charset="0"/>
                             </a:rPr>
                           </m:ctrlPr>
                         </m:sSupPr>
@@ -6241,7 +9326,7 @@
                               <m:chr m:val="⃗"/>
                               <m:ctrlPr>
                                 <a:rPr lang="fr-FR" sz="1000" b="0" i="1" smtClean="0">
-                                  <a:latin typeface="Cambria Math"/>
+                                  <a:latin typeface="Cambria Math" panose="02040503050406030204" pitchFamily="18" charset="0"/>
                                 </a:rPr>
                               </m:ctrlPr>
                             </m:accPr>
@@ -6250,7 +9335,7 @@
                                 <m:sSubPr>
                                   <m:ctrlPr>
                                     <a:rPr lang="fr-FR" sz="1000" i="1">
-                                      <a:latin typeface="Cambria Math"/>
+                                      <a:latin typeface="Cambria Math" panose="02040503050406030204" pitchFamily="18" charset="0"/>
                                     </a:rPr>
                                   </m:ctrlPr>
                                 </m:sSubPr>
@@ -6294,7 +9379,7 @@
                           <m:chr m:val="⃗"/>
                           <m:ctrlPr>
                             <a:rPr lang="fr-FR" sz="1000" i="1">
-                              <a:latin typeface="Cambria Math"/>
+                              <a:latin typeface="Cambria Math" panose="02040503050406030204" pitchFamily="18" charset="0"/>
                             </a:rPr>
                           </m:ctrlPr>
                         </m:accPr>
@@ -6303,7 +9388,7 @@
                             <m:sSubPr>
                               <m:ctrlPr>
                                 <a:rPr lang="fr-FR" sz="1000" i="1">
-                                  <a:latin typeface="Cambria Math"/>
+                                  <a:latin typeface="Cambria Math" panose="02040503050406030204" pitchFamily="18" charset="0"/>
                                 </a:rPr>
                               </m:ctrlPr>
                             </m:sSubPr>
@@ -6408,7 +9493,7 @@
                         <m:sSupPr>
                           <m:ctrlPr>
                             <a:rPr lang="fr-FR" sz="1000" b="0" i="1" smtClean="0">
-                              <a:latin typeface="Cambria Math"/>
+                              <a:latin typeface="Cambria Math" panose="02040503050406030204" pitchFamily="18" charset="0"/>
                             </a:rPr>
                           </m:ctrlPr>
                         </m:sSupPr>
@@ -6418,7 +9503,7 @@
                               <m:chr m:val="⃗"/>
                               <m:ctrlPr>
                                 <a:rPr lang="fr-FR" sz="1000" b="0" i="1" smtClean="0">
-                                  <a:latin typeface="Cambria Math"/>
+                                  <a:latin typeface="Cambria Math" panose="02040503050406030204" pitchFamily="18" charset="0"/>
                                 </a:rPr>
                               </m:ctrlPr>
                             </m:accPr>
@@ -6427,7 +9512,7 @@
                                 <m:sSubPr>
                                   <m:ctrlPr>
                                     <a:rPr lang="fr-FR" sz="1000" i="1">
-                                      <a:latin typeface="Cambria Math"/>
+                                      <a:latin typeface="Cambria Math" panose="02040503050406030204" pitchFamily="18" charset="0"/>
                                     </a:rPr>
                                   </m:ctrlPr>
                                 </m:sSubPr>
@@ -6471,7 +9556,7 @@
                           <m:chr m:val="⃗"/>
                           <m:ctrlPr>
                             <a:rPr lang="fr-FR" sz="1000" i="1">
-                              <a:latin typeface="Cambria Math"/>
+                              <a:latin typeface="Cambria Math" panose="02040503050406030204" pitchFamily="18" charset="0"/>
                             </a:rPr>
                           </m:ctrlPr>
                         </m:accPr>
@@ -6480,7 +9565,7 @@
                             <m:sSubPr>
                               <m:ctrlPr>
                                 <a:rPr lang="fr-FR" sz="1000" i="1">
-                                  <a:latin typeface="Cambria Math"/>
+                                  <a:latin typeface="Cambria Math" panose="02040503050406030204" pitchFamily="18" charset="0"/>
                                 </a:rPr>
                               </m:ctrlPr>
                             </m:sSubPr>
@@ -6586,7 +9671,7 @@
                           <m:chr m:val="⃗"/>
                           <m:ctrlPr>
                             <a:rPr lang="fr-FR" sz="1000" b="0" i="1" smtClean="0">
-                              <a:latin typeface="Cambria Math"/>
+                              <a:latin typeface="Cambria Math" panose="02040503050406030204" pitchFamily="18" charset="0"/>
                             </a:rPr>
                           </m:ctrlPr>
                         </m:accPr>
@@ -6595,7 +9680,7 @@
                             <m:sSubPr>
                               <m:ctrlPr>
                                 <a:rPr lang="fr-FR" sz="1000" i="1">
-                                  <a:latin typeface="Cambria Math"/>
+                                  <a:latin typeface="Cambria Math" panose="02040503050406030204" pitchFamily="18" charset="0"/>
                                 </a:rPr>
                               </m:ctrlPr>
                             </m:sSubPr>
@@ -6701,7 +9786,7 @@
                           <m:chr m:val="⃗"/>
                           <m:ctrlPr>
                             <a:rPr lang="fr-FR" sz="1000" b="0" i="1" smtClean="0">
-                              <a:latin typeface="Cambria Math"/>
+                              <a:latin typeface="Cambria Math" panose="02040503050406030204" pitchFamily="18" charset="0"/>
                             </a:rPr>
                           </m:ctrlPr>
                         </m:accPr>
@@ -6710,7 +9795,7 @@
                             <m:sSubPr>
                               <m:ctrlPr>
                                 <a:rPr lang="fr-FR" sz="1000" i="1">
-                                  <a:latin typeface="Cambria Math"/>
+                                  <a:latin typeface="Cambria Math" panose="02040503050406030204" pitchFamily="18" charset="0"/>
                                 </a:rPr>
                               </m:ctrlPr>
                             </m:sSubPr>
@@ -6816,7 +9901,7 @@
                           <m:chr m:val="⃗"/>
                           <m:ctrlPr>
                             <a:rPr lang="fr-FR" sz="1000" b="0" i="1" smtClean="0">
-                              <a:latin typeface="Cambria Math"/>
+                              <a:latin typeface="Cambria Math" panose="02040503050406030204" pitchFamily="18" charset="0"/>
                             </a:rPr>
                           </m:ctrlPr>
                         </m:accPr>
@@ -6825,7 +9910,7 @@
                             <m:sSubPr>
                               <m:ctrlPr>
                                 <a:rPr lang="fr-FR" sz="1000" i="1">
-                                  <a:latin typeface="Cambria Math"/>
+                                  <a:latin typeface="Cambria Math" panose="02040503050406030204" pitchFamily="18" charset="0"/>
                                 </a:rPr>
                               </m:ctrlPr>
                             </m:sSubPr>
@@ -6908,7 +9993,7 @@
 </p:sld>
 </file>
 
-<file path=ppt/slides/slide2.xml><?xml version="1.0" encoding="utf-8"?>
+<file path=ppt/slides/slide3.xml><?xml version="1.0" encoding="utf-8"?>
 <p:sld xmlns:a="http://schemas.openxmlformats.org/drawingml/2006/main" xmlns:r="http://schemas.openxmlformats.org/officeDocument/2006/relationships" xmlns:p="http://schemas.openxmlformats.org/presentationml/2006/main">
   <p:cSld>
     <p:spTree>
@@ -6975,18 +10060,13 @@
           <a:p>
             <a:pPr algn="ctr"/>
             <a:r>
-              <a:rPr lang="fr-FR" sz="1000" dirty="0" smtClean="0">
+              <a:rPr lang="fr-FR" sz="1000" dirty="0">
                 <a:solidFill>
                   <a:sysClr val="windowText" lastClr="000000"/>
                 </a:solidFill>
               </a:rPr>
               <a:t>Domaine du client</a:t>
             </a:r>
-            <a:endParaRPr lang="fr-FR" sz="1000" dirty="0">
-              <a:solidFill>
-                <a:sysClr val="windowText" lastClr="000000"/>
-              </a:solidFill>
-            </a:endParaRPr>
           </a:p>
         </p:txBody>
       </p:sp>
@@ -7159,18 +10239,13 @@
           <a:p>
             <a:pPr algn="ctr"/>
             <a:r>
-              <a:rPr lang="fr-FR" sz="1000" dirty="0" smtClean="0">
+              <a:rPr lang="fr-FR" sz="1000" dirty="0">
                 <a:solidFill>
                   <a:sysClr val="windowText" lastClr="000000"/>
                 </a:solidFill>
               </a:rPr>
               <a:t>Domaine de la modélisation</a:t>
             </a:r>
-            <a:endParaRPr lang="fr-FR" sz="1000" dirty="0">
-              <a:solidFill>
-                <a:sysClr val="windowText" lastClr="000000"/>
-              </a:solidFill>
-            </a:endParaRPr>
           </a:p>
         </p:txBody>
       </p:sp>
@@ -7277,18 +10352,13 @@
           <a:p>
             <a:pPr algn="ctr"/>
             <a:r>
-              <a:rPr lang="fr-FR" sz="1000" b="1" dirty="0" smtClean="0">
+              <a:rPr lang="fr-FR" sz="1000" b="1" dirty="0">
                 <a:solidFill>
                   <a:sysClr val="windowText" lastClr="000000"/>
                 </a:solidFill>
               </a:rPr>
               <a:t>Couple moteur calculé</a:t>
             </a:r>
-            <a:endParaRPr lang="fr-FR" sz="1000" b="1" dirty="0">
-              <a:solidFill>
-                <a:sysClr val="windowText" lastClr="000000"/>
-              </a:solidFill>
-            </a:endParaRPr>
           </a:p>
         </p:txBody>
       </p:sp>
@@ -7416,18 +10486,13 @@
           <a:p>
             <a:pPr algn="ctr"/>
             <a:r>
-              <a:rPr lang="fr-FR" sz="1100" b="1" dirty="0" smtClean="0">
+              <a:rPr lang="fr-FR" sz="1100" b="1" dirty="0">
                 <a:solidFill>
                   <a:sysClr val="windowText" lastClr="000000"/>
                 </a:solidFill>
               </a:rPr>
               <a:t>Exigence validée ?</a:t>
             </a:r>
-            <a:endParaRPr lang="fr-FR" sz="1100" b="1" dirty="0">
-              <a:solidFill>
-                <a:sysClr val="windowText" lastClr="000000"/>
-              </a:solidFill>
-            </a:endParaRPr>
           </a:p>
         </p:txBody>
       </p:sp>
@@ -7493,18 +10558,13 @@
           <a:p>
             <a:pPr algn="ctr"/>
             <a:r>
-              <a:rPr lang="fr-FR" sz="1100" b="1" dirty="0" smtClean="0">
+              <a:rPr lang="fr-FR" sz="1100" b="1" dirty="0">
                 <a:solidFill>
                   <a:sysClr val="windowText" lastClr="000000"/>
                 </a:solidFill>
               </a:rPr>
               <a:t>Marge d’utilisation</a:t>
             </a:r>
-            <a:endParaRPr lang="fr-FR" sz="1100" b="1" dirty="0">
-              <a:solidFill>
-                <a:sysClr val="windowText" lastClr="000000"/>
-              </a:solidFill>
-            </a:endParaRPr>
           </a:p>
         </p:txBody>
       </p:sp>
@@ -7521,7 +10581,7 @@
 </p:sld>
 </file>
 
-<file path=ppt/slides/slide3.xml><?xml version="1.0" encoding="utf-8"?>
+<file path=ppt/slides/slide4.xml><?xml version="1.0" encoding="utf-8"?>
 <p:sld xmlns:a="http://schemas.openxmlformats.org/drawingml/2006/main" xmlns:r="http://schemas.openxmlformats.org/officeDocument/2006/relationships" xmlns:p="http://schemas.openxmlformats.org/presentationml/2006/main">
   <p:cSld>
     <p:spTree>
@@ -7588,18 +10648,13 @@
           <a:p>
             <a:pPr algn="ctr"/>
             <a:r>
-              <a:rPr lang="fr-FR" sz="1000" dirty="0" smtClean="0">
+              <a:rPr lang="fr-FR" sz="1000" dirty="0">
                 <a:solidFill>
                   <a:sysClr val="windowText" lastClr="000000"/>
                 </a:solidFill>
               </a:rPr>
               <a:t>Domaine du client</a:t>
             </a:r>
-            <a:endParaRPr lang="fr-FR" sz="1000" dirty="0">
-              <a:solidFill>
-                <a:sysClr val="windowText" lastClr="000000"/>
-              </a:solidFill>
-            </a:endParaRPr>
           </a:p>
         </p:txBody>
       </p:sp>
@@ -7708,18 +10763,13 @@
           <a:p>
             <a:pPr algn="ctr"/>
             <a:r>
-              <a:rPr lang="fr-FR" sz="1000" dirty="0" smtClean="0">
+              <a:rPr lang="fr-FR" sz="1000" dirty="0">
                 <a:solidFill>
                   <a:sysClr val="windowText" lastClr="000000"/>
                 </a:solidFill>
               </a:rPr>
               <a:t>Domaine de la modélisation</a:t>
             </a:r>
-            <a:endParaRPr lang="fr-FR" sz="1000" dirty="0">
-              <a:solidFill>
-                <a:sysClr val="windowText" lastClr="000000"/>
-              </a:solidFill>
-            </a:endParaRPr>
           </a:p>
         </p:txBody>
       </p:sp>
@@ -7826,7 +10876,7 @@
           <a:p>
             <a:pPr algn="ctr"/>
             <a:r>
-              <a:rPr lang="fr-FR" sz="1000" b="1" dirty="0" smtClean="0">
+              <a:rPr lang="fr-FR" sz="1000" b="1" dirty="0">
                 <a:solidFill>
                   <a:sysClr val="windowText" lastClr="000000"/>
                 </a:solidFill>
@@ -7925,18 +10975,13 @@
           <a:p>
             <a:pPr algn="ctr"/>
             <a:r>
-              <a:rPr lang="fr-FR" sz="1000" dirty="0" smtClean="0">
+              <a:rPr lang="fr-FR" sz="1000" dirty="0">
                 <a:solidFill>
                   <a:sysClr val="windowText" lastClr="000000"/>
                 </a:solidFill>
               </a:rPr>
               <a:t>Domaine de l’expérimentation</a:t>
             </a:r>
-            <a:endParaRPr lang="fr-FR" sz="1000" dirty="0">
-              <a:solidFill>
-                <a:sysClr val="windowText" lastClr="000000"/>
-              </a:solidFill>
-            </a:endParaRPr>
           </a:p>
         </p:txBody>
       </p:sp>
@@ -8047,18 +11092,13 @@
           <a:p>
             <a:pPr algn="ctr"/>
             <a:r>
-              <a:rPr lang="fr-FR" sz="1000" b="1" dirty="0" smtClean="0">
+              <a:rPr lang="fr-FR" sz="1000" b="1" dirty="0">
                 <a:solidFill>
                   <a:sysClr val="windowText" lastClr="000000"/>
                 </a:solidFill>
               </a:rPr>
               <a:t>Calibration du poids de E.</a:t>
             </a:r>
-            <a:endParaRPr lang="fr-FR" sz="1000" b="1" dirty="0">
-              <a:solidFill>
-                <a:sysClr val="windowText" lastClr="000000"/>
-              </a:solidFill>
-            </a:endParaRPr>
           </a:p>
         </p:txBody>
       </p:sp>
@@ -8117,7 +11157,7 @@
               <a:p>
                 <a:pPr algn="ctr"/>
                 <a:r>
-                  <a:rPr lang="fr-FR" sz="900" dirty="0" smtClean="0">
+                  <a:rPr lang="fr-FR" sz="900" dirty="0">
                     <a:solidFill>
                       <a:sysClr val="windowText" lastClr="000000"/>
                     </a:solidFill>
@@ -8128,7 +11168,7 @@
               <a:p>
                 <a:pPr algn="ctr"/>
                 <a:r>
-                  <a:rPr lang="fr-FR" sz="1050" b="1" dirty="0" smtClean="0">
+                  <a:rPr lang="fr-FR" sz="1050" b="1" dirty="0">
                     <a:solidFill>
                       <a:sysClr val="windowText" lastClr="000000"/>
                     </a:solidFill>
@@ -8138,7 +11178,7 @@
               </a:p>
               <a:p>
                 <a:pPr algn="ctr"/>
-                <a:endParaRPr lang="fr-FR" sz="1050" b="1" dirty="0" smtClean="0">
+                <a:endParaRPr lang="fr-FR" sz="1050" b="1" dirty="0">
                   <a:solidFill>
                     <a:sysClr val="windowText" lastClr="000000"/>
                   </a:solidFill>
@@ -8147,7 +11187,7 @@
               <a:p>
                 <a:pPr algn="ctr"/>
                 <a:r>
-                  <a:rPr lang="fr-FR" sz="1050" b="1" dirty="0" smtClean="0">
+                  <a:rPr lang="fr-FR" sz="1050" b="1" dirty="0">
                     <a:solidFill>
                       <a:sysClr val="windowText" lastClr="000000"/>
                     </a:solidFill>
@@ -8174,7 +11214,7 @@
                             <a:solidFill>
                               <a:schemeClr val="tx1"/>
                             </a:solidFill>
-                            <a:latin typeface="Cambria Math"/>
+                            <a:latin typeface="Cambria Math" panose="02040503050406030204" pitchFamily="18" charset="0"/>
                           </a:rPr>
                         </m:ctrlPr>
                       </m:sSubPr>
@@ -8213,20 +11253,12 @@
                   </m:oMath>
                 </a14:m>
                 <a:r>
-                  <a:rPr lang="fr-FR" sz="1000" dirty="0" smtClean="0">
-                    <a:solidFill>
-                      <a:schemeClr val="tx1"/>
-                    </a:solidFill>
-                  </a:rPr>
-                  <a:t> </a:t>
-                </a:r>
-                <a:r>
                   <a:rPr lang="fr-FR" sz="1000" dirty="0">
                     <a:solidFill>
                       <a:schemeClr val="tx1"/>
                     </a:solidFill>
                   </a:rPr>
-                  <a:t>à la valeur de </a:t>
+                  <a:t> à la valeur de </a:t>
                 </a:r>
                 <a14:m>
                   <m:oMath xmlns:m="http://schemas.openxmlformats.org/officeDocument/2006/math">
@@ -8237,7 +11269,7 @@
                             <a:solidFill>
                               <a:schemeClr val="tx1"/>
                             </a:solidFill>
-                            <a:latin typeface="Cambria Math"/>
+                            <a:latin typeface="Cambria Math" panose="02040503050406030204" pitchFamily="18" charset="0"/>
                           </a:rPr>
                         </m:ctrlPr>
                       </m:sSubPr>
@@ -8276,28 +11308,12 @@
                   </m:oMath>
                 </a14:m>
                 <a:r>
-                  <a:rPr lang="fr-FR" sz="1000" dirty="0" smtClean="0">
-                    <a:solidFill>
-                      <a:schemeClr val="tx1"/>
-                    </a:solidFill>
-                  </a:rPr>
-                  <a:t>mesurée </a:t>
-                </a:r>
-                <a:r>
                   <a:rPr lang="fr-FR" sz="1000" dirty="0">
                     <a:solidFill>
                       <a:schemeClr val="tx1"/>
                     </a:solidFill>
                   </a:rPr>
-                  <a:t>sous  </a:t>
-                </a:r>
-                <a:r>
-                  <a:rPr lang="fr-FR" sz="1000" dirty="0" smtClean="0">
-                    <a:solidFill>
-                      <a:schemeClr val="tx1"/>
-                    </a:solidFill>
-                  </a:rPr>
-                  <a:t>« charge ». </a:t>
+                  <a:t>mesurée sous  « charge ». </a:t>
                 </a:r>
                 <a:endParaRPr lang="fr-FR" sz="1000" b="1" dirty="0">
                   <a:solidFill>
@@ -8370,7 +11386,7 @@
 </p:sld>
 </file>
 
-<file path=ppt/slides/slide4.xml><?xml version="1.0" encoding="utf-8"?>
+<file path=ppt/slides/slide5.xml><?xml version="1.0" encoding="utf-8"?>
 <p:sld xmlns:a="http://schemas.openxmlformats.org/drawingml/2006/main" xmlns:r="http://schemas.openxmlformats.org/officeDocument/2006/relationships" xmlns:p="http://schemas.openxmlformats.org/presentationml/2006/main">
   <p:cSld>
     <p:spTree>
@@ -8437,18 +11453,13 @@
           <a:p>
             <a:pPr algn="ctr"/>
             <a:r>
-              <a:rPr lang="fr-FR" sz="1000" dirty="0" smtClean="0">
+              <a:rPr lang="fr-FR" sz="1000" dirty="0">
                 <a:solidFill>
                   <a:sysClr val="windowText" lastClr="000000"/>
                 </a:solidFill>
               </a:rPr>
               <a:t>Domaine du client</a:t>
             </a:r>
-            <a:endParaRPr lang="fr-FR" sz="1000" dirty="0">
-              <a:solidFill>
-                <a:sysClr val="windowText" lastClr="000000"/>
-              </a:solidFill>
-            </a:endParaRPr>
           </a:p>
         </p:txBody>
       </p:sp>
@@ -8557,18 +11568,13 @@
           <a:p>
             <a:pPr algn="ctr"/>
             <a:r>
-              <a:rPr lang="fr-FR" sz="1000" dirty="0" smtClean="0">
+              <a:rPr lang="fr-FR" sz="1000" dirty="0">
                 <a:solidFill>
                   <a:sysClr val="windowText" lastClr="000000"/>
                 </a:solidFill>
               </a:rPr>
               <a:t>Domaine de la modélisation</a:t>
             </a:r>
-            <a:endParaRPr lang="fr-FR" sz="1000" dirty="0">
-              <a:solidFill>
-                <a:sysClr val="windowText" lastClr="000000"/>
-              </a:solidFill>
-            </a:endParaRPr>
           </a:p>
         </p:txBody>
       </p:sp>
@@ -8675,7 +11681,7 @@
           <a:p>
             <a:pPr algn="ctr"/>
             <a:r>
-              <a:rPr lang="fr-FR" sz="1000" b="1" dirty="0" smtClean="0">
+              <a:rPr lang="fr-FR" sz="1000" b="1" dirty="0">
                 <a:solidFill>
                   <a:sysClr val="windowText" lastClr="000000"/>
                 </a:solidFill>
@@ -8774,18 +11780,13 @@
           <a:p>
             <a:pPr algn="ctr"/>
             <a:r>
-              <a:rPr lang="fr-FR" sz="1000" dirty="0" smtClean="0">
+              <a:rPr lang="fr-FR" sz="1000" dirty="0">
                 <a:solidFill>
                   <a:sysClr val="windowText" lastClr="000000"/>
                 </a:solidFill>
               </a:rPr>
               <a:t>Domaine de l’expérimentation</a:t>
             </a:r>
-            <a:endParaRPr lang="fr-FR" sz="1000" dirty="0">
-              <a:solidFill>
-                <a:sysClr val="windowText" lastClr="000000"/>
-              </a:solidFill>
-            </a:endParaRPr>
           </a:p>
         </p:txBody>
       </p:sp>
@@ -8896,18 +11897,13 @@
           <a:p>
             <a:pPr algn="ctr"/>
             <a:r>
-              <a:rPr lang="fr-FR" sz="1000" b="1" dirty="0" smtClean="0">
+              <a:rPr lang="fr-FR" sz="1000" b="1" dirty="0">
                 <a:solidFill>
                   <a:sysClr val="windowText" lastClr="000000"/>
                 </a:solidFill>
               </a:rPr>
               <a:t>Calibration du poids de E.</a:t>
             </a:r>
-            <a:endParaRPr lang="fr-FR" sz="1000" b="1" dirty="0">
-              <a:solidFill>
-                <a:sysClr val="windowText" lastClr="000000"/>
-              </a:solidFill>
-            </a:endParaRPr>
           </a:p>
         </p:txBody>
       </p:sp>
@@ -8964,7 +11960,7 @@
           <a:p>
             <a:pPr algn="ctr"/>
             <a:r>
-              <a:rPr lang="fr-FR" sz="900" dirty="0" smtClean="0">
+              <a:rPr lang="fr-FR" sz="900" dirty="0">
                 <a:solidFill>
                   <a:sysClr val="windowText" lastClr="000000"/>
                 </a:solidFill>
@@ -8975,7 +11971,7 @@
           <a:p>
             <a:pPr algn="ctr"/>
             <a:r>
-              <a:rPr lang="fr-FR" sz="1050" b="1" dirty="0" smtClean="0">
+              <a:rPr lang="fr-FR" sz="1050" b="1" dirty="0">
                 <a:solidFill>
                   <a:sysClr val="windowText" lastClr="000000"/>
                 </a:solidFill>
@@ -8985,7 +11981,7 @@
           </a:p>
           <a:p>
             <a:pPr algn="ctr"/>
-            <a:endParaRPr lang="fr-FR" sz="1050" b="1" dirty="0" smtClean="0">
+            <a:endParaRPr lang="fr-FR" sz="1050" b="1" dirty="0">
               <a:solidFill>
                 <a:sysClr val="windowText" lastClr="000000"/>
               </a:solidFill>
@@ -8994,7 +11990,7 @@
           <a:p>
             <a:pPr algn="ctr"/>
             <a:r>
-              <a:rPr lang="fr-FR" sz="1050" b="1" dirty="0" smtClean="0">
+              <a:rPr lang="fr-FR" sz="1050" b="1" dirty="0">
                 <a:solidFill>
                   <a:sysClr val="windowText" lastClr="000000"/>
                 </a:solidFill>
@@ -9005,7 +12001,7 @@
           <a:p>
             <a:pPr algn="ctr"/>
             <a:r>
-              <a:rPr lang="fr-FR" sz="1000" smtClean="0">
+              <a:rPr lang="fr-FR" sz="1000">
                 <a:solidFill>
                   <a:schemeClr val="tx1"/>
                 </a:solidFill>
@@ -9033,7 +12029,7 @@
 </p:sld>
 </file>
 
-<file path=ppt/slides/slide5.xml><?xml version="1.0" encoding="utf-8"?>
+<file path=ppt/slides/slide6.xml><?xml version="1.0" encoding="utf-8"?>
 <p:sld xmlns:a="http://schemas.openxmlformats.org/drawingml/2006/main" xmlns:r="http://schemas.openxmlformats.org/officeDocument/2006/relationships" xmlns:p="http://schemas.openxmlformats.org/presentationml/2006/main">
   <p:cSld>
     <p:spTree>
@@ -9100,18 +12096,13 @@
           <a:p>
             <a:pPr algn="ctr"/>
             <a:r>
-              <a:rPr lang="fr-FR" sz="1000" dirty="0" smtClean="0">
+              <a:rPr lang="fr-FR" sz="1000" dirty="0">
                 <a:solidFill>
                   <a:sysClr val="windowText" lastClr="000000"/>
                 </a:solidFill>
               </a:rPr>
               <a:t>Domaine du client</a:t>
             </a:r>
-            <a:endParaRPr lang="fr-FR" sz="1000" dirty="0">
-              <a:solidFill>
-                <a:sysClr val="windowText" lastClr="000000"/>
-              </a:solidFill>
-            </a:endParaRPr>
           </a:p>
         </p:txBody>
       </p:sp>
@@ -9284,18 +12275,13 @@
           <a:p>
             <a:pPr algn="ctr"/>
             <a:r>
-              <a:rPr lang="fr-FR" sz="1000" dirty="0" smtClean="0">
+              <a:rPr lang="fr-FR" sz="1000" dirty="0">
                 <a:solidFill>
                   <a:sysClr val="windowText" lastClr="000000"/>
                 </a:solidFill>
               </a:rPr>
               <a:t>Domaine de la modélisation</a:t>
             </a:r>
-            <a:endParaRPr lang="fr-FR" sz="1000" dirty="0">
-              <a:solidFill>
-                <a:sysClr val="windowText" lastClr="000000"/>
-              </a:solidFill>
-            </a:endParaRPr>
           </a:p>
         </p:txBody>
       </p:sp>
@@ -9404,7 +12390,7 @@
               <a:p>
                 <a:pPr algn="ctr"/>
                 <a:r>
-                  <a:rPr lang="fr-FR" sz="1000" b="1" dirty="0" smtClean="0">
+                  <a:rPr lang="fr-FR" sz="1000" b="1" dirty="0">
                     <a:solidFill>
                       <a:sysClr val="windowText" lastClr="000000"/>
                     </a:solidFill>
@@ -9414,7 +12400,7 @@
               </a:p>
               <a:p>
                 <a:pPr algn="ctr"/>
-                <a:endParaRPr lang="fr-FR" sz="1000" b="1" dirty="0" smtClean="0">
+                <a:endParaRPr lang="fr-FR" sz="1000" b="1" dirty="0">
                   <a:solidFill>
                     <a:sysClr val="windowText" lastClr="000000"/>
                   </a:solidFill>
@@ -9435,7 +12421,7 @@
                               <a:solidFill>
                                 <a:sysClr val="windowText" lastClr="000000"/>
                               </a:solidFill>
-                              <a:latin typeface="Cambria Math"/>
+                              <a:latin typeface="Cambria Math" panose="02040503050406030204" pitchFamily="18" charset="0"/>
                             </a:rPr>
                           </m:ctrlPr>
                         </m:fPr>
@@ -9687,7 +12673,7 @@
           <a:p>
             <a:pPr algn="ctr"/>
             <a:r>
-              <a:rPr lang="fr-FR" sz="1100" b="1" dirty="0" smtClean="0">
+              <a:rPr lang="fr-FR" sz="1100" b="1" dirty="0">
                 <a:solidFill>
                   <a:sysClr val="windowText" lastClr="000000"/>
                 </a:solidFill>
@@ -9706,18 +12692,13 @@
           <a:p>
             <a:pPr algn="ctr"/>
             <a:r>
-              <a:rPr lang="fr-FR" sz="1100" b="1" dirty="0" smtClean="0">
+              <a:rPr lang="fr-FR" sz="1100" b="1" dirty="0">
                 <a:solidFill>
                   <a:sysClr val="windowText" lastClr="000000"/>
                 </a:solidFill>
               </a:rPr>
               <a:t>OUI</a:t>
             </a:r>
-            <a:endParaRPr lang="fr-FR" sz="1100" b="1" dirty="0">
-              <a:solidFill>
-                <a:sysClr val="windowText" lastClr="000000"/>
-              </a:solidFill>
-            </a:endParaRPr>
           </a:p>
         </p:txBody>
       </p:sp>
@@ -9783,18 +12764,13 @@
           <a:p>
             <a:pPr algn="ctr"/>
             <a:r>
-              <a:rPr lang="fr-FR" sz="1100" b="1" dirty="0" smtClean="0">
+              <a:rPr lang="fr-FR" sz="1100" b="1" dirty="0">
                 <a:solidFill>
                   <a:sysClr val="windowText" lastClr="000000"/>
                 </a:solidFill>
               </a:rPr>
               <a:t>Marge d’utilisation</a:t>
             </a:r>
-            <a:endParaRPr lang="fr-FR" sz="1100" b="1" dirty="0">
-              <a:solidFill>
-                <a:sysClr val="windowText" lastClr="000000"/>
-              </a:solidFill>
-            </a:endParaRPr>
           </a:p>
         </p:txBody>
       </p:sp>
@@ -9849,7 +12825,7 @@
                     </m:oMath>
                   </m:oMathPara>
                 </a14:m>
-                <a:endParaRPr lang="fr-FR" sz="1200" b="1" dirty="0" smtClean="0">
+                <a:endParaRPr lang="fr-FR" sz="1200" b="1" dirty="0">
                   <a:solidFill>
                     <a:sysClr val="windowText" lastClr="000000"/>
                   </a:solidFill>
@@ -9858,18 +12834,13 @@
               <a:p>
                 <a:pPr algn="ctr"/>
                 <a:r>
-                  <a:rPr lang="fr-FR" sz="1200" b="1" dirty="0" smtClean="0">
+                  <a:rPr lang="fr-FR" sz="1200" b="1" dirty="0">
                     <a:solidFill>
                       <a:sysClr val="windowText" lastClr="000000"/>
                     </a:solidFill>
                   </a:rPr>
                   <a:t>Le couple étant calculé dans une configuration particulière, un couple supérieur peut être nécessaire.</a:t>
                 </a:r>
-                <a:endParaRPr lang="fr-FR" sz="1200" b="1" dirty="0">
-                  <a:solidFill>
-                    <a:sysClr val="windowText" lastClr="000000"/>
-                  </a:solidFill>
-                </a:endParaRPr>
               </a:p>
             </p:txBody>
           </p:sp>
@@ -9926,7 +12897,7 @@
 </p:sld>
 </file>
 
-<file path=ppt/slides/slide6.xml><?xml version="1.0" encoding="utf-8"?>
+<file path=ppt/slides/slide7.xml><?xml version="1.0" encoding="utf-8"?>
 <p:sld xmlns:a="http://schemas.openxmlformats.org/drawingml/2006/main" xmlns:r="http://schemas.openxmlformats.org/officeDocument/2006/relationships" xmlns:p="http://schemas.openxmlformats.org/presentationml/2006/main">
   <p:cSld>
     <p:spTree>
@@ -9991,18 +12962,13 @@
           <a:p>
             <a:pPr algn="ctr"/>
             <a:r>
-              <a:rPr lang="fr-FR" sz="1400" b="1" dirty="0" smtClean="0">
+              <a:rPr lang="fr-FR" sz="1400" b="1" dirty="0">
                 <a:solidFill>
                   <a:schemeClr val="accent4"/>
                 </a:solidFill>
               </a:rPr>
               <a:t>1</a:t>
             </a:r>
-            <a:endParaRPr lang="fr-FR" sz="1400" b="1" dirty="0">
-              <a:solidFill>
-                <a:schemeClr val="accent4"/>
-              </a:solidFill>
-            </a:endParaRPr>
           </a:p>
         </p:txBody>
       </p:sp>
@@ -10112,18 +13078,13 @@
           <a:p>
             <a:pPr algn="ctr"/>
             <a:r>
-              <a:rPr lang="fr-FR" sz="1400" b="1" dirty="0" smtClean="0">
+              <a:rPr lang="fr-FR" sz="1400" b="1" dirty="0">
                 <a:solidFill>
                   <a:schemeClr val="accent3"/>
                 </a:solidFill>
               </a:rPr>
               <a:t>3</a:t>
             </a:r>
-            <a:endParaRPr lang="fr-FR" sz="1400" b="1" dirty="0">
-              <a:solidFill>
-                <a:schemeClr val="accent3"/>
-              </a:solidFill>
-            </a:endParaRPr>
           </a:p>
         </p:txBody>
       </p:sp>
@@ -10174,18 +13135,13 @@
           <a:p>
             <a:pPr algn="ctr"/>
             <a:r>
-              <a:rPr lang="fr-FR" sz="1400" b="1" dirty="0" smtClean="0">
+              <a:rPr lang="fr-FR" sz="1400" b="1" dirty="0">
                 <a:solidFill>
                   <a:schemeClr val="tx1"/>
                 </a:solidFill>
               </a:rPr>
               <a:t>4</a:t>
             </a:r>
-            <a:endParaRPr lang="fr-FR" sz="1400" b="1" dirty="0">
-              <a:solidFill>
-                <a:schemeClr val="tx1"/>
-              </a:solidFill>
-            </a:endParaRPr>
           </a:p>
         </p:txBody>
       </p:sp>
@@ -10239,7 +13195,7 @@
           <a:p>
             <a:pPr algn="ctr"/>
             <a:r>
-              <a:rPr lang="fr-FR" sz="1400" b="1" dirty="0" smtClean="0">
+              <a:rPr lang="fr-FR" sz="1400" b="1" dirty="0">
                 <a:solidFill>
                   <a:schemeClr val="accent6">
                     <a:lumMod val="50000"/>
@@ -10248,13 +13204,6 @@
               </a:rPr>
               <a:t>0</a:t>
             </a:r>
-            <a:endParaRPr lang="fr-FR" sz="1400" b="1" dirty="0">
-              <a:solidFill>
-                <a:schemeClr val="accent6">
-                  <a:lumMod val="50000"/>
-                </a:schemeClr>
-              </a:solidFill>
-            </a:endParaRPr>
           </a:p>
         </p:txBody>
       </p:sp>
@@ -11067,7 +14016,7 @@
               <a:lstStyle/>
               <a:p>
                 <a:r>
-                  <a:rPr lang="fr-FR" sz="1100" b="0" dirty="0" smtClean="0"/>
+                  <a:rPr lang="fr-FR" sz="1100" b="0" dirty="0"/>
                   <a:t>Pivot </a:t>
                 </a:r>
                 <a14:m>
@@ -11076,7 +14025,7 @@
                       <m:dPr>
                         <m:ctrlPr>
                           <a:rPr lang="fr-FR" sz="1100" b="0" i="1" smtClean="0">
-                            <a:latin typeface="Cambria Math"/>
+                            <a:latin typeface="Cambria Math" panose="02040503050406030204" pitchFamily="18" charset="0"/>
                           </a:rPr>
                         </m:ctrlPr>
                       </m:dPr>
@@ -11098,7 +14047,7 @@
                             <m:chr m:val="⃗"/>
                             <m:ctrlPr>
                               <a:rPr lang="fr-FR" sz="1100" b="0" i="1" smtClean="0">
-                                <a:latin typeface="Cambria Math"/>
+                                <a:latin typeface="Cambria Math" panose="02040503050406030204" pitchFamily="18" charset="0"/>
                               </a:rPr>
                             </m:ctrlPr>
                           </m:accPr>
@@ -11107,7 +14056,7 @@
                               <m:sSubPr>
                                 <m:ctrlPr>
                                   <a:rPr lang="fr-FR" sz="1100" b="0" i="1" smtClean="0">
-                                    <a:latin typeface="Cambria Math"/>
+                                    <a:latin typeface="Cambria Math" panose="02040503050406030204" pitchFamily="18" charset="0"/>
                                   </a:rPr>
                                 </m:ctrlPr>
                               </m:sSubPr>
@@ -11203,7 +14152,7 @@
               <a:lstStyle/>
               <a:p>
                 <a:r>
-                  <a:rPr lang="fr-FR" sz="1100" b="0" dirty="0" smtClean="0"/>
+                  <a:rPr lang="fr-FR" sz="1100" b="0" dirty="0"/>
                   <a:t>Pivot </a:t>
                 </a:r>
                 <a14:m>
@@ -11212,7 +14161,7 @@
                       <m:dPr>
                         <m:ctrlPr>
                           <a:rPr lang="fr-FR" sz="1100" b="0" i="1" smtClean="0">
-                            <a:latin typeface="Cambria Math"/>
+                            <a:latin typeface="Cambria Math" panose="02040503050406030204" pitchFamily="18" charset="0"/>
                           </a:rPr>
                         </m:ctrlPr>
                       </m:dPr>
@@ -11234,7 +14183,7 @@
                             <m:chr m:val="⃗"/>
                             <m:ctrlPr>
                               <a:rPr lang="fr-FR" sz="1100" b="0" i="1" smtClean="0">
-                                <a:latin typeface="Cambria Math"/>
+                                <a:latin typeface="Cambria Math" panose="02040503050406030204" pitchFamily="18" charset="0"/>
                               </a:rPr>
                             </m:ctrlPr>
                           </m:accPr>
@@ -11243,7 +14192,7 @@
                               <m:sSubPr>
                                 <m:ctrlPr>
                                   <a:rPr lang="fr-FR" sz="1100" b="0" i="1" smtClean="0">
-                                    <a:latin typeface="Cambria Math"/>
+                                    <a:latin typeface="Cambria Math" panose="02040503050406030204" pitchFamily="18" charset="0"/>
                                   </a:rPr>
                                 </m:ctrlPr>
                               </m:sSubPr>
@@ -11339,7 +14288,7 @@
               <a:lstStyle/>
               <a:p>
                 <a:r>
-                  <a:rPr lang="fr-FR" sz="1100" b="0" dirty="0" smtClean="0"/>
+                  <a:rPr lang="fr-FR" sz="1100" b="0" dirty="0"/>
                   <a:t>Pivot </a:t>
                 </a:r>
                 <a14:m>
@@ -11348,7 +14297,7 @@
                       <m:dPr>
                         <m:ctrlPr>
                           <a:rPr lang="fr-FR" sz="1100" b="0" i="1" smtClean="0">
-                            <a:latin typeface="Cambria Math"/>
+                            <a:latin typeface="Cambria Math" panose="02040503050406030204" pitchFamily="18" charset="0"/>
                           </a:rPr>
                         </m:ctrlPr>
                       </m:dPr>
@@ -11370,7 +14319,7 @@
                             <m:chr m:val="⃗"/>
                             <m:ctrlPr>
                               <a:rPr lang="fr-FR" sz="1100" b="0" i="1" smtClean="0">
-                                <a:latin typeface="Cambria Math"/>
+                                <a:latin typeface="Cambria Math" panose="02040503050406030204" pitchFamily="18" charset="0"/>
                               </a:rPr>
                             </m:ctrlPr>
                           </m:accPr>
@@ -11379,7 +14328,7 @@
                               <m:sSubPr>
                                 <m:ctrlPr>
                                   <a:rPr lang="fr-FR" sz="1100" b="0" i="1" smtClean="0">
-                                    <a:latin typeface="Cambria Math"/>
+                                    <a:latin typeface="Cambria Math" panose="02040503050406030204" pitchFamily="18" charset="0"/>
                                   </a:rPr>
                                 </m:ctrlPr>
                               </m:sSubPr>
@@ -11475,7 +14424,7 @@
               <a:lstStyle/>
               <a:p>
                 <a:r>
-                  <a:rPr lang="fr-FR" sz="1100" b="0" dirty="0" smtClean="0"/>
+                  <a:rPr lang="fr-FR" sz="1100" b="0" dirty="0"/>
                   <a:t>Glissière </a:t>
                 </a:r>
                 <a14:m>
@@ -11484,7 +14433,7 @@
                       <m:dPr>
                         <m:ctrlPr>
                           <a:rPr lang="fr-FR" sz="1100" b="0" i="1" smtClean="0">
-                            <a:latin typeface="Cambria Math"/>
+                            <a:latin typeface="Cambria Math" panose="02040503050406030204" pitchFamily="18" charset="0"/>
                           </a:rPr>
                         </m:ctrlPr>
                       </m:dPr>
@@ -11506,7 +14455,7 @@
                             <m:chr m:val="⃗"/>
                             <m:ctrlPr>
                               <a:rPr lang="fr-FR" sz="1100" b="0" i="1" smtClean="0">
-                                <a:latin typeface="Cambria Math"/>
+                                <a:latin typeface="Cambria Math" panose="02040503050406030204" pitchFamily="18" charset="0"/>
                               </a:rPr>
                             </m:ctrlPr>
                           </m:accPr>
@@ -11515,7 +14464,7 @@
                               <m:sSubPr>
                                 <m:ctrlPr>
                                   <a:rPr lang="fr-FR" sz="1100" b="0" i="1" smtClean="0">
-                                    <a:latin typeface="Cambria Math"/>
+                                    <a:latin typeface="Cambria Math" panose="02040503050406030204" pitchFamily="18" charset="0"/>
                                   </a:rPr>
                                 </m:ctrlPr>
                               </m:sSubPr>
@@ -11621,7 +14570,7 @@
                         <m:sSubPr>
                           <m:ctrlPr>
                             <a:rPr lang="fr-FR" sz="1400" b="0" i="1" smtClean="0">
-                              <a:latin typeface="Cambria Math"/>
+                              <a:latin typeface="Cambria Math" panose="02040503050406030204" pitchFamily="18" charset="0"/>
                             </a:rPr>
                           </m:ctrlPr>
                         </m:sSubPr>
@@ -11632,7 +14581,7 @@
                               <m:endChr m:val="}"/>
                               <m:ctrlPr>
                                 <a:rPr lang="fr-FR" sz="1400" b="0" i="1" smtClean="0">
-                                  <a:latin typeface="Cambria Math"/>
+                                  <a:latin typeface="Cambria Math" panose="02040503050406030204" pitchFamily="18" charset="0"/>
                                 </a:rPr>
                               </m:ctrlPr>
                             </m:dPr>
@@ -11648,7 +14597,7 @@
                                 <m:dPr>
                                   <m:ctrlPr>
                                     <a:rPr lang="fr-FR" sz="1400" b="0" i="1" smtClean="0">
-                                      <a:latin typeface="Cambria Math"/>
+                                      <a:latin typeface="Cambria Math" panose="02040503050406030204" pitchFamily="18" charset="0"/>
                                       <a:ea typeface="Cambria Math"/>
                                     </a:rPr>
                                   </m:ctrlPr>
@@ -11685,7 +14634,7 @@
                               <m:endChr m:val="}"/>
                               <m:ctrlPr>
                                 <a:rPr lang="fr-FR" sz="1400" b="0" i="1" smtClean="0">
-                                  <a:latin typeface="Cambria Math"/>
+                                  <a:latin typeface="Cambria Math" panose="02040503050406030204" pitchFamily="18" charset="0"/>
                                 </a:rPr>
                               </m:ctrlPr>
                             </m:dPr>
@@ -11694,7 +14643,7 @@
                                 <m:eqArrPr>
                                   <m:ctrlPr>
                                     <a:rPr lang="fr-FR" sz="1400" b="0" i="1" smtClean="0">
-                                      <a:latin typeface="Cambria Math"/>
+                                      <a:latin typeface="Cambria Math" panose="02040503050406030204" pitchFamily="18" charset="0"/>
                                     </a:rPr>
                                   </m:ctrlPr>
                                 </m:eqArrPr>
@@ -11703,7 +14652,7 @@
                                     <m:sSubPr>
                                       <m:ctrlPr>
                                         <a:rPr lang="fr-FR" sz="1400" i="1">
-                                          <a:latin typeface="Cambria Math"/>
+                                          <a:latin typeface="Cambria Math" panose="02040503050406030204" pitchFamily="18" charset="0"/>
                                         </a:rPr>
                                       </m:ctrlPr>
                                     </m:sSubPr>
@@ -11738,7 +14687,7 @@
                                       <m:chr m:val="⃗"/>
                                       <m:ctrlPr>
                                         <a:rPr lang="fr-FR" sz="1400" i="1">
-                                          <a:latin typeface="Cambria Math"/>
+                                          <a:latin typeface="Cambria Math" panose="02040503050406030204" pitchFamily="18" charset="0"/>
                                         </a:rPr>
                                       </m:ctrlPr>
                                     </m:accPr>
@@ -11747,7 +14696,7 @@
                                         <m:sSubPr>
                                           <m:ctrlPr>
                                             <a:rPr lang="fr-FR" sz="1400" i="1">
-                                              <a:latin typeface="Cambria Math"/>
+                                              <a:latin typeface="Cambria Math" panose="02040503050406030204" pitchFamily="18" charset="0"/>
                                             </a:rPr>
                                           </m:ctrlPr>
                                         </m:sSubPr>
@@ -11777,7 +14726,7 @@
                                       <m:chr m:val="⃗"/>
                                       <m:ctrlPr>
                                         <a:rPr lang="fr-FR" sz="1400" i="1">
-                                          <a:latin typeface="Cambria Math"/>
+                                          <a:latin typeface="Cambria Math" panose="02040503050406030204" pitchFamily="18" charset="0"/>
                                         </a:rPr>
                                       </m:ctrlPr>
                                     </m:accPr>
@@ -11800,7 +14749,7 @@
                             <m:sSubPr>
                               <m:ctrlPr>
                                 <a:rPr lang="fr-FR" sz="1400" b="0" i="1" smtClean="0">
-                                  <a:latin typeface="Cambria Math"/>
+                                  <a:latin typeface="Cambria Math" panose="02040503050406030204" pitchFamily="18" charset="0"/>
                                 </a:rPr>
                               </m:ctrlPr>
                             </m:sSubPr>
@@ -11893,7 +14842,7 @@
           <a:lstStyle/>
           <a:p>
             <a:r>
-              <a:rPr lang="fr-FR" sz="1100" b="0" dirty="0" smtClean="0"/>
+              <a:rPr lang="fr-FR" sz="1100" b="0" dirty="0"/>
               <a:t>Pesanteur</a:t>
             </a:r>
             <a:endParaRPr lang="fr-FR" sz="1100" dirty="0"/>
@@ -11934,7 +14883,7 @@
                         <m:sSubPr>
                           <m:ctrlPr>
                             <a:rPr lang="fr-FR" sz="1100" i="1" smtClean="0">
-                              <a:latin typeface="Cambria Math"/>
+                              <a:latin typeface="Cambria Math" panose="02040503050406030204" pitchFamily="18" charset="0"/>
                             </a:rPr>
                           </m:ctrlPr>
                         </m:sSubPr>
@@ -11975,7 +14924,7 @@
                           <m:chr m:val="⃗"/>
                           <m:ctrlPr>
                             <a:rPr lang="fr-FR" sz="1100" i="1">
-                              <a:latin typeface="Cambria Math"/>
+                              <a:latin typeface="Cambria Math" panose="02040503050406030204" pitchFamily="18" charset="0"/>
                             </a:rPr>
                           </m:ctrlPr>
                         </m:accPr>
@@ -11984,7 +14933,7 @@
                             <m:sSubPr>
                               <m:ctrlPr>
                                 <a:rPr lang="fr-FR" sz="1100" i="1">
-                                  <a:latin typeface="Cambria Math"/>
+                                  <a:latin typeface="Cambria Math" panose="02040503050406030204" pitchFamily="18" charset="0"/>
                                 </a:rPr>
                               </m:ctrlPr>
                             </m:sSubPr>
@@ -12088,7 +15037,7 @@
                         <m:sSubPr>
                           <m:ctrlPr>
                             <a:rPr lang="fr-FR" sz="1100" i="1" smtClean="0">
-                              <a:latin typeface="Cambria Math"/>
+                              <a:latin typeface="Cambria Math" panose="02040503050406030204" pitchFamily="18" charset="0"/>
                             </a:rPr>
                           </m:ctrlPr>
                         </m:sSubPr>
@@ -12114,7 +15063,7 @@
                           <m:chr m:val="⃗"/>
                           <m:ctrlPr>
                             <a:rPr lang="fr-FR" sz="1100" i="1">
-                              <a:latin typeface="Cambria Math"/>
+                              <a:latin typeface="Cambria Math" panose="02040503050406030204" pitchFamily="18" charset="0"/>
                             </a:rPr>
                           </m:ctrlPr>
                         </m:accPr>
@@ -12123,7 +15072,7 @@
                             <m:sSubPr>
                               <m:ctrlPr>
                                 <a:rPr lang="fr-FR" sz="1100" i="1">
-                                  <a:latin typeface="Cambria Math"/>
+                                  <a:latin typeface="Cambria Math" panose="02040503050406030204" pitchFamily="18" charset="0"/>
                                 </a:rPr>
                               </m:ctrlPr>
                             </m:sSubPr>
@@ -12227,7 +15176,7 @@
                         <m:sSubPr>
                           <m:ctrlPr>
                             <a:rPr lang="fr-FR" sz="1100" i="1" smtClean="0">
-                              <a:latin typeface="Cambria Math"/>
+                              <a:latin typeface="Cambria Math" panose="02040503050406030204" pitchFamily="18" charset="0"/>
                             </a:rPr>
                           </m:ctrlPr>
                         </m:sSubPr>
@@ -12253,7 +15202,7 @@
                           <m:chr m:val="⃗"/>
                           <m:ctrlPr>
                             <a:rPr lang="fr-FR" sz="1100" i="1">
-                              <a:latin typeface="Cambria Math"/>
+                              <a:latin typeface="Cambria Math" panose="02040503050406030204" pitchFamily="18" charset="0"/>
                             </a:rPr>
                           </m:ctrlPr>
                         </m:accPr>
@@ -12262,7 +15211,7 @@
                             <m:sSubPr>
                               <m:ctrlPr>
                                 <a:rPr lang="fr-FR" sz="1100" i="1">
-                                  <a:latin typeface="Cambria Math"/>
+                                  <a:latin typeface="Cambria Math" panose="02040503050406030204" pitchFamily="18" charset="0"/>
                                 </a:rPr>
                               </m:ctrlPr>
                             </m:sSubPr>
@@ -12366,7 +15315,7 @@
                         <m:sSubPr>
                           <m:ctrlPr>
                             <a:rPr lang="fr-FR" sz="1100" i="1" smtClean="0">
-                              <a:latin typeface="Cambria Math"/>
+                              <a:latin typeface="Cambria Math" panose="02040503050406030204" pitchFamily="18" charset="0"/>
                             </a:rPr>
                           </m:ctrlPr>
                         </m:sSubPr>
@@ -12401,7 +15350,7 @@
                           <m:chr m:val="⃗"/>
                           <m:ctrlPr>
                             <a:rPr lang="fr-FR" sz="1100" i="1">
-                              <a:latin typeface="Cambria Math"/>
+                              <a:latin typeface="Cambria Math" panose="02040503050406030204" pitchFamily="18" charset="0"/>
                             </a:rPr>
                           </m:ctrlPr>
                         </m:accPr>
@@ -12410,7 +15359,7 @@
                             <m:sSubPr>
                               <m:ctrlPr>
                                 <a:rPr lang="fr-FR" sz="1100" i="1">
-                                  <a:latin typeface="Cambria Math"/>
+                                  <a:latin typeface="Cambria Math" panose="02040503050406030204" pitchFamily="18" charset="0"/>
                                 </a:rPr>
                               </m:ctrlPr>
                             </m:sSubPr>
@@ -12493,7 +15442,7 @@
 </p:sld>
 </file>
 
-<file path=ppt/slides/slide7.xml><?xml version="1.0" encoding="utf-8"?>
+<file path=ppt/slides/slide8.xml><?xml version="1.0" encoding="utf-8"?>
 <p:sld xmlns:a="http://schemas.openxmlformats.org/drawingml/2006/main" xmlns:r="http://schemas.openxmlformats.org/officeDocument/2006/relationships" xmlns:p="http://schemas.openxmlformats.org/presentationml/2006/main">
   <p:cSld>
     <p:spTree>
@@ -12754,18 +15703,13 @@
           <a:p>
             <a:pPr algn="ctr"/>
             <a:r>
-              <a:rPr lang="fr-FR" sz="1400" b="1" dirty="0" smtClean="0">
+              <a:rPr lang="fr-FR" sz="1400" b="1" dirty="0">
                 <a:solidFill>
                   <a:schemeClr val="accent4"/>
                 </a:solidFill>
               </a:rPr>
               <a:t>1</a:t>
             </a:r>
-            <a:endParaRPr lang="fr-FR" sz="1400" b="1" dirty="0">
-              <a:solidFill>
-                <a:schemeClr val="accent4"/>
-              </a:solidFill>
-            </a:endParaRPr>
           </a:p>
         </p:txBody>
       </p:sp>
@@ -12819,7 +15763,7 @@
           <a:p>
             <a:pPr algn="ctr"/>
             <a:r>
-              <a:rPr lang="fr-FR" sz="1400" b="1" dirty="0" smtClean="0">
+              <a:rPr lang="fr-FR" sz="1400" b="1" dirty="0">
                 <a:solidFill>
                   <a:schemeClr val="accent6">
                     <a:lumMod val="50000"/>
@@ -12828,13 +15772,6 @@
               </a:rPr>
               <a:t>0</a:t>
             </a:r>
-            <a:endParaRPr lang="fr-FR" sz="1400" b="1" dirty="0">
-              <a:solidFill>
-                <a:schemeClr val="accent6">
-                  <a:lumMod val="50000"/>
-                </a:schemeClr>
-              </a:solidFill>
-            </a:endParaRPr>
           </a:p>
         </p:txBody>
       </p:sp>
@@ -12901,7 +15838,7 @@
               <a:lstStyle/>
               <a:p>
                 <a:r>
-                  <a:rPr lang="fr-FR" sz="1000" b="0" dirty="0" smtClean="0"/>
+                  <a:rPr lang="fr-FR" sz="1000" b="0" dirty="0"/>
                   <a:t>Pivot </a:t>
                 </a:r>
                 <a14:m>
@@ -12910,7 +15847,7 @@
                       <m:dPr>
                         <m:ctrlPr>
                           <a:rPr lang="fr-FR" sz="1000" b="0" i="1" smtClean="0">
-                            <a:latin typeface="Cambria Math"/>
+                            <a:latin typeface="Cambria Math" panose="02040503050406030204" pitchFamily="18" charset="0"/>
                           </a:rPr>
                         </m:ctrlPr>
                       </m:dPr>
@@ -12932,7 +15869,7 @@
                             <m:chr m:val="⃗"/>
                             <m:ctrlPr>
                               <a:rPr lang="fr-FR" sz="1000" b="0" i="1" smtClean="0">
-                                <a:latin typeface="Cambria Math"/>
+                                <a:latin typeface="Cambria Math" panose="02040503050406030204" pitchFamily="18" charset="0"/>
                               </a:rPr>
                             </m:ctrlPr>
                           </m:accPr>
@@ -13027,7 +15964,7 @@
                         <m:sSubPr>
                           <m:ctrlPr>
                             <a:rPr lang="fr-FR" sz="1000" i="1" smtClean="0">
-                              <a:latin typeface="Cambria Math"/>
+                              <a:latin typeface="Cambria Math" panose="02040503050406030204" pitchFamily="18" charset="0"/>
                             </a:rPr>
                           </m:ctrlPr>
                         </m:sSubPr>
@@ -13068,7 +16005,7 @@
                           <m:chr m:val="⃗"/>
                           <m:ctrlPr>
                             <a:rPr lang="fr-FR" sz="1000" i="1">
-                              <a:latin typeface="Cambria Math"/>
+                              <a:latin typeface="Cambria Math" panose="02040503050406030204" pitchFamily="18" charset="0"/>
                             </a:rPr>
                           </m:ctrlPr>
                         </m:accPr>
@@ -13153,7 +16090,7 @@
               <a:lstStyle/>
               <a:p>
                 <a:r>
-                  <a:rPr lang="fr-FR" sz="1000" b="0" dirty="0" smtClean="0"/>
+                  <a:rPr lang="fr-FR" sz="1000" b="0" dirty="0"/>
                   <a:t>Pivot </a:t>
                 </a:r>
                 <a14:m>
@@ -13162,7 +16099,7 @@
                       <m:dPr>
                         <m:ctrlPr>
                           <a:rPr lang="fr-FR" sz="1000" b="0" i="1" smtClean="0">
-                            <a:latin typeface="Cambria Math"/>
+                            <a:latin typeface="Cambria Math" panose="02040503050406030204" pitchFamily="18" charset="0"/>
                           </a:rPr>
                         </m:ctrlPr>
                       </m:dPr>
@@ -13184,7 +16121,7 @@
                             <m:chr m:val="⃗"/>
                             <m:ctrlPr>
                               <a:rPr lang="fr-FR" sz="1000" b="0" i="1" smtClean="0">
-                                <a:latin typeface="Cambria Math"/>
+                                <a:latin typeface="Cambria Math" panose="02040503050406030204" pitchFamily="18" charset="0"/>
                               </a:rPr>
                             </m:ctrlPr>
                           </m:accPr>
@@ -13403,7 +16340,7 @@
 </p:sld>
 </file>
 
-<file path=ppt/slides/slide8.xml><?xml version="1.0" encoding="utf-8"?>
+<file path=ppt/slides/slide9.xml><?xml version="1.0" encoding="utf-8"?>
 <p:sld xmlns:a="http://schemas.openxmlformats.org/drawingml/2006/main" xmlns:r="http://schemas.openxmlformats.org/officeDocument/2006/relationships" xmlns:p="http://schemas.openxmlformats.org/presentationml/2006/main">
   <p:cSld>
     <p:spTree>
@@ -13468,7 +16405,7 @@
           <a:p>
             <a:pPr algn="ctr"/>
             <a:r>
-              <a:rPr lang="fr-FR" sz="1400" b="1" dirty="0" smtClean="0">
+              <a:rPr lang="fr-FR" sz="1400" b="1" dirty="0">
                 <a:solidFill>
                   <a:schemeClr val="accent2"/>
                 </a:solidFill>
@@ -13533,7 +16470,7 @@
           <a:p>
             <a:pPr algn="ctr"/>
             <a:r>
-              <a:rPr lang="fr-FR" sz="1400" b="1" dirty="0" smtClean="0">
+              <a:rPr lang="fr-FR" sz="1400" b="1" dirty="0">
                 <a:solidFill>
                   <a:schemeClr val="accent6">
                     <a:lumMod val="50000"/>
@@ -13542,13 +16479,6 @@
               </a:rPr>
               <a:t>0</a:t>
             </a:r>
-            <a:endParaRPr lang="fr-FR" sz="1400" b="1" dirty="0">
-              <a:solidFill>
-                <a:schemeClr val="accent6">
-                  <a:lumMod val="50000"/>
-                </a:schemeClr>
-              </a:solidFill>
-            </a:endParaRPr>
           </a:p>
         </p:txBody>
       </p:sp>
@@ -13615,7 +16545,7 @@
               <a:lstStyle/>
               <a:p>
                 <a:r>
-                  <a:rPr lang="fr-FR" sz="1000" b="0" dirty="0" smtClean="0"/>
+                  <a:rPr lang="fr-FR" sz="1000" b="0" dirty="0"/>
                   <a:t>Pivot </a:t>
                 </a:r>
                 <a14:m>
@@ -13624,7 +16554,7 @@
                       <m:dPr>
                         <m:ctrlPr>
                           <a:rPr lang="fr-FR" sz="1000" b="0" i="1" smtClean="0">
-                            <a:latin typeface="Cambria Math"/>
+                            <a:latin typeface="Cambria Math" panose="02040503050406030204" pitchFamily="18" charset="0"/>
                           </a:rPr>
                         </m:ctrlPr>
                       </m:dPr>
@@ -13646,7 +16576,7 @@
                             <m:chr m:val="⃗"/>
                             <m:ctrlPr>
                               <a:rPr lang="fr-FR" sz="1000" b="0" i="1" smtClean="0">
-                                <a:latin typeface="Cambria Math"/>
+                                <a:latin typeface="Cambria Math" panose="02040503050406030204" pitchFamily="18" charset="0"/>
                               </a:rPr>
                             </m:ctrlPr>
                           </m:accPr>
@@ -13741,7 +16671,7 @@
                         <m:sSubPr>
                           <m:ctrlPr>
                             <a:rPr lang="fr-FR" sz="1000" i="1" smtClean="0">
-                              <a:latin typeface="Cambria Math"/>
+                              <a:latin typeface="Cambria Math" panose="02040503050406030204" pitchFamily="18" charset="0"/>
                             </a:rPr>
                           </m:ctrlPr>
                         </m:sSubPr>
@@ -13782,7 +16712,7 @@
                           <m:chr m:val="⃗"/>
                           <m:ctrlPr>
                             <a:rPr lang="fr-FR" sz="1000" i="1">
-                              <a:latin typeface="Cambria Math"/>
+                              <a:latin typeface="Cambria Math" panose="02040503050406030204" pitchFamily="18" charset="0"/>
                             </a:rPr>
                           </m:ctrlPr>
                         </m:accPr>
@@ -13842,8 +16772,8 @@
           </p:sp>
         </mc:Fallback>
       </mc:AlternateContent>
-      <mc:AlternateContent xmlns:mc="http://schemas.openxmlformats.org/markup-compatibility/2006">
-        <mc:Choice xmlns:a14="http://schemas.microsoft.com/office/drawing/2010/main" Requires="a14">
+      <mc:AlternateContent xmlns:mc="http://schemas.openxmlformats.org/markup-compatibility/2006" xmlns:a14="http://schemas.microsoft.com/office/drawing/2010/main">
+        <mc:Choice Requires="a14">
           <p:sp>
             <p:nvSpPr>
               <p:cNvPr id="41" name="ZoneTexte 40"/>
@@ -13867,7 +16797,7 @@
               <a:lstStyle/>
               <a:p>
                 <a:r>
-                  <a:rPr lang="fr-FR" sz="1000" b="0" dirty="0" smtClean="0"/>
+                  <a:rPr lang="fr-FR" sz="1000" b="0" dirty="0"/>
                   <a:t>Glissière </a:t>
                 </a:r>
                 <a14:m>
@@ -13877,7 +16807,7 @@
                         <m:chr m:val="⃗"/>
                         <m:ctrlPr>
                           <a:rPr lang="fr-FR" sz="1000" i="1">
-                            <a:latin typeface="Cambria Math"/>
+                            <a:latin typeface="Cambria Math" panose="02040503050406030204" pitchFamily="18" charset="0"/>
                           </a:rPr>
                         </m:ctrlPr>
                       </m:accPr>
@@ -13897,7 +16827,7 @@
             </p:txBody>
           </p:sp>
         </mc:Choice>
-        <mc:Fallback>
+        <mc:Fallback xmlns="">
           <p:sp>
             <p:nvSpPr>
               <p:cNvPr id="41" name="ZoneTexte 40"/>
@@ -14241,12 +17171,10 @@
           </a:bodyPr>
           <a:lstStyle/>
           <a:p>
-            <a:pPr/>
             <a:r>
-              <a:rPr lang="fr-FR" sz="1000" dirty="0" smtClean="0"/>
+              <a:rPr lang="fr-FR" sz="1000" dirty="0"/>
               <a:t>Poulie – courroie</a:t>
             </a:r>
-            <a:endParaRPr lang="fr-FR" sz="1000" dirty="0"/>
           </a:p>
         </p:txBody>
       </p:sp>
@@ -14254,1251 +17182,6 @@
     <p:extLst>
       <p:ext uri="{BB962C8B-B14F-4D97-AF65-F5344CB8AC3E}">
         <p14:creationId xmlns:p14="http://schemas.microsoft.com/office/powerpoint/2010/main" val="3581523801"/>
-      </p:ext>
-    </p:extLst>
-  </p:cSld>
-  <p:clrMapOvr>
-    <a:masterClrMapping/>
-  </p:clrMapOvr>
-</p:sld>
-</file>
-
-<file path=ppt/slides/slide9.xml><?xml version="1.0" encoding="utf-8"?>
-<p:sld xmlns:a="http://schemas.openxmlformats.org/drawingml/2006/main" xmlns:r="http://schemas.openxmlformats.org/officeDocument/2006/relationships" xmlns:p="http://schemas.openxmlformats.org/presentationml/2006/main">
-  <p:cSld>
-    <p:spTree>
-      <p:nvGrpSpPr>
-        <p:cNvPr id="1" name=""/>
-        <p:cNvGrpSpPr/>
-        <p:nvPr/>
-      </p:nvGrpSpPr>
-      <p:grpSpPr>
-        <a:xfrm>
-          <a:off x="0" y="0"/>
-          <a:ext cx="0" cy="0"/>
-          <a:chOff x="0" y="0"/>
-          <a:chExt cx="0" cy="0"/>
-        </a:xfrm>
-      </p:grpSpPr>
-      <p:sp>
-        <p:nvSpPr>
-          <p:cNvPr id="15" name="Rectangle 14"/>
-          <p:cNvSpPr/>
-          <p:nvPr/>
-        </p:nvSpPr>
-        <p:spPr>
-          <a:xfrm>
-            <a:off x="0" y="1813200"/>
-            <a:ext cx="152400" cy="286396"/>
-          </a:xfrm>
-          <a:prstGeom prst="rect">
-            <a:avLst/>
-          </a:prstGeom>
-          <a:solidFill>
-            <a:schemeClr val="accent6">
-              <a:lumMod val="20000"/>
-              <a:lumOff val="80000"/>
-            </a:schemeClr>
-          </a:solidFill>
-          <a:ln w="19050">
-            <a:noFill/>
-          </a:ln>
-        </p:spPr>
-        <p:style>
-          <a:lnRef idx="2">
-            <a:schemeClr val="accent1">
-              <a:shade val="50000"/>
-            </a:schemeClr>
-          </a:lnRef>
-          <a:fillRef idx="1">
-            <a:schemeClr val="accent1"/>
-          </a:fillRef>
-          <a:effectRef idx="0">
-            <a:schemeClr val="accent1"/>
-          </a:effectRef>
-          <a:fontRef idx="minor">
-            <a:schemeClr val="lt1"/>
-          </a:fontRef>
-        </p:style>
-        <p:txBody>
-          <a:bodyPr rtlCol="0" anchor="ctr"/>
-          <a:lstStyle/>
-          <a:p>
-            <a:pPr algn="ctr"/>
-            <a:endParaRPr lang="fr-FR" sz="1400" b="1">
-              <a:solidFill>
-                <a:schemeClr val="accent6">
-                  <a:lumMod val="50000"/>
-                </a:schemeClr>
-              </a:solidFill>
-            </a:endParaRPr>
-          </a:p>
-        </p:txBody>
-      </p:sp>
-      <p:sp>
-        <p:nvSpPr>
-          <p:cNvPr id="4" name="Ellipse 3"/>
-          <p:cNvSpPr/>
-          <p:nvPr/>
-        </p:nvSpPr>
-        <p:spPr>
-          <a:xfrm>
-            <a:off x="1061610" y="1813199"/>
-            <a:ext cx="288032" cy="288032"/>
-          </a:xfrm>
-          <a:prstGeom prst="ellipse">
-            <a:avLst/>
-          </a:prstGeom>
-          <a:solidFill>
-            <a:schemeClr val="accent4">
-              <a:lumMod val="20000"/>
-              <a:lumOff val="80000"/>
-            </a:schemeClr>
-          </a:solidFill>
-          <a:ln w="19050">
-            <a:solidFill>
-              <a:schemeClr val="accent4"/>
-            </a:solidFill>
-          </a:ln>
-        </p:spPr>
-        <p:style>
-          <a:lnRef idx="2">
-            <a:schemeClr val="accent1">
-              <a:shade val="50000"/>
-            </a:schemeClr>
-          </a:lnRef>
-          <a:fillRef idx="1">
-            <a:schemeClr val="accent1"/>
-          </a:fillRef>
-          <a:effectRef idx="0">
-            <a:schemeClr val="accent1"/>
-          </a:effectRef>
-          <a:fontRef idx="minor">
-            <a:schemeClr val="lt1"/>
-          </a:fontRef>
-        </p:style>
-        <p:txBody>
-          <a:bodyPr rtlCol="0" anchor="ctr"/>
-          <a:lstStyle/>
-          <a:p>
-            <a:pPr algn="ctr"/>
-            <a:r>
-              <a:rPr lang="fr-FR" sz="1400" b="1" dirty="0" smtClean="0">
-                <a:solidFill>
-                  <a:schemeClr val="accent4"/>
-                </a:solidFill>
-              </a:rPr>
-              <a:t>1</a:t>
-            </a:r>
-            <a:endParaRPr lang="fr-FR" sz="1400" b="1" dirty="0">
-              <a:solidFill>
-                <a:schemeClr val="accent4"/>
-              </a:solidFill>
-            </a:endParaRPr>
-          </a:p>
-        </p:txBody>
-      </p:sp>
-      <p:sp>
-        <p:nvSpPr>
-          <p:cNvPr id="5" name="Ellipse 4"/>
-          <p:cNvSpPr/>
-          <p:nvPr/>
-        </p:nvSpPr>
-        <p:spPr>
-          <a:xfrm>
-            <a:off x="1799692" y="1813199"/>
-            <a:ext cx="288032" cy="288032"/>
-          </a:xfrm>
-          <a:prstGeom prst="ellipse">
-            <a:avLst/>
-          </a:prstGeom>
-          <a:solidFill>
-            <a:schemeClr val="accent2">
-              <a:lumMod val="20000"/>
-              <a:lumOff val="80000"/>
-            </a:schemeClr>
-          </a:solidFill>
-          <a:ln w="19050">
-            <a:solidFill>
-              <a:schemeClr val="accent2"/>
-            </a:solidFill>
-          </a:ln>
-        </p:spPr>
-        <p:style>
-          <a:lnRef idx="2">
-            <a:schemeClr val="accent1">
-              <a:shade val="50000"/>
-            </a:schemeClr>
-          </a:lnRef>
-          <a:fillRef idx="1">
-            <a:schemeClr val="accent1"/>
-          </a:fillRef>
-          <a:effectRef idx="0">
-            <a:schemeClr val="accent1"/>
-          </a:effectRef>
-          <a:fontRef idx="minor">
-            <a:schemeClr val="lt1"/>
-          </a:fontRef>
-        </p:style>
-        <p:txBody>
-          <a:bodyPr rtlCol="0" anchor="ctr"/>
-          <a:lstStyle/>
-          <a:p>
-            <a:pPr algn="ctr"/>
-            <a:r>
-              <a:rPr lang="fr-FR" sz="1400" b="1" dirty="0">
-                <a:solidFill>
-                  <a:schemeClr val="accent2"/>
-                </a:solidFill>
-              </a:rPr>
-              <a:t>2</a:t>
-            </a:r>
-          </a:p>
-        </p:txBody>
-      </p:sp>
-      <p:sp>
-        <p:nvSpPr>
-          <p:cNvPr id="6" name="Ellipse 5"/>
-          <p:cNvSpPr/>
-          <p:nvPr/>
-        </p:nvSpPr>
-        <p:spPr>
-          <a:xfrm>
-            <a:off x="2537774" y="1813199"/>
-            <a:ext cx="288032" cy="288032"/>
-          </a:xfrm>
-          <a:prstGeom prst="ellipse">
-            <a:avLst/>
-          </a:prstGeom>
-          <a:solidFill>
-            <a:schemeClr val="accent3">
-              <a:lumMod val="20000"/>
-              <a:lumOff val="80000"/>
-            </a:schemeClr>
-          </a:solidFill>
-          <a:ln w="19050">
-            <a:solidFill>
-              <a:schemeClr val="accent3"/>
-            </a:solidFill>
-          </a:ln>
-        </p:spPr>
-        <p:style>
-          <a:lnRef idx="2">
-            <a:schemeClr val="accent1">
-              <a:shade val="50000"/>
-            </a:schemeClr>
-          </a:lnRef>
-          <a:fillRef idx="1">
-            <a:schemeClr val="accent1"/>
-          </a:fillRef>
-          <a:effectRef idx="0">
-            <a:schemeClr val="accent1"/>
-          </a:effectRef>
-          <a:fontRef idx="minor">
-            <a:schemeClr val="lt1"/>
-          </a:fontRef>
-        </p:style>
-        <p:txBody>
-          <a:bodyPr rtlCol="0" anchor="ctr"/>
-          <a:lstStyle/>
-          <a:p>
-            <a:pPr algn="ctr"/>
-            <a:r>
-              <a:rPr lang="fr-FR" sz="1400" b="1" dirty="0" smtClean="0">
-                <a:solidFill>
-                  <a:schemeClr val="accent3"/>
-                </a:solidFill>
-              </a:rPr>
-              <a:t>3</a:t>
-            </a:r>
-            <a:endParaRPr lang="fr-FR" sz="1400" b="1" dirty="0">
-              <a:solidFill>
-                <a:schemeClr val="accent3"/>
-              </a:solidFill>
-            </a:endParaRPr>
-          </a:p>
-        </p:txBody>
-      </p:sp>
-      <p:sp>
-        <p:nvSpPr>
-          <p:cNvPr id="7" name="Ellipse 6"/>
-          <p:cNvSpPr/>
-          <p:nvPr/>
-        </p:nvSpPr>
-        <p:spPr>
-          <a:xfrm>
-            <a:off x="3275856" y="1813199"/>
-            <a:ext cx="288032" cy="288032"/>
-          </a:xfrm>
-          <a:prstGeom prst="ellipse">
-            <a:avLst/>
-          </a:prstGeom>
-          <a:solidFill>
-            <a:schemeClr val="bg1">
-              <a:lumMod val="85000"/>
-            </a:schemeClr>
-          </a:solidFill>
-          <a:ln w="19050">
-            <a:solidFill>
-              <a:schemeClr val="tx1"/>
-            </a:solidFill>
-          </a:ln>
-        </p:spPr>
-        <p:style>
-          <a:lnRef idx="2">
-            <a:schemeClr val="accent1">
-              <a:shade val="50000"/>
-            </a:schemeClr>
-          </a:lnRef>
-          <a:fillRef idx="1">
-            <a:schemeClr val="accent1"/>
-          </a:fillRef>
-          <a:effectRef idx="0">
-            <a:schemeClr val="accent1"/>
-          </a:effectRef>
-          <a:fontRef idx="minor">
-            <a:schemeClr val="lt1"/>
-          </a:fontRef>
-        </p:style>
-        <p:txBody>
-          <a:bodyPr rtlCol="0" anchor="ctr"/>
-          <a:lstStyle/>
-          <a:p>
-            <a:pPr algn="ctr"/>
-            <a:r>
-              <a:rPr lang="fr-FR" sz="1400" b="1" dirty="0" smtClean="0">
-                <a:solidFill>
-                  <a:schemeClr val="tx1"/>
-                </a:solidFill>
-              </a:rPr>
-              <a:t>4</a:t>
-            </a:r>
-            <a:endParaRPr lang="fr-FR" sz="1400" b="1" dirty="0">
-              <a:solidFill>
-                <a:schemeClr val="tx1"/>
-              </a:solidFill>
-            </a:endParaRPr>
-          </a:p>
-        </p:txBody>
-      </p:sp>
-      <p:sp>
-        <p:nvSpPr>
-          <p:cNvPr id="8" name="Ellipse 7"/>
-          <p:cNvSpPr/>
-          <p:nvPr/>
-        </p:nvSpPr>
-        <p:spPr>
-          <a:xfrm>
-            <a:off x="323528" y="1813199"/>
-            <a:ext cx="288032" cy="288032"/>
-          </a:xfrm>
-          <a:prstGeom prst="ellipse">
-            <a:avLst/>
-          </a:prstGeom>
-          <a:solidFill>
-            <a:schemeClr val="accent6">
-              <a:lumMod val="20000"/>
-              <a:lumOff val="80000"/>
-            </a:schemeClr>
-          </a:solidFill>
-          <a:ln w="19050">
-            <a:solidFill>
-              <a:schemeClr val="accent6">
-                <a:lumMod val="50000"/>
-              </a:schemeClr>
-            </a:solidFill>
-          </a:ln>
-        </p:spPr>
-        <p:style>
-          <a:lnRef idx="2">
-            <a:schemeClr val="accent1">
-              <a:shade val="50000"/>
-            </a:schemeClr>
-          </a:lnRef>
-          <a:fillRef idx="1">
-            <a:schemeClr val="accent1"/>
-          </a:fillRef>
-          <a:effectRef idx="0">
-            <a:schemeClr val="accent1"/>
-          </a:effectRef>
-          <a:fontRef idx="minor">
-            <a:schemeClr val="lt1"/>
-          </a:fontRef>
-        </p:style>
-        <p:txBody>
-          <a:bodyPr rtlCol="0" anchor="ctr"/>
-          <a:lstStyle/>
-          <a:p>
-            <a:pPr algn="ctr"/>
-            <a:r>
-              <a:rPr lang="fr-FR" sz="1400" b="1" dirty="0" smtClean="0">
-                <a:solidFill>
-                  <a:schemeClr val="accent6">
-                    <a:lumMod val="50000"/>
-                  </a:schemeClr>
-                </a:solidFill>
-              </a:rPr>
-              <a:t>0</a:t>
-            </a:r>
-            <a:endParaRPr lang="fr-FR" sz="1400" b="1" dirty="0">
-              <a:solidFill>
-                <a:schemeClr val="accent6">
-                  <a:lumMod val="50000"/>
-                </a:schemeClr>
-              </a:solidFill>
-            </a:endParaRPr>
-          </a:p>
-        </p:txBody>
-      </p:sp>
-      <p:cxnSp>
-        <p:nvCxnSpPr>
-          <p:cNvPr id="10" name="Connecteur droit 9"/>
-          <p:cNvCxnSpPr>
-            <a:stCxn id="8" idx="6"/>
-            <a:endCxn id="4" idx="2"/>
-          </p:cNvCxnSpPr>
-          <p:nvPr/>
-        </p:nvCxnSpPr>
-        <p:spPr>
-          <a:xfrm>
-            <a:off x="611560" y="1957215"/>
-            <a:ext cx="450050" cy="0"/>
-          </a:xfrm>
-          <a:prstGeom prst="line">
-            <a:avLst/>
-          </a:prstGeom>
-          <a:ln w="19050">
-            <a:solidFill>
-              <a:schemeClr val="tx1"/>
-            </a:solidFill>
-          </a:ln>
-        </p:spPr>
-        <p:style>
-          <a:lnRef idx="1">
-            <a:schemeClr val="accent1"/>
-          </a:lnRef>
-          <a:fillRef idx="0">
-            <a:schemeClr val="accent1"/>
-          </a:fillRef>
-          <a:effectRef idx="0">
-            <a:schemeClr val="accent1"/>
-          </a:effectRef>
-          <a:fontRef idx="minor">
-            <a:schemeClr val="tx1"/>
-          </a:fontRef>
-        </p:style>
-      </p:cxnSp>
-      <p:cxnSp>
-        <p:nvCxnSpPr>
-          <p:cNvPr id="11" name="Connecteur droit 10"/>
-          <p:cNvCxnSpPr>
-            <a:stCxn id="5" idx="2"/>
-            <a:endCxn id="4" idx="6"/>
-          </p:cNvCxnSpPr>
-          <p:nvPr/>
-        </p:nvCxnSpPr>
-        <p:spPr>
-          <a:xfrm flipH="1">
-            <a:off x="1349642" y="1957215"/>
-            <a:ext cx="450050" cy="0"/>
-          </a:xfrm>
-          <a:prstGeom prst="line">
-            <a:avLst/>
-          </a:prstGeom>
-          <a:ln w="19050">
-            <a:solidFill>
-              <a:schemeClr val="tx1"/>
-            </a:solidFill>
-          </a:ln>
-        </p:spPr>
-        <p:style>
-          <a:lnRef idx="1">
-            <a:schemeClr val="accent1"/>
-          </a:lnRef>
-          <a:fillRef idx="0">
-            <a:schemeClr val="accent1"/>
-          </a:fillRef>
-          <a:effectRef idx="0">
-            <a:schemeClr val="accent1"/>
-          </a:effectRef>
-          <a:fontRef idx="minor">
-            <a:schemeClr val="tx1"/>
-          </a:fontRef>
-        </p:style>
-      </p:cxnSp>
-      <p:cxnSp>
-        <p:nvCxnSpPr>
-          <p:cNvPr id="14" name="Connecteur droit 13"/>
-          <p:cNvCxnSpPr>
-            <a:stCxn id="6" idx="2"/>
-            <a:endCxn id="5" idx="6"/>
-          </p:cNvCxnSpPr>
-          <p:nvPr/>
-        </p:nvCxnSpPr>
-        <p:spPr>
-          <a:xfrm flipH="1">
-            <a:off x="2087724" y="1957215"/>
-            <a:ext cx="450050" cy="0"/>
-          </a:xfrm>
-          <a:prstGeom prst="line">
-            <a:avLst/>
-          </a:prstGeom>
-          <a:ln w="19050">
-            <a:solidFill>
-              <a:schemeClr val="tx1"/>
-            </a:solidFill>
-          </a:ln>
-        </p:spPr>
-        <p:style>
-          <a:lnRef idx="1">
-            <a:schemeClr val="accent1"/>
-          </a:lnRef>
-          <a:fillRef idx="0">
-            <a:schemeClr val="accent1"/>
-          </a:fillRef>
-          <a:effectRef idx="0">
-            <a:schemeClr val="accent1"/>
-          </a:effectRef>
-          <a:fontRef idx="minor">
-            <a:schemeClr val="tx1"/>
-          </a:fontRef>
-        </p:style>
-      </p:cxnSp>
-      <p:cxnSp>
-        <p:nvCxnSpPr>
-          <p:cNvPr id="17" name="Connecteur droit 16"/>
-          <p:cNvCxnSpPr>
-            <a:stCxn id="7" idx="2"/>
-            <a:endCxn id="6" idx="6"/>
-          </p:cNvCxnSpPr>
-          <p:nvPr/>
-        </p:nvCxnSpPr>
-        <p:spPr>
-          <a:xfrm flipH="1">
-            <a:off x="2825806" y="1957215"/>
-            <a:ext cx="450050" cy="0"/>
-          </a:xfrm>
-          <a:prstGeom prst="line">
-            <a:avLst/>
-          </a:prstGeom>
-          <a:ln w="19050">
-            <a:solidFill>
-              <a:schemeClr val="tx1"/>
-            </a:solidFill>
-          </a:ln>
-        </p:spPr>
-        <p:style>
-          <a:lnRef idx="1">
-            <a:schemeClr val="accent1"/>
-          </a:lnRef>
-          <a:fillRef idx="0">
-            <a:schemeClr val="accent1"/>
-          </a:fillRef>
-          <a:effectRef idx="0">
-            <a:schemeClr val="accent1"/>
-          </a:effectRef>
-          <a:fontRef idx="minor">
-            <a:schemeClr val="tx1"/>
-          </a:fontRef>
-        </p:style>
-      </p:cxnSp>
-      <mc:AlternateContent xmlns:mc="http://schemas.openxmlformats.org/markup-compatibility/2006" xmlns:a14="http://schemas.microsoft.com/office/drawing/2010/main">
-        <mc:Choice Requires="a14">
-          <p:sp>
-            <p:nvSpPr>
-              <p:cNvPr id="31" name="ZoneTexte 30"/>
-              <p:cNvSpPr txBox="1"/>
-              <p:nvPr/>
-            </p:nvSpPr>
-            <p:spPr>
-              <a:xfrm rot="2700000">
-                <a:off x="583745" y="2358459"/>
-                <a:ext cx="901722" cy="261610"/>
-              </a:xfrm>
-              <a:prstGeom prst="rect">
-                <a:avLst/>
-              </a:prstGeom>
-              <a:noFill/>
-            </p:spPr>
-            <p:txBody>
-              <a:bodyPr wrap="none" rtlCol="0">
-                <a:spAutoFit/>
-              </a:bodyPr>
-              <a:lstStyle/>
-              <a:p>
-                <a:r>
-                  <a:rPr lang="fr-FR" sz="1100" b="0" dirty="0" smtClean="0"/>
-                  <a:t>Pivot </a:t>
-                </a:r>
-                <a14:m>
-                  <m:oMath xmlns:m="http://schemas.openxmlformats.org/officeDocument/2006/math">
-                    <m:d>
-                      <m:dPr>
-                        <m:ctrlPr>
-                          <a:rPr lang="fr-FR" sz="1100" b="0" i="1" smtClean="0">
-                            <a:latin typeface="Cambria Math"/>
-                          </a:rPr>
-                        </m:ctrlPr>
-                      </m:dPr>
-                      <m:e>
-                        <m:r>
-                          <a:rPr lang="fr-FR" sz="1100" b="0" i="1" smtClean="0">
-                            <a:latin typeface="Cambria Math"/>
-                          </a:rPr>
-                          <m:t>𝑂</m:t>
-                        </m:r>
-                        <m:r>
-                          <a:rPr lang="fr-FR" sz="1100" b="0" i="1" smtClean="0">
-                            <a:latin typeface="Cambria Math"/>
-                          </a:rPr>
-                          <m:t>,</m:t>
-                        </m:r>
-                        <m:acc>
-                          <m:accPr>
-                            <m:chr m:val="⃗"/>
-                            <m:ctrlPr>
-                              <a:rPr lang="fr-FR" sz="1100" b="0" i="1" smtClean="0">
-                                <a:latin typeface="Cambria Math"/>
-                              </a:rPr>
-                            </m:ctrlPr>
-                          </m:accPr>
-                          <m:e>
-                            <m:sSub>
-                              <m:sSubPr>
-                                <m:ctrlPr>
-                                  <a:rPr lang="fr-FR" sz="1100" b="0" i="1" smtClean="0">
-                                    <a:latin typeface="Cambria Math"/>
-                                  </a:rPr>
-                                </m:ctrlPr>
-                              </m:sSubPr>
-                              <m:e>
-                                <m:r>
-                                  <a:rPr lang="fr-FR" sz="1100" b="0" i="1" smtClean="0">
-                                    <a:latin typeface="Cambria Math"/>
-                                  </a:rPr>
-                                  <m:t>𝑧</m:t>
-                                </m:r>
-                              </m:e>
-                              <m:sub>
-                                <m:r>
-                                  <a:rPr lang="fr-FR" sz="1100" b="0" i="1" smtClean="0">
-                                    <a:latin typeface="Cambria Math"/>
-                                  </a:rPr>
-                                  <m:t>1</m:t>
-                                </m:r>
-                              </m:sub>
-                            </m:sSub>
-                          </m:e>
-                        </m:acc>
-                      </m:e>
-                    </m:d>
-                  </m:oMath>
-                </a14:m>
-                <a:endParaRPr lang="fr-FR" sz="1100" dirty="0"/>
-              </a:p>
-            </p:txBody>
-          </p:sp>
-        </mc:Choice>
-        <mc:Fallback xmlns="">
-          <p:sp>
-            <p:nvSpPr>
-              <p:cNvPr id="31" name="ZoneTexte 30"/>
-              <p:cNvSpPr txBox="1">
-                <a:spLocks noRot="1" noChangeAspect="1" noMove="1" noResize="1" noEditPoints="1" noAdjustHandles="1" noChangeArrowheads="1" noChangeShapeType="1" noTextEdit="1"/>
-              </p:cNvSpPr>
-              <p:nvPr/>
-            </p:nvSpPr>
-            <p:spPr>
-              <a:xfrm rot="2700000">
-                <a:off x="583745" y="2358459"/>
-                <a:ext cx="901722" cy="261610"/>
-              </a:xfrm>
-              <a:prstGeom prst="rect">
-                <a:avLst/>
-              </a:prstGeom>
-              <a:blipFill rotWithShape="1">
-                <a:blip r:embed="rId2"/>
-                <a:stretch>
-                  <a:fillRect l="-2941"/>
-                </a:stretch>
-              </a:blipFill>
-            </p:spPr>
-            <p:txBody>
-              <a:bodyPr/>
-              <a:lstStyle/>
-              <a:p>
-                <a:r>
-                  <a:rPr lang="fr-FR">
-                    <a:noFill/>
-                  </a:rPr>
-                  <a:t> </a:t>
-                </a:r>
-              </a:p>
-            </p:txBody>
-          </p:sp>
-        </mc:Fallback>
-      </mc:AlternateContent>
-      <mc:AlternateContent xmlns:mc="http://schemas.openxmlformats.org/markup-compatibility/2006" xmlns:a14="http://schemas.microsoft.com/office/drawing/2010/main">
-        <mc:Choice Requires="a14">
-          <p:sp>
-            <p:nvSpPr>
-              <p:cNvPr id="32" name="ZoneTexte 31"/>
-              <p:cNvSpPr txBox="1"/>
-              <p:nvPr/>
-            </p:nvSpPr>
-            <p:spPr>
-              <a:xfrm rot="2700000">
-                <a:off x="1329193" y="2358459"/>
-                <a:ext cx="904991" cy="261610"/>
-              </a:xfrm>
-              <a:prstGeom prst="rect">
-                <a:avLst/>
-              </a:prstGeom>
-              <a:noFill/>
-            </p:spPr>
-            <p:txBody>
-              <a:bodyPr wrap="none" rtlCol="0">
-                <a:spAutoFit/>
-              </a:bodyPr>
-              <a:lstStyle/>
-              <a:p>
-                <a:r>
-                  <a:rPr lang="fr-FR" sz="1100" b="0" dirty="0" smtClean="0"/>
-                  <a:t>Pivot </a:t>
-                </a:r>
-                <a14:m>
-                  <m:oMath xmlns:m="http://schemas.openxmlformats.org/officeDocument/2006/math">
-                    <m:d>
-                      <m:dPr>
-                        <m:ctrlPr>
-                          <a:rPr lang="fr-FR" sz="1100" b="0" i="1" smtClean="0">
-                            <a:latin typeface="Cambria Math"/>
-                          </a:rPr>
-                        </m:ctrlPr>
-                      </m:dPr>
-                      <m:e>
-                        <m:r>
-                          <a:rPr lang="fr-FR" sz="1100" b="0" i="1" smtClean="0">
-                            <a:latin typeface="Cambria Math"/>
-                          </a:rPr>
-                          <m:t>𝑂</m:t>
-                        </m:r>
-                        <m:r>
-                          <a:rPr lang="fr-FR" sz="1100" b="0" i="1" smtClean="0">
-                            <a:latin typeface="Cambria Math"/>
-                          </a:rPr>
-                          <m:t>,</m:t>
-                        </m:r>
-                        <m:acc>
-                          <m:accPr>
-                            <m:chr m:val="⃗"/>
-                            <m:ctrlPr>
-                              <a:rPr lang="fr-FR" sz="1100" b="0" i="1" smtClean="0">
-                                <a:latin typeface="Cambria Math"/>
-                              </a:rPr>
-                            </m:ctrlPr>
-                          </m:accPr>
-                          <m:e>
-                            <m:sSub>
-                              <m:sSubPr>
-                                <m:ctrlPr>
-                                  <a:rPr lang="fr-FR" sz="1100" b="0" i="1" smtClean="0">
-                                    <a:latin typeface="Cambria Math"/>
-                                  </a:rPr>
-                                </m:ctrlPr>
-                              </m:sSubPr>
-                              <m:e>
-                                <m:r>
-                                  <a:rPr lang="fr-FR" sz="1100" b="0" i="1" smtClean="0">
-                                    <a:latin typeface="Cambria Math"/>
-                                  </a:rPr>
-                                  <m:t>𝑧</m:t>
-                                </m:r>
-                              </m:e>
-                              <m:sub>
-                                <m:r>
-                                  <a:rPr lang="fr-FR" sz="1100" b="0" i="1" smtClean="0">
-                                    <a:latin typeface="Cambria Math"/>
-                                  </a:rPr>
-                                  <m:t>2</m:t>
-                                </m:r>
-                              </m:sub>
-                            </m:sSub>
-                          </m:e>
-                        </m:acc>
-                      </m:e>
-                    </m:d>
-                  </m:oMath>
-                </a14:m>
-                <a:endParaRPr lang="fr-FR" sz="1100" dirty="0"/>
-              </a:p>
-            </p:txBody>
-          </p:sp>
-        </mc:Choice>
-        <mc:Fallback xmlns="">
-          <p:sp>
-            <p:nvSpPr>
-              <p:cNvPr id="32" name="ZoneTexte 31"/>
-              <p:cNvSpPr txBox="1">
-                <a:spLocks noRot="1" noChangeAspect="1" noMove="1" noResize="1" noEditPoints="1" noAdjustHandles="1" noChangeArrowheads="1" noChangeShapeType="1" noTextEdit="1"/>
-              </p:cNvSpPr>
-              <p:nvPr/>
-            </p:nvSpPr>
-            <p:spPr>
-              <a:xfrm rot="2700000">
-                <a:off x="1329193" y="2358459"/>
-                <a:ext cx="904991" cy="261610"/>
-              </a:xfrm>
-              <a:prstGeom prst="rect">
-                <a:avLst/>
-              </a:prstGeom>
-              <a:blipFill rotWithShape="1">
-                <a:blip r:embed="rId3"/>
-                <a:stretch>
-                  <a:fillRect l="-2941"/>
-                </a:stretch>
-              </a:blipFill>
-            </p:spPr>
-            <p:txBody>
-              <a:bodyPr/>
-              <a:lstStyle/>
-              <a:p>
-                <a:r>
-                  <a:rPr lang="fr-FR">
-                    <a:noFill/>
-                  </a:rPr>
-                  <a:t> </a:t>
-                </a:r>
-              </a:p>
-            </p:txBody>
-          </p:sp>
-        </mc:Fallback>
-      </mc:AlternateContent>
-      <mc:AlternateContent xmlns:mc="http://schemas.openxmlformats.org/markup-compatibility/2006" xmlns:a14="http://schemas.microsoft.com/office/drawing/2010/main">
-        <mc:Choice Requires="a14">
-          <p:sp>
-            <p:nvSpPr>
-              <p:cNvPr id="33" name="ZoneTexte 32"/>
-              <p:cNvSpPr txBox="1"/>
-              <p:nvPr/>
-            </p:nvSpPr>
-            <p:spPr>
-              <a:xfrm rot="2700000">
-                <a:off x="2076276" y="2358459"/>
-                <a:ext cx="904991" cy="261610"/>
-              </a:xfrm>
-              <a:prstGeom prst="rect">
-                <a:avLst/>
-              </a:prstGeom>
-              <a:noFill/>
-            </p:spPr>
-            <p:txBody>
-              <a:bodyPr wrap="none" rtlCol="0">
-                <a:spAutoFit/>
-              </a:bodyPr>
-              <a:lstStyle/>
-              <a:p>
-                <a:r>
-                  <a:rPr lang="fr-FR" sz="1100" b="0" dirty="0" smtClean="0"/>
-                  <a:t>Pivot </a:t>
-                </a:r>
-                <a14:m>
-                  <m:oMath xmlns:m="http://schemas.openxmlformats.org/officeDocument/2006/math">
-                    <m:d>
-                      <m:dPr>
-                        <m:ctrlPr>
-                          <a:rPr lang="fr-FR" sz="1100" b="0" i="1" smtClean="0">
-                            <a:latin typeface="Cambria Math"/>
-                          </a:rPr>
-                        </m:ctrlPr>
-                      </m:dPr>
-                      <m:e>
-                        <m:r>
-                          <a:rPr lang="fr-FR" sz="1100" b="0" i="1" smtClean="0">
-                            <a:latin typeface="Cambria Math"/>
-                          </a:rPr>
-                          <m:t>𝑂</m:t>
-                        </m:r>
-                        <m:r>
-                          <a:rPr lang="fr-FR" sz="1100" b="0" i="1" smtClean="0">
-                            <a:latin typeface="Cambria Math"/>
-                          </a:rPr>
-                          <m:t>,</m:t>
-                        </m:r>
-                        <m:acc>
-                          <m:accPr>
-                            <m:chr m:val="⃗"/>
-                            <m:ctrlPr>
-                              <a:rPr lang="fr-FR" sz="1100" b="0" i="1" smtClean="0">
-                                <a:latin typeface="Cambria Math"/>
-                              </a:rPr>
-                            </m:ctrlPr>
-                          </m:accPr>
-                          <m:e>
-                            <m:sSub>
-                              <m:sSubPr>
-                                <m:ctrlPr>
-                                  <a:rPr lang="fr-FR" sz="1100" b="0" i="1" smtClean="0">
-                                    <a:latin typeface="Cambria Math"/>
-                                  </a:rPr>
-                                </m:ctrlPr>
-                              </m:sSubPr>
-                              <m:e>
-                                <m:r>
-                                  <a:rPr lang="fr-FR" sz="1100" b="0" i="1" smtClean="0">
-                                    <a:latin typeface="Cambria Math"/>
-                                  </a:rPr>
-                                  <m:t>𝑧</m:t>
-                                </m:r>
-                              </m:e>
-                              <m:sub>
-                                <m:r>
-                                  <a:rPr lang="fr-FR" sz="1100" b="0" i="1" smtClean="0">
-                                    <a:latin typeface="Cambria Math"/>
-                                  </a:rPr>
-                                  <m:t>3</m:t>
-                                </m:r>
-                              </m:sub>
-                            </m:sSub>
-                          </m:e>
-                        </m:acc>
-                      </m:e>
-                    </m:d>
-                  </m:oMath>
-                </a14:m>
-                <a:endParaRPr lang="fr-FR" sz="1100" dirty="0"/>
-              </a:p>
-            </p:txBody>
-          </p:sp>
-        </mc:Choice>
-        <mc:Fallback xmlns="">
-          <p:sp>
-            <p:nvSpPr>
-              <p:cNvPr id="33" name="ZoneTexte 32"/>
-              <p:cNvSpPr txBox="1">
-                <a:spLocks noRot="1" noChangeAspect="1" noMove="1" noResize="1" noEditPoints="1" noAdjustHandles="1" noChangeArrowheads="1" noChangeShapeType="1" noTextEdit="1"/>
-              </p:cNvSpPr>
-              <p:nvPr/>
-            </p:nvSpPr>
-            <p:spPr>
-              <a:xfrm rot="2700000">
-                <a:off x="2076276" y="2358459"/>
-                <a:ext cx="904991" cy="261610"/>
-              </a:xfrm>
-              <a:prstGeom prst="rect">
-                <a:avLst/>
-              </a:prstGeom>
-              <a:blipFill rotWithShape="1">
-                <a:blip r:embed="rId4"/>
-                <a:stretch>
-                  <a:fillRect l="-2941"/>
-                </a:stretch>
-              </a:blipFill>
-            </p:spPr>
-            <p:txBody>
-              <a:bodyPr/>
-              <a:lstStyle/>
-              <a:p>
-                <a:r>
-                  <a:rPr lang="fr-FR">
-                    <a:noFill/>
-                  </a:rPr>
-                  <a:t> </a:t>
-                </a:r>
-              </a:p>
-            </p:txBody>
-          </p:sp>
-        </mc:Fallback>
-      </mc:AlternateContent>
-      <mc:AlternateContent xmlns:mc="http://schemas.openxmlformats.org/markup-compatibility/2006" xmlns:a14="http://schemas.microsoft.com/office/drawing/2010/main">
-        <mc:Choice Requires="a14">
-          <p:sp>
-            <p:nvSpPr>
-              <p:cNvPr id="34" name="ZoneTexte 33"/>
-              <p:cNvSpPr txBox="1"/>
-              <p:nvPr/>
-            </p:nvSpPr>
-            <p:spPr>
-              <a:xfrm rot="2700000">
-                <a:off x="2800789" y="2358459"/>
-                <a:ext cx="950132" cy="261610"/>
-              </a:xfrm>
-              <a:prstGeom prst="rect">
-                <a:avLst/>
-              </a:prstGeom>
-              <a:noFill/>
-            </p:spPr>
-            <p:txBody>
-              <a:bodyPr wrap="none" rtlCol="0">
-                <a:spAutoFit/>
-              </a:bodyPr>
-              <a:lstStyle/>
-              <a:p>
-                <a:r>
-                  <a:rPr lang="fr-FR" sz="1100" b="0" dirty="0" smtClean="0"/>
-                  <a:t>Glissière </a:t>
-                </a:r>
-                <a14:m>
-                  <m:oMath xmlns:m="http://schemas.openxmlformats.org/officeDocument/2006/math">
-                    <m:d>
-                      <m:dPr>
-                        <m:ctrlPr>
-                          <a:rPr lang="fr-FR" sz="1100" b="0" i="1" smtClean="0">
-                            <a:latin typeface="Cambria Math"/>
-                          </a:rPr>
-                        </m:ctrlPr>
-                      </m:dPr>
-                      <m:e>
-                        <m:acc>
-                          <m:accPr>
-                            <m:chr m:val="⃗"/>
-                            <m:ctrlPr>
-                              <a:rPr lang="fr-FR" sz="1100" b="0" i="1" smtClean="0">
-                                <a:latin typeface="Cambria Math"/>
-                              </a:rPr>
-                            </m:ctrlPr>
-                          </m:accPr>
-                          <m:e>
-                            <m:sSub>
-                              <m:sSubPr>
-                                <m:ctrlPr>
-                                  <a:rPr lang="fr-FR" sz="1100" b="0" i="1" smtClean="0">
-                                    <a:latin typeface="Cambria Math"/>
-                                  </a:rPr>
-                                </m:ctrlPr>
-                              </m:sSubPr>
-                              <m:e>
-                                <m:r>
-                                  <a:rPr lang="fr-FR" sz="1100" b="0" i="1" smtClean="0">
-                                    <a:latin typeface="Cambria Math"/>
-                                  </a:rPr>
-                                  <m:t>𝑧</m:t>
-                                </m:r>
-                              </m:e>
-                              <m:sub>
-                                <m:r>
-                                  <a:rPr lang="fr-FR" sz="1100" b="0" i="1" smtClean="0">
-                                    <a:latin typeface="Cambria Math"/>
-                                  </a:rPr>
-                                  <m:t>3</m:t>
-                                </m:r>
-                              </m:sub>
-                            </m:sSub>
-                          </m:e>
-                        </m:acc>
-                      </m:e>
-                    </m:d>
-                  </m:oMath>
-                </a14:m>
-                <a:endParaRPr lang="fr-FR" sz="1100" dirty="0"/>
-              </a:p>
-            </p:txBody>
-          </p:sp>
-        </mc:Choice>
-        <mc:Fallback xmlns="">
-          <p:sp>
-            <p:nvSpPr>
-              <p:cNvPr id="34" name="ZoneTexte 33"/>
-              <p:cNvSpPr txBox="1">
-                <a:spLocks noRot="1" noChangeAspect="1" noMove="1" noResize="1" noEditPoints="1" noAdjustHandles="1" noChangeArrowheads="1" noChangeShapeType="1" noTextEdit="1"/>
-              </p:cNvSpPr>
-              <p:nvPr/>
-            </p:nvSpPr>
-            <p:spPr>
-              <a:xfrm rot="2700000">
-                <a:off x="2800789" y="2358459"/>
-                <a:ext cx="950132" cy="261610"/>
-              </a:xfrm>
-              <a:prstGeom prst="rect">
-                <a:avLst/>
-              </a:prstGeom>
-              <a:blipFill rotWithShape="1">
-                <a:blip r:embed="rId5"/>
-                <a:stretch>
-                  <a:fillRect l="-2837"/>
-                </a:stretch>
-              </a:blipFill>
-            </p:spPr>
-            <p:txBody>
-              <a:bodyPr/>
-              <a:lstStyle/>
-              <a:p>
-                <a:r>
-                  <a:rPr lang="fr-FR">
-                    <a:noFill/>
-                  </a:rPr>
-                  <a:t> </a:t>
-                </a:r>
-              </a:p>
-            </p:txBody>
-          </p:sp>
-        </mc:Fallback>
-      </mc:AlternateContent>
-      <p:cxnSp>
-        <p:nvCxnSpPr>
-          <p:cNvPr id="41" name="Connecteur droit 40"/>
-          <p:cNvCxnSpPr/>
-          <p:nvPr/>
-        </p:nvCxnSpPr>
-        <p:spPr>
-          <a:xfrm>
-            <a:off x="152400" y="1957215"/>
-            <a:ext cx="171128" cy="0"/>
-          </a:xfrm>
-          <a:prstGeom prst="line">
-            <a:avLst/>
-          </a:prstGeom>
-          <a:solidFill>
-            <a:schemeClr val="accent6">
-              <a:lumMod val="20000"/>
-              <a:lumOff val="80000"/>
-            </a:schemeClr>
-          </a:solidFill>
-          <a:ln w="19050">
-            <a:solidFill>
-              <a:schemeClr val="accent6">
-                <a:lumMod val="50000"/>
-              </a:schemeClr>
-            </a:solidFill>
-          </a:ln>
-        </p:spPr>
-        <p:style>
-          <a:lnRef idx="2">
-            <a:schemeClr val="accent1">
-              <a:shade val="50000"/>
-            </a:schemeClr>
-          </a:lnRef>
-          <a:fillRef idx="1">
-            <a:schemeClr val="accent1"/>
-          </a:fillRef>
-          <a:effectRef idx="0">
-            <a:schemeClr val="accent1"/>
-          </a:effectRef>
-          <a:fontRef idx="minor">
-            <a:schemeClr val="lt1"/>
-          </a:fontRef>
-        </p:style>
-      </p:cxnSp>
-      <p:cxnSp>
-        <p:nvCxnSpPr>
-          <p:cNvPr id="43" name="Connecteur droit 42"/>
-          <p:cNvCxnSpPr/>
-          <p:nvPr/>
-        </p:nvCxnSpPr>
-        <p:spPr>
-          <a:xfrm flipV="1">
-            <a:off x="152400" y="1813200"/>
-            <a:ext cx="0" cy="288031"/>
-          </a:xfrm>
-          <a:prstGeom prst="line">
-            <a:avLst/>
-          </a:prstGeom>
-          <a:solidFill>
-            <a:schemeClr val="accent6">
-              <a:lumMod val="20000"/>
-              <a:lumOff val="80000"/>
-            </a:schemeClr>
-          </a:solidFill>
-          <a:ln w="19050">
-            <a:solidFill>
-              <a:schemeClr val="accent6">
-                <a:lumMod val="50000"/>
-              </a:schemeClr>
-            </a:solidFill>
-          </a:ln>
-        </p:spPr>
-        <p:style>
-          <a:lnRef idx="2">
-            <a:schemeClr val="accent1">
-              <a:shade val="50000"/>
-            </a:schemeClr>
-          </a:lnRef>
-          <a:fillRef idx="1">
-            <a:schemeClr val="accent1"/>
-          </a:fillRef>
-          <a:effectRef idx="0">
-            <a:schemeClr val="accent1"/>
-          </a:effectRef>
-          <a:fontRef idx="minor">
-            <a:schemeClr val="lt1"/>
-          </a:fontRef>
-        </p:style>
-      </p:cxnSp>
-      <p:cxnSp>
-        <p:nvCxnSpPr>
-          <p:cNvPr id="44" name="Connecteur droit 43"/>
-          <p:cNvCxnSpPr>
-            <a:stCxn id="7" idx="1"/>
-            <a:endCxn id="8" idx="7"/>
-          </p:cNvCxnSpPr>
-          <p:nvPr/>
-        </p:nvCxnSpPr>
-        <p:spPr>
-          <a:xfrm rot="16200000" flipV="1">
-            <a:off x="1943708" y="481051"/>
-            <a:ext cx="12700" cy="2748658"/>
-          </a:xfrm>
-          <a:prstGeom prst="curvedConnector3">
-            <a:avLst>
-              <a:gd name="adj1" fmla="val 2132134"/>
-            </a:avLst>
-          </a:prstGeom>
-          <a:ln w="19050">
-            <a:solidFill>
-              <a:schemeClr val="tx1"/>
-            </a:solidFill>
-            <a:prstDash val="sysDash"/>
-          </a:ln>
-        </p:spPr>
-        <p:style>
-          <a:lnRef idx="1">
-            <a:schemeClr val="accent1"/>
-          </a:lnRef>
-          <a:fillRef idx="0">
-            <a:schemeClr val="accent1"/>
-          </a:fillRef>
-          <a:effectRef idx="0">
-            <a:schemeClr val="accent1"/>
-          </a:effectRef>
-          <a:fontRef idx="minor">
-            <a:schemeClr val="tx1"/>
-          </a:fontRef>
-        </p:style>
-      </p:cxnSp>
-      <p:sp>
-        <p:nvSpPr>
-          <p:cNvPr id="45" name="ZoneTexte 44"/>
-          <p:cNvSpPr txBox="1"/>
-          <p:nvPr/>
-        </p:nvSpPr>
-        <p:spPr>
-          <a:xfrm>
-            <a:off x="1401732" y="1340768"/>
-            <a:ext cx="1083951" cy="261610"/>
-          </a:xfrm>
-          <a:prstGeom prst="rect">
-            <a:avLst/>
-          </a:prstGeom>
-          <a:noFill/>
-        </p:spPr>
-        <p:txBody>
-          <a:bodyPr wrap="none" rtlCol="0">
-            <a:spAutoFit/>
-          </a:bodyPr>
-          <a:lstStyle/>
-          <a:p>
-            <a:r>
-              <a:rPr lang="fr-FR" sz="1100" b="0" dirty="0" smtClean="0"/>
-              <a:t>Liaison à définir</a:t>
-            </a:r>
-            <a:endParaRPr lang="fr-FR" sz="1100" dirty="0"/>
-          </a:p>
-        </p:txBody>
-      </p:sp>
-    </p:spTree>
-    <p:extLst>
-      <p:ext uri="{BB962C8B-B14F-4D97-AF65-F5344CB8AC3E}">
-        <p14:creationId xmlns:p14="http://schemas.microsoft.com/office/powerpoint/2010/main" val="1567687556"/>
       </p:ext>
     </p:extLst>
   </p:cSld>

--- a/Chapitre_01_Energetique/Cy_06_01_TD_04_Twizy_AREVOIR/images/Figures.pptx
+++ b/Chapitre_01_Energetique/Cy_06_01_TD_04_Twizy_AREVOIR/images/Figures.pptx
@@ -313,7 +313,7 @@
           <a:p>
             <a:fld id="{AA309A6D-C09C-4548-B29A-6CF363A7E532}" type="datetimeFigureOut">
               <a:rPr lang="fr-FR" smtClean="0"/>
-              <a:t>21/01/2020</a:t>
+              <a:t>23/01/2020</a:t>
             </a:fld>
             <a:endParaRPr lang="fr-BE"/>
           </a:p>
@@ -478,7 +478,7 @@
           <a:p>
             <a:fld id="{AA309A6D-C09C-4548-B29A-6CF363A7E532}" type="datetimeFigureOut">
               <a:rPr lang="fr-FR" smtClean="0"/>
-              <a:t>21/01/2020</a:t>
+              <a:t>23/01/2020</a:t>
             </a:fld>
             <a:endParaRPr lang="fr-BE"/>
           </a:p>
@@ -653,7 +653,7 @@
           <a:p>
             <a:fld id="{AA309A6D-C09C-4548-B29A-6CF363A7E532}" type="datetimeFigureOut">
               <a:rPr lang="fr-FR" smtClean="0"/>
-              <a:t>21/01/2020</a:t>
+              <a:t>23/01/2020</a:t>
             </a:fld>
             <a:endParaRPr lang="fr-BE"/>
           </a:p>
@@ -818,7 +818,7 @@
           <a:p>
             <a:fld id="{AA309A6D-C09C-4548-B29A-6CF363A7E532}" type="datetimeFigureOut">
               <a:rPr lang="fr-FR" smtClean="0"/>
-              <a:t>21/01/2020</a:t>
+              <a:t>23/01/2020</a:t>
             </a:fld>
             <a:endParaRPr lang="fr-BE"/>
           </a:p>
@@ -1059,7 +1059,7 @@
           <a:p>
             <a:fld id="{AA309A6D-C09C-4548-B29A-6CF363A7E532}" type="datetimeFigureOut">
               <a:rPr lang="fr-FR" smtClean="0"/>
-              <a:t>21/01/2020</a:t>
+              <a:t>23/01/2020</a:t>
             </a:fld>
             <a:endParaRPr lang="fr-BE"/>
           </a:p>
@@ -1342,7 +1342,7 @@
           <a:p>
             <a:fld id="{AA309A6D-C09C-4548-B29A-6CF363A7E532}" type="datetimeFigureOut">
               <a:rPr lang="fr-FR" smtClean="0"/>
-              <a:t>21/01/2020</a:t>
+              <a:t>23/01/2020</a:t>
             </a:fld>
             <a:endParaRPr lang="fr-BE"/>
           </a:p>
@@ -1759,7 +1759,7 @@
           <a:p>
             <a:fld id="{AA309A6D-C09C-4548-B29A-6CF363A7E532}" type="datetimeFigureOut">
               <a:rPr lang="fr-FR" smtClean="0"/>
-              <a:t>21/01/2020</a:t>
+              <a:t>23/01/2020</a:t>
             </a:fld>
             <a:endParaRPr lang="fr-BE"/>
           </a:p>
@@ -1872,7 +1872,7 @@
           <a:p>
             <a:fld id="{AA309A6D-C09C-4548-B29A-6CF363A7E532}" type="datetimeFigureOut">
               <a:rPr lang="fr-FR" smtClean="0"/>
-              <a:t>21/01/2020</a:t>
+              <a:t>23/01/2020</a:t>
             </a:fld>
             <a:endParaRPr lang="fr-BE"/>
           </a:p>
@@ -1962,7 +1962,7 @@
           <a:p>
             <a:fld id="{AA309A6D-C09C-4548-B29A-6CF363A7E532}" type="datetimeFigureOut">
               <a:rPr lang="fr-FR" smtClean="0"/>
-              <a:t>21/01/2020</a:t>
+              <a:t>23/01/2020</a:t>
             </a:fld>
             <a:endParaRPr lang="fr-BE"/>
           </a:p>
@@ -2234,7 +2234,7 @@
           <a:p>
             <a:fld id="{AA309A6D-C09C-4548-B29A-6CF363A7E532}" type="datetimeFigureOut">
               <a:rPr lang="fr-FR" smtClean="0"/>
-              <a:t>21/01/2020</a:t>
+              <a:t>23/01/2020</a:t>
             </a:fld>
             <a:endParaRPr lang="fr-BE"/>
           </a:p>
@@ -2482,7 +2482,7 @@
           <a:p>
             <a:fld id="{AA309A6D-C09C-4548-B29A-6CF363A7E532}" type="datetimeFigureOut">
               <a:rPr lang="fr-FR" smtClean="0"/>
-              <a:t>21/01/2020</a:t>
+              <a:t>23/01/2020</a:t>
             </a:fld>
             <a:endParaRPr lang="fr-BE"/>
           </a:p>
@@ -2690,7 +2690,7 @@
           <a:p>
             <a:fld id="{AA309A6D-C09C-4548-B29A-6CF363A7E532}" type="datetimeFigureOut">
               <a:rPr lang="fr-FR" smtClean="0"/>
-              <a:t>21/01/2020</a:t>
+              <a:t>23/01/2020</a:t>
             </a:fld>
             <a:endParaRPr lang="fr-BE"/>
           </a:p>
@@ -3110,15 +3110,15 @@
           <p:cNvPr id="11" name="Connecteur droit 10"/>
           <p:cNvCxnSpPr>
             <a:cxnSpLocks/>
-            <a:stCxn id="26" idx="0"/>
-            <a:endCxn id="21" idx="4"/>
+            <a:stCxn id="26" idx="7"/>
+            <a:endCxn id="21" idx="3"/>
           </p:cNvCxnSpPr>
           <p:nvPr/>
         </p:nvCxnSpPr>
         <p:spPr>
-          <a:xfrm>
-            <a:off x="4572000" y="4005064"/>
-            <a:ext cx="0" cy="1008112"/>
+          <a:xfrm flipH="1">
+            <a:off x="4470165" y="3906830"/>
+            <a:ext cx="650593" cy="1064165"/>
           </a:xfrm>
           <a:prstGeom prst="line">
             <a:avLst/>
@@ -3149,15 +3149,15 @@
           <p:cNvPr id="14" name="Connecteur droit 13"/>
           <p:cNvCxnSpPr>
             <a:cxnSpLocks/>
-            <a:stCxn id="26" idx="7"/>
+            <a:stCxn id="26" idx="6"/>
             <a:endCxn id="24" idx="3"/>
           </p:cNvCxnSpPr>
           <p:nvPr/>
         </p:nvCxnSpPr>
         <p:spPr>
           <a:xfrm flipH="1">
-            <a:off x="3030004" y="4047245"/>
-            <a:ext cx="1643831" cy="923750"/>
+            <a:off x="3030004" y="4008665"/>
+            <a:ext cx="2132935" cy="962330"/>
           </a:xfrm>
           <a:prstGeom prst="line">
             <a:avLst/>
@@ -3222,8 +3222,8 @@
           </a:fontRef>
         </p:style>
       </p:cxnSp>
-      <mc:AlternateContent xmlns:mc="http://schemas.openxmlformats.org/markup-compatibility/2006">
-        <mc:Choice xmlns:a14="http://schemas.microsoft.com/office/drawing/2010/main" Requires="a14">
+      <mc:AlternateContent xmlns:mc="http://schemas.openxmlformats.org/markup-compatibility/2006" xmlns:a14="http://schemas.microsoft.com/office/drawing/2010/main">
+        <mc:Choice Requires="a14">
           <p:sp>
             <p:nvSpPr>
               <p:cNvPr id="31" name="ZoneTexte 30"/>
@@ -3252,6 +3252,7 @@
                 </a:r>
               </a:p>
               <a:p>
+                <a:pPr/>
                 <a14:m>
                   <m:oMathPara xmlns:m="http://schemas.openxmlformats.org/officeDocument/2006/math">
                     <m:oMathParaPr>
@@ -3345,7 +3346,7 @@
             </p:txBody>
           </p:sp>
         </mc:Choice>
-        <mc:Fallback>
+        <mc:Fallback xmlns="">
           <p:sp>
             <p:nvSpPr>
               <p:cNvPr id="31" name="ZoneTexte 30"/>
@@ -3638,36 +3639,6 @@
       </p:grpSp>
       <p:sp>
         <p:nvSpPr>
-          <p:cNvPr id="45" name="ZoneTexte 44"/>
-          <p:cNvSpPr txBox="1"/>
-          <p:nvPr/>
-        </p:nvSpPr>
-        <p:spPr>
-          <a:xfrm>
-            <a:off x="1401732" y="1340768"/>
-            <a:ext cx="1083951" cy="261610"/>
-          </a:xfrm>
-          <a:prstGeom prst="rect">
-            <a:avLst/>
-          </a:prstGeom>
-          <a:noFill/>
-        </p:spPr>
-        <p:txBody>
-          <a:bodyPr wrap="none" rtlCol="0">
-            <a:spAutoFit/>
-          </a:bodyPr>
-          <a:lstStyle/>
-          <a:p>
-            <a:r>
-              <a:rPr lang="fr-FR" sz="1100" b="0" dirty="0"/>
-              <a:t>Liaison à définir</a:t>
-            </a:r>
-            <a:endParaRPr lang="fr-FR" sz="1100" dirty="0"/>
-          </a:p>
-        </p:txBody>
-      </p:sp>
-      <p:sp>
-        <p:nvSpPr>
           <p:cNvPr id="21" name="Ellipse 20">
             <a:extLst>
               <a:ext uri="{FF2B5EF4-FFF2-40B4-BE49-F238E27FC236}">
@@ -3808,7 +3779,7 @@
         </p:nvSpPr>
         <p:spPr>
           <a:xfrm>
-            <a:off x="4427984" y="4005064"/>
+            <a:off x="4874907" y="3864649"/>
             <a:ext cx="288032" cy="288032"/>
           </a:xfrm>
           <a:prstGeom prst="ellipse">
@@ -3872,7 +3843,7 @@
         </p:nvSpPr>
         <p:spPr>
           <a:xfrm>
-            <a:off x="3419872" y="4005064"/>
+            <a:off x="2864898" y="3864408"/>
             <a:ext cx="288032" cy="288032"/>
           </a:xfrm>
           <a:prstGeom prst="ellipse">
@@ -3921,8 +3892,8 @@
           </a:p>
         </p:txBody>
       </p:sp>
-      <mc:AlternateContent xmlns:mc="http://schemas.openxmlformats.org/markup-compatibility/2006">
-        <mc:Choice xmlns:a14="http://schemas.microsoft.com/office/drawing/2010/main" Requires="a14">
+      <mc:AlternateContent xmlns:mc="http://schemas.openxmlformats.org/markup-compatibility/2006" xmlns:a14="http://schemas.microsoft.com/office/drawing/2010/main">
+        <mc:Choice Requires="a14">
           <p:sp>
             <p:nvSpPr>
               <p:cNvPr id="46" name="ZoneTexte 45">
@@ -3957,6 +3928,7 @@
                 </a:r>
               </a:p>
               <a:p>
+                <a:pPr/>
                 <a14:m>
                   <m:oMathPara xmlns:m="http://schemas.openxmlformats.org/officeDocument/2006/math">
                     <m:oMathParaPr>
@@ -4050,7 +4022,7 @@
             </p:txBody>
           </p:sp>
         </mc:Choice>
-        <mc:Fallback>
+        <mc:Fallback xmlns="">
           <p:sp>
             <p:nvSpPr>
               <p:cNvPr id="46" name="ZoneTexte 45">
@@ -4095,8 +4067,8 @@
           </p:sp>
         </mc:Fallback>
       </mc:AlternateContent>
-      <mc:AlternateContent xmlns:mc="http://schemas.openxmlformats.org/markup-compatibility/2006">
-        <mc:Choice xmlns:a14="http://schemas.microsoft.com/office/drawing/2010/main" Requires="a14">
+      <mc:AlternateContent xmlns:mc="http://schemas.openxmlformats.org/markup-compatibility/2006" xmlns:a14="http://schemas.microsoft.com/office/drawing/2010/main">
+        <mc:Choice Requires="a14">
           <p:sp>
             <p:nvSpPr>
               <p:cNvPr id="49" name="ZoneTexte 48">
@@ -4226,7 +4198,7 @@
             </p:txBody>
           </p:sp>
         </mc:Choice>
-        <mc:Fallback>
+        <mc:Fallback xmlns="">
           <p:sp>
             <p:nvSpPr>
               <p:cNvPr id="49" name="ZoneTexte 48">
@@ -4287,7 +4259,7 @@
             </p:nvSpPr>
             <p:spPr>
               <a:xfrm>
-                <a:off x="3464548" y="4530791"/>
+                <a:off x="3770785" y="4450134"/>
                 <a:ext cx="801215" cy="430887"/>
               </a:xfrm>
               <a:prstGeom prst="rect">
@@ -4419,7 +4391,7 @@
             </p:nvSpPr>
             <p:spPr>
               <a:xfrm>
-                <a:off x="3464548" y="4530791"/>
+                <a:off x="3770785" y="4450134"/>
                 <a:ext cx="801215" cy="430887"/>
               </a:xfrm>
               <a:prstGeom prst="rect">
@@ -4464,9 +4436,9 @@
           <p:nvPr/>
         </p:nvCxnSpPr>
         <p:spPr>
-          <a:xfrm flipH="1">
-            <a:off x="3707904" y="4149080"/>
-            <a:ext cx="720080" cy="0"/>
+          <a:xfrm flipH="1" flipV="1">
+            <a:off x="3152930" y="4008424"/>
+            <a:ext cx="1721977" cy="241"/>
           </a:xfrm>
           <a:prstGeom prst="line">
             <a:avLst/>
@@ -4508,8 +4480,8 @@
             </p:nvSpPr>
             <p:spPr>
               <a:xfrm>
-                <a:off x="3677588" y="3723309"/>
-                <a:ext cx="801215" cy="430887"/>
+                <a:off x="3419516" y="3746814"/>
+                <a:ext cx="990291" cy="261610"/>
               </a:xfrm>
               <a:prstGeom prst="rect">
                 <a:avLst/>
@@ -4525,79 +4497,71 @@
                 <a:pPr algn="ctr"/>
                 <a:r>
                   <a:rPr lang="fr-FR" sz="1100" b="0" dirty="0"/>
-                  <a:t>Pivot</a:t>
+                  <a:t>Pivot </a:t>
                 </a:r>
-              </a:p>
-              <a:p>
-                <a:pPr algn="ctr"/>
                 <a14:m>
-                  <m:oMathPara xmlns:m="http://schemas.openxmlformats.org/officeDocument/2006/math">
-                    <m:oMathParaPr>
-                      <m:jc m:val="centerGroup"/>
-                    </m:oMathParaPr>
-                    <m:oMath xmlns:m="http://schemas.openxmlformats.org/officeDocument/2006/math">
-                      <m:d>
-                        <m:dPr>
-                          <m:ctrlPr>
-                            <a:rPr lang="fr-FR" sz="1100" i="1" smtClean="0">
-                              <a:latin typeface="Cambria Math" panose="02040503050406030204" pitchFamily="18" charset="0"/>
-                            </a:rPr>
-                          </m:ctrlPr>
-                        </m:dPr>
-                        <m:e>
-                          <m:r>
-                            <a:rPr lang="fr-FR" sz="1100" b="0" i="1" smtClean="0">
-                              <a:latin typeface="Cambria Math" panose="02040503050406030204" pitchFamily="18" charset="0"/>
-                            </a:rPr>
-                            <m:t>𝐴</m:t>
-                          </m:r>
-                          <m:r>
-                            <a:rPr lang="fr-FR" sz="1100" b="0" i="1" smtClean="0">
-                              <a:latin typeface="Cambria Math" panose="02040503050406030204" pitchFamily="18" charset="0"/>
-                            </a:rPr>
-                            <m:t>,</m:t>
-                          </m:r>
-                          <m:acc>
-                            <m:accPr>
-                              <m:chr m:val="⃗"/>
-                              <m:ctrlPr>
-                                <a:rPr lang="fr-FR" sz="1100" b="0" i="1" smtClean="0">
-                                  <a:latin typeface="Cambria Math" panose="02040503050406030204" pitchFamily="18" charset="0"/>
-                                </a:rPr>
-                              </m:ctrlPr>
-                            </m:accPr>
-                            <m:e>
-                              <m:sSub>
-                                <m:sSubPr>
-                                  <m:ctrlPr>
-                                    <a:rPr lang="fr-FR" sz="1100" b="0" i="1" smtClean="0">
-                                      <a:latin typeface="Cambria Math" panose="02040503050406030204" pitchFamily="18" charset="0"/>
-                                    </a:rPr>
-                                  </m:ctrlPr>
-                                </m:sSubPr>
-                                <m:e>
-                                  <m:r>
-                                    <a:rPr lang="fr-FR" sz="1100" b="0" i="1" smtClean="0">
-                                      <a:latin typeface="Cambria Math" panose="02040503050406030204" pitchFamily="18" charset="0"/>
-                                    </a:rPr>
-                                    <m:t>𝑦</m:t>
-                                  </m:r>
-                                </m:e>
-                                <m:sub>
-                                  <m:r>
-                                    <a:rPr lang="fr-FR" sz="1100" b="0" i="1" smtClean="0">
-                                      <a:latin typeface="Cambria Math" panose="02040503050406030204" pitchFamily="18" charset="0"/>
-                                    </a:rPr>
-                                    <m:t>0</m:t>
-                                  </m:r>
-                                </m:sub>
-                              </m:sSub>
-                            </m:e>
-                          </m:acc>
-                        </m:e>
-                      </m:d>
-                    </m:oMath>
-                  </m:oMathPara>
+                  <m:oMath xmlns:m="http://schemas.openxmlformats.org/officeDocument/2006/math">
+                    <m:d>
+                      <m:dPr>
+                        <m:ctrlPr>
+                          <a:rPr lang="fr-FR" sz="1100" i="1" smtClean="0">
+                            <a:latin typeface="Cambria Math" panose="02040503050406030204" pitchFamily="18" charset="0"/>
+                          </a:rPr>
+                        </m:ctrlPr>
+                      </m:dPr>
+                      <m:e>
+                        <m:r>
+                          <a:rPr lang="fr-FR" sz="1100" b="0" i="1" smtClean="0">
+                            <a:latin typeface="Cambria Math" panose="02040503050406030204" pitchFamily="18" charset="0"/>
+                          </a:rPr>
+                          <m:t>𝐴</m:t>
+                        </m:r>
+                        <m:r>
+                          <a:rPr lang="fr-FR" sz="1100" b="0" i="1" smtClean="0">
+                            <a:latin typeface="Cambria Math" panose="02040503050406030204" pitchFamily="18" charset="0"/>
+                          </a:rPr>
+                          <m:t>,</m:t>
+                        </m:r>
+                        <m:acc>
+                          <m:accPr>
+                            <m:chr m:val="⃗"/>
+                            <m:ctrlPr>
+                              <a:rPr lang="fr-FR" sz="1100" b="0" i="1" smtClean="0">
+                                <a:latin typeface="Cambria Math" panose="02040503050406030204" pitchFamily="18" charset="0"/>
+                              </a:rPr>
+                            </m:ctrlPr>
+                          </m:accPr>
+                          <m:e>
+                            <m:sSub>
+                              <m:sSubPr>
+                                <m:ctrlPr>
+                                  <a:rPr lang="fr-FR" sz="1100" b="0" i="1" smtClean="0">
+                                    <a:latin typeface="Cambria Math" panose="02040503050406030204" pitchFamily="18" charset="0"/>
+                                  </a:rPr>
+                                </m:ctrlPr>
+                              </m:sSubPr>
+                              <m:e>
+                                <m:r>
+                                  <a:rPr lang="fr-FR" sz="1100" b="0" i="1" smtClean="0">
+                                    <a:latin typeface="Cambria Math" panose="02040503050406030204" pitchFamily="18" charset="0"/>
+                                  </a:rPr>
+                                  <m:t>𝑦</m:t>
+                                </m:r>
+                              </m:e>
+                              <m:sub>
+                                <m:r>
+                                  <a:rPr lang="fr-FR" sz="1100" b="0" i="1" smtClean="0">
+                                    <a:latin typeface="Cambria Math" panose="02040503050406030204" pitchFamily="18" charset="0"/>
+                                  </a:rPr>
+                                  <m:t>0</m:t>
+                                </m:r>
+                              </m:sub>
+                            </m:sSub>
+                          </m:e>
+                        </m:acc>
+                      </m:e>
+                    </m:d>
+                  </m:oMath>
                 </a14:m>
                 <a:endParaRPr lang="fr-FR" sz="1100" dirty="0"/>
               </a:p>
@@ -4621,8 +4585,8 @@
             </p:nvSpPr>
             <p:spPr>
               <a:xfrm>
-                <a:off x="3677588" y="3723309"/>
-                <a:ext cx="801215" cy="430887"/>
+                <a:off x="3419516" y="3746814"/>
+                <a:ext cx="990291" cy="261610"/>
               </a:xfrm>
               <a:prstGeom prst="rect">
                 <a:avLst/>
@@ -4630,7 +4594,7 @@
               <a:blipFill>
                 <a:blip r:embed="rId6"/>
                 <a:stretch>
-                  <a:fillRect t="-1429"/>
+                  <a:fillRect b="-16279"/>
                 </a:stretch>
               </a:blipFill>
             </p:spPr>
@@ -4660,15 +4624,15 @@
           </p:cNvPr>
           <p:cNvCxnSpPr>
             <a:cxnSpLocks/>
-            <a:stCxn id="28" idx="3"/>
+            <a:stCxn id="28" idx="4"/>
             <a:endCxn id="24" idx="0"/>
           </p:cNvCxnSpPr>
           <p:nvPr/>
         </p:nvCxnSpPr>
         <p:spPr>
-          <a:xfrm flipH="1">
-            <a:off x="3131839" y="4250915"/>
-            <a:ext cx="330214" cy="474229"/>
+          <a:xfrm>
+            <a:off x="3008914" y="4152440"/>
+            <a:ext cx="122925" cy="572704"/>
           </a:xfrm>
           <a:prstGeom prst="line">
             <a:avLst/>
@@ -4707,8 +4671,8 @@
           <p:nvPr/>
         </p:nvSpPr>
         <p:spPr>
-          <a:xfrm>
-            <a:off x="2605224" y="4235979"/>
+          <a:xfrm rot="4730556">
+            <a:off x="2551641" y="4322327"/>
             <a:ext cx="801215" cy="261610"/>
           </a:xfrm>
           <a:prstGeom prst="rect">
@@ -4875,6 +4839,534 @@
           </a:p>
         </p:txBody>
       </p:sp>
+      <p:sp>
+        <p:nvSpPr>
+          <p:cNvPr id="39" name="Forme libre 25">
+            <a:extLst>
+              <a:ext uri="{FF2B5EF4-FFF2-40B4-BE49-F238E27FC236}">
+                <a16:creationId xmlns:a16="http://schemas.microsoft.com/office/drawing/2014/main" id="{E5130E07-3ADA-498B-A0FD-7B91CA28A7D0}"/>
+              </a:ext>
+            </a:extLst>
+          </p:cNvPr>
+          <p:cNvSpPr/>
+          <p:nvPr/>
+        </p:nvSpPr>
+        <p:spPr>
+          <a:xfrm flipV="1">
+            <a:off x="4113779" y="4052811"/>
+            <a:ext cx="754545" cy="90606"/>
+          </a:xfrm>
+          <a:custGeom>
+            <a:avLst/>
+            <a:gdLst>
+              <a:gd name="connsiteX0" fmla="*/ 0 w 596900"/>
+              <a:gd name="connsiteY0" fmla="*/ 209768 h 209768"/>
+              <a:gd name="connsiteX1" fmla="*/ 317500 w 596900"/>
+              <a:gd name="connsiteY1" fmla="*/ 218 h 209768"/>
+              <a:gd name="connsiteX2" fmla="*/ 596900 w 596900"/>
+              <a:gd name="connsiteY2" fmla="*/ 178018 h 209768"/>
+              <a:gd name="connsiteX0" fmla="*/ 0 w 660400"/>
+              <a:gd name="connsiteY0" fmla="*/ 210341 h 280191"/>
+              <a:gd name="connsiteX1" fmla="*/ 317500 w 660400"/>
+              <a:gd name="connsiteY1" fmla="*/ 791 h 280191"/>
+              <a:gd name="connsiteX2" fmla="*/ 660400 w 660400"/>
+              <a:gd name="connsiteY2" fmla="*/ 280191 h 280191"/>
+              <a:gd name="connsiteX0" fmla="*/ 0 w 736600"/>
+              <a:gd name="connsiteY0" fmla="*/ 273055 h 279405"/>
+              <a:gd name="connsiteX1" fmla="*/ 393700 w 736600"/>
+              <a:gd name="connsiteY1" fmla="*/ 5 h 279405"/>
+              <a:gd name="connsiteX2" fmla="*/ 736600 w 736600"/>
+              <a:gd name="connsiteY2" fmla="*/ 279405 h 279405"/>
+              <a:gd name="connsiteX0" fmla="*/ 0 w 592096"/>
+              <a:gd name="connsiteY0" fmla="*/ 17772 h 567421"/>
+              <a:gd name="connsiteX1" fmla="*/ 249196 w 592096"/>
+              <a:gd name="connsiteY1" fmla="*/ 288021 h 567421"/>
+              <a:gd name="connsiteX2" fmla="*/ 592096 w 592096"/>
+              <a:gd name="connsiteY2" fmla="*/ 567421 h 567421"/>
+              <a:gd name="connsiteX0" fmla="*/ 0 w 592096"/>
+              <a:gd name="connsiteY0" fmla="*/ 0 h 549649"/>
+              <a:gd name="connsiteX1" fmla="*/ 592096 w 592096"/>
+              <a:gd name="connsiteY1" fmla="*/ 549649 h 549649"/>
+              <a:gd name="connsiteX0" fmla="*/ 0 w 592096"/>
+              <a:gd name="connsiteY0" fmla="*/ 4076 h 553725"/>
+              <a:gd name="connsiteX1" fmla="*/ 592096 w 592096"/>
+              <a:gd name="connsiteY1" fmla="*/ 553725 h 553725"/>
+            </a:gdLst>
+            <a:ahLst/>
+            <a:cxnLst>
+              <a:cxn ang="0">
+                <a:pos x="connsiteX0" y="connsiteY0"/>
+              </a:cxn>
+              <a:cxn ang="0">
+                <a:pos x="connsiteX1" y="connsiteY1"/>
+              </a:cxn>
+            </a:cxnLst>
+            <a:rect l="l" t="t" r="r" b="b"/>
+            <a:pathLst>
+              <a:path w="592096" h="553725">
+                <a:moveTo>
+                  <a:pt x="0" y="4076"/>
+                </a:moveTo>
+                <a:cubicBezTo>
+                  <a:pt x="371766" y="-45548"/>
+                  <a:pt x="394731" y="370509"/>
+                  <a:pt x="592096" y="553725"/>
+                </a:cubicBezTo>
+              </a:path>
+            </a:pathLst>
+          </a:custGeom>
+          <a:noFill/>
+          <a:ln>
+            <a:solidFill>
+              <a:srgbClr val="C00000"/>
+            </a:solidFill>
+            <a:headEnd type="none" w="med" len="lg"/>
+            <a:tailEnd type="stealth" w="med" len="lg"/>
+          </a:ln>
+        </p:spPr>
+        <p:style>
+          <a:lnRef idx="2">
+            <a:schemeClr val="accent1">
+              <a:shade val="50000"/>
+            </a:schemeClr>
+          </a:lnRef>
+          <a:fillRef idx="1">
+            <a:schemeClr val="accent1"/>
+          </a:fillRef>
+          <a:effectRef idx="0">
+            <a:schemeClr val="accent1"/>
+          </a:effectRef>
+          <a:fontRef idx="minor">
+            <a:schemeClr val="lt1"/>
+          </a:fontRef>
+        </p:style>
+        <p:txBody>
+          <a:bodyPr rtlCol="0" anchor="ctr"/>
+          <a:lstStyle/>
+          <a:p>
+            <a:pPr algn="ctr"/>
+            <a:endParaRPr lang="fr-FR"/>
+          </a:p>
+        </p:txBody>
+      </p:sp>
+      <mc:AlternateContent xmlns:mc="http://schemas.openxmlformats.org/markup-compatibility/2006">
+        <mc:Choice xmlns:a14="http://schemas.microsoft.com/office/drawing/2010/main" Requires="a14">
+          <p:sp>
+            <p:nvSpPr>
+              <p:cNvPr id="42" name="Rectangle 41">
+                <a:extLst>
+                  <a:ext uri="{FF2B5EF4-FFF2-40B4-BE49-F238E27FC236}">
+                    <a16:creationId xmlns:a16="http://schemas.microsoft.com/office/drawing/2014/main" id="{DA893BD7-10AA-4047-A777-BDD912BBF470}"/>
+                  </a:ext>
+                </a:extLst>
+              </p:cNvPr>
+              <p:cNvSpPr/>
+              <p:nvPr/>
+            </p:nvSpPr>
+            <p:spPr>
+              <a:xfrm>
+                <a:off x="3205000" y="4143417"/>
+                <a:ext cx="536557" cy="261610"/>
+              </a:xfrm>
+              <a:prstGeom prst="rect">
+                <a:avLst/>
+              </a:prstGeom>
+            </p:spPr>
+            <p:txBody>
+              <a:bodyPr wrap="none">
+                <a:spAutoFit/>
+              </a:bodyPr>
+              <a:lstStyle/>
+              <a:p>
+                <a:pPr/>
+                <a14:m>
+                  <m:oMathPara xmlns:m="http://schemas.openxmlformats.org/officeDocument/2006/math">
+                    <m:oMathParaPr>
+                      <m:jc m:val="centerGroup"/>
+                    </m:oMathParaPr>
+                    <m:oMath xmlns:m="http://schemas.openxmlformats.org/officeDocument/2006/math">
+                      <m:sSub>
+                        <m:sSubPr>
+                          <m:ctrlPr>
+                            <a:rPr lang="fr-FR" sz="1100" i="1" smtClean="0">
+                              <a:latin typeface="Cambria Math" panose="02040503050406030204" pitchFamily="18" charset="0"/>
+                            </a:rPr>
+                          </m:ctrlPr>
+                        </m:sSubPr>
+                        <m:e>
+                          <m:r>
+                            <a:rPr lang="fr-FR" sz="1100" b="0" i="1" smtClean="0">
+                              <a:latin typeface="Cambria Math"/>
+                            </a:rPr>
+                            <m:t>𝐶</m:t>
+                          </m:r>
+                        </m:e>
+                        <m:sub>
+                          <m:r>
+                            <a:rPr lang="fr-FR" sz="1100" b="0" i="1" smtClean="0">
+                              <a:latin typeface="Cambria Math" panose="02040503050406030204" pitchFamily="18" charset="0"/>
+                            </a:rPr>
+                            <m:t>𝑚</m:t>
+                          </m:r>
+                        </m:sub>
+                      </m:sSub>
+                      <m:acc>
+                        <m:accPr>
+                          <m:chr m:val="⃗"/>
+                          <m:ctrlPr>
+                            <a:rPr lang="fr-FR" sz="1100" i="1">
+                              <a:latin typeface="Cambria Math" panose="02040503050406030204" pitchFamily="18" charset="0"/>
+                            </a:rPr>
+                          </m:ctrlPr>
+                        </m:accPr>
+                        <m:e>
+                          <m:sSub>
+                            <m:sSubPr>
+                              <m:ctrlPr>
+                                <a:rPr lang="fr-FR" sz="1100" i="1">
+                                  <a:latin typeface="Cambria Math" panose="02040503050406030204" pitchFamily="18" charset="0"/>
+                                </a:rPr>
+                              </m:ctrlPr>
+                            </m:sSubPr>
+                            <m:e>
+                              <m:r>
+                                <a:rPr lang="fr-FR" sz="1100" b="0" i="1" smtClean="0">
+                                  <a:latin typeface="Cambria Math" panose="02040503050406030204" pitchFamily="18" charset="0"/>
+                                </a:rPr>
+                                <m:t>𝑦</m:t>
+                              </m:r>
+                            </m:e>
+                            <m:sub>
+                              <m:r>
+                                <a:rPr lang="fr-FR" sz="1100" b="0" i="1" smtClean="0">
+                                  <a:latin typeface="Cambria Math" panose="02040503050406030204" pitchFamily="18" charset="0"/>
+                                </a:rPr>
+                                <m:t>0</m:t>
+                              </m:r>
+                            </m:sub>
+                          </m:sSub>
+                        </m:e>
+                      </m:acc>
+                    </m:oMath>
+                  </m:oMathPara>
+                </a14:m>
+                <a:endParaRPr lang="fr-FR" sz="1100" dirty="0"/>
+              </a:p>
+            </p:txBody>
+          </p:sp>
+        </mc:Choice>
+        <mc:Fallback>
+          <p:sp>
+            <p:nvSpPr>
+              <p:cNvPr id="42" name="Rectangle 41">
+                <a:extLst>
+                  <a:ext uri="{FF2B5EF4-FFF2-40B4-BE49-F238E27FC236}">
+                    <a16:creationId xmlns:a16="http://schemas.microsoft.com/office/drawing/2014/main" id="{DA893BD7-10AA-4047-A777-BDD912BBF470}"/>
+                  </a:ext>
+                </a:extLst>
+              </p:cNvPr>
+              <p:cNvSpPr>
+                <a:spLocks noRot="1" noChangeAspect="1" noMove="1" noResize="1" noEditPoints="1" noAdjustHandles="1" noChangeArrowheads="1" noChangeShapeType="1" noTextEdit="1"/>
+              </p:cNvSpPr>
+              <p:nvPr/>
+            </p:nvSpPr>
+            <p:spPr>
+              <a:xfrm>
+                <a:off x="3205000" y="4143417"/>
+                <a:ext cx="536557" cy="261610"/>
+              </a:xfrm>
+              <a:prstGeom prst="rect">
+                <a:avLst/>
+              </a:prstGeom>
+              <a:blipFill>
+                <a:blip r:embed="rId7"/>
+                <a:stretch>
+                  <a:fillRect/>
+                </a:stretch>
+              </a:blipFill>
+            </p:spPr>
+            <p:txBody>
+              <a:bodyPr/>
+              <a:lstStyle/>
+              <a:p>
+                <a:r>
+                  <a:rPr lang="fr-FR">
+                    <a:noFill/>
+                  </a:rPr>
+                  <a:t> </a:t>
+                </a:r>
+              </a:p>
+            </p:txBody>
+          </p:sp>
+        </mc:Fallback>
+      </mc:AlternateContent>
+      <p:sp>
+        <p:nvSpPr>
+          <p:cNvPr id="47" name="Forme libre 25">
+            <a:extLst>
+              <a:ext uri="{FF2B5EF4-FFF2-40B4-BE49-F238E27FC236}">
+                <a16:creationId xmlns:a16="http://schemas.microsoft.com/office/drawing/2014/main" id="{2E5E1F74-F6E3-4735-A4F3-8E6869301D66}"/>
+              </a:ext>
+            </a:extLst>
+          </p:cNvPr>
+          <p:cNvSpPr/>
+          <p:nvPr/>
+        </p:nvSpPr>
+        <p:spPr>
+          <a:xfrm flipH="1" flipV="1">
+            <a:off x="3183234" y="4071407"/>
+            <a:ext cx="754545" cy="90606"/>
+          </a:xfrm>
+          <a:custGeom>
+            <a:avLst/>
+            <a:gdLst>
+              <a:gd name="connsiteX0" fmla="*/ 0 w 596900"/>
+              <a:gd name="connsiteY0" fmla="*/ 209768 h 209768"/>
+              <a:gd name="connsiteX1" fmla="*/ 317500 w 596900"/>
+              <a:gd name="connsiteY1" fmla="*/ 218 h 209768"/>
+              <a:gd name="connsiteX2" fmla="*/ 596900 w 596900"/>
+              <a:gd name="connsiteY2" fmla="*/ 178018 h 209768"/>
+              <a:gd name="connsiteX0" fmla="*/ 0 w 660400"/>
+              <a:gd name="connsiteY0" fmla="*/ 210341 h 280191"/>
+              <a:gd name="connsiteX1" fmla="*/ 317500 w 660400"/>
+              <a:gd name="connsiteY1" fmla="*/ 791 h 280191"/>
+              <a:gd name="connsiteX2" fmla="*/ 660400 w 660400"/>
+              <a:gd name="connsiteY2" fmla="*/ 280191 h 280191"/>
+              <a:gd name="connsiteX0" fmla="*/ 0 w 736600"/>
+              <a:gd name="connsiteY0" fmla="*/ 273055 h 279405"/>
+              <a:gd name="connsiteX1" fmla="*/ 393700 w 736600"/>
+              <a:gd name="connsiteY1" fmla="*/ 5 h 279405"/>
+              <a:gd name="connsiteX2" fmla="*/ 736600 w 736600"/>
+              <a:gd name="connsiteY2" fmla="*/ 279405 h 279405"/>
+              <a:gd name="connsiteX0" fmla="*/ 0 w 592096"/>
+              <a:gd name="connsiteY0" fmla="*/ 17772 h 567421"/>
+              <a:gd name="connsiteX1" fmla="*/ 249196 w 592096"/>
+              <a:gd name="connsiteY1" fmla="*/ 288021 h 567421"/>
+              <a:gd name="connsiteX2" fmla="*/ 592096 w 592096"/>
+              <a:gd name="connsiteY2" fmla="*/ 567421 h 567421"/>
+              <a:gd name="connsiteX0" fmla="*/ 0 w 592096"/>
+              <a:gd name="connsiteY0" fmla="*/ 0 h 549649"/>
+              <a:gd name="connsiteX1" fmla="*/ 592096 w 592096"/>
+              <a:gd name="connsiteY1" fmla="*/ 549649 h 549649"/>
+              <a:gd name="connsiteX0" fmla="*/ 0 w 592096"/>
+              <a:gd name="connsiteY0" fmla="*/ 4076 h 553725"/>
+              <a:gd name="connsiteX1" fmla="*/ 592096 w 592096"/>
+              <a:gd name="connsiteY1" fmla="*/ 553725 h 553725"/>
+            </a:gdLst>
+            <a:ahLst/>
+            <a:cxnLst>
+              <a:cxn ang="0">
+                <a:pos x="connsiteX0" y="connsiteY0"/>
+              </a:cxn>
+              <a:cxn ang="0">
+                <a:pos x="connsiteX1" y="connsiteY1"/>
+              </a:cxn>
+            </a:cxnLst>
+            <a:rect l="l" t="t" r="r" b="b"/>
+            <a:pathLst>
+              <a:path w="592096" h="553725">
+                <a:moveTo>
+                  <a:pt x="0" y="4076"/>
+                </a:moveTo>
+                <a:cubicBezTo>
+                  <a:pt x="371766" y="-45548"/>
+                  <a:pt x="394731" y="370509"/>
+                  <a:pt x="592096" y="553725"/>
+                </a:cubicBezTo>
+              </a:path>
+            </a:pathLst>
+          </a:custGeom>
+          <a:noFill/>
+          <a:ln>
+            <a:solidFill>
+              <a:srgbClr val="C00000"/>
+            </a:solidFill>
+            <a:headEnd type="none" w="med" len="lg"/>
+            <a:tailEnd type="stealth" w="med" len="lg"/>
+          </a:ln>
+        </p:spPr>
+        <p:style>
+          <a:lnRef idx="2">
+            <a:schemeClr val="accent1">
+              <a:shade val="50000"/>
+            </a:schemeClr>
+          </a:lnRef>
+          <a:fillRef idx="1">
+            <a:schemeClr val="accent1"/>
+          </a:fillRef>
+          <a:effectRef idx="0">
+            <a:schemeClr val="accent1"/>
+          </a:effectRef>
+          <a:fontRef idx="minor">
+            <a:schemeClr val="lt1"/>
+          </a:fontRef>
+        </p:style>
+        <p:txBody>
+          <a:bodyPr rtlCol="0" anchor="ctr"/>
+          <a:lstStyle/>
+          <a:p>
+            <a:pPr algn="ctr"/>
+            <a:endParaRPr lang="fr-FR"/>
+          </a:p>
+        </p:txBody>
+      </p:sp>
+      <mc:AlternateContent xmlns:mc="http://schemas.openxmlformats.org/markup-compatibility/2006">
+        <mc:Choice xmlns:a14="http://schemas.microsoft.com/office/drawing/2010/main" Requires="a14">
+          <p:sp>
+            <p:nvSpPr>
+              <p:cNvPr id="48" name="Rectangle 47">
+                <a:extLst>
+                  <a:ext uri="{FF2B5EF4-FFF2-40B4-BE49-F238E27FC236}">
+                    <a16:creationId xmlns:a16="http://schemas.microsoft.com/office/drawing/2014/main" id="{C5152334-C582-465B-A8D4-E0860DA3210A}"/>
+                  </a:ext>
+                </a:extLst>
+              </p:cNvPr>
+              <p:cNvSpPr/>
+              <p:nvPr/>
+            </p:nvSpPr>
+            <p:spPr>
+              <a:xfrm>
+                <a:off x="3900830" y="4144138"/>
+                <a:ext cx="642355" cy="261610"/>
+              </a:xfrm>
+              <a:prstGeom prst="rect">
+                <a:avLst/>
+              </a:prstGeom>
+            </p:spPr>
+            <p:txBody>
+              <a:bodyPr wrap="none">
+                <a:spAutoFit/>
+              </a:bodyPr>
+              <a:lstStyle/>
+              <a:p>
+                <a:pPr/>
+                <a14:m>
+                  <m:oMathPara xmlns:m="http://schemas.openxmlformats.org/officeDocument/2006/math">
+                    <m:oMathParaPr>
+                      <m:jc m:val="centerGroup"/>
+                    </m:oMathParaPr>
+                    <m:oMath xmlns:m="http://schemas.openxmlformats.org/officeDocument/2006/math">
+                      <m:r>
+                        <a:rPr lang="fr-FR" sz="1100" b="0" i="1" smtClean="0">
+                          <a:latin typeface="Cambria Math" panose="02040503050406030204" pitchFamily="18" charset="0"/>
+                        </a:rPr>
+                        <m:t>−</m:t>
+                      </m:r>
+                      <m:sSub>
+                        <m:sSubPr>
+                          <m:ctrlPr>
+                            <a:rPr lang="fr-FR" sz="1100" i="1" smtClean="0">
+                              <a:latin typeface="Cambria Math" panose="02040503050406030204" pitchFamily="18" charset="0"/>
+                            </a:rPr>
+                          </m:ctrlPr>
+                        </m:sSubPr>
+                        <m:e>
+                          <m:r>
+                            <a:rPr lang="fr-FR" sz="1100" b="0" i="1" smtClean="0">
+                              <a:latin typeface="Cambria Math"/>
+                            </a:rPr>
+                            <m:t>𝐶</m:t>
+                          </m:r>
+                        </m:e>
+                        <m:sub>
+                          <m:r>
+                            <a:rPr lang="fr-FR" sz="1100" b="0" i="1" smtClean="0">
+                              <a:latin typeface="Cambria Math" panose="02040503050406030204" pitchFamily="18" charset="0"/>
+                            </a:rPr>
+                            <m:t>𝑚</m:t>
+                          </m:r>
+                        </m:sub>
+                      </m:sSub>
+                      <m:acc>
+                        <m:accPr>
+                          <m:chr m:val="⃗"/>
+                          <m:ctrlPr>
+                            <a:rPr lang="fr-FR" sz="1100" i="1">
+                              <a:latin typeface="Cambria Math" panose="02040503050406030204" pitchFamily="18" charset="0"/>
+                            </a:rPr>
+                          </m:ctrlPr>
+                        </m:accPr>
+                        <m:e>
+                          <m:sSub>
+                            <m:sSubPr>
+                              <m:ctrlPr>
+                                <a:rPr lang="fr-FR" sz="1100" i="1">
+                                  <a:latin typeface="Cambria Math" panose="02040503050406030204" pitchFamily="18" charset="0"/>
+                                </a:rPr>
+                              </m:ctrlPr>
+                            </m:sSubPr>
+                            <m:e>
+                              <m:r>
+                                <a:rPr lang="fr-FR" sz="1100" b="0" i="1" smtClean="0">
+                                  <a:latin typeface="Cambria Math" panose="02040503050406030204" pitchFamily="18" charset="0"/>
+                                </a:rPr>
+                                <m:t>𝑦</m:t>
+                              </m:r>
+                            </m:e>
+                            <m:sub>
+                              <m:r>
+                                <a:rPr lang="fr-FR" sz="1100" b="0" i="1" smtClean="0">
+                                  <a:latin typeface="Cambria Math" panose="02040503050406030204" pitchFamily="18" charset="0"/>
+                                </a:rPr>
+                                <m:t>0</m:t>
+                              </m:r>
+                            </m:sub>
+                          </m:sSub>
+                        </m:e>
+                      </m:acc>
+                    </m:oMath>
+                  </m:oMathPara>
+                </a14:m>
+                <a:endParaRPr lang="fr-FR" sz="1100" dirty="0"/>
+              </a:p>
+            </p:txBody>
+          </p:sp>
+        </mc:Choice>
+        <mc:Fallback>
+          <p:sp>
+            <p:nvSpPr>
+              <p:cNvPr id="48" name="Rectangle 47">
+                <a:extLst>
+                  <a:ext uri="{FF2B5EF4-FFF2-40B4-BE49-F238E27FC236}">
+                    <a16:creationId xmlns:a16="http://schemas.microsoft.com/office/drawing/2014/main" id="{C5152334-C582-465B-A8D4-E0860DA3210A}"/>
+                  </a:ext>
+                </a:extLst>
+              </p:cNvPr>
+              <p:cNvSpPr>
+                <a:spLocks noRot="1" noChangeAspect="1" noMove="1" noResize="1" noEditPoints="1" noAdjustHandles="1" noChangeArrowheads="1" noChangeShapeType="1" noTextEdit="1"/>
+              </p:cNvSpPr>
+              <p:nvPr/>
+            </p:nvSpPr>
+            <p:spPr>
+              <a:xfrm>
+                <a:off x="3900830" y="4144138"/>
+                <a:ext cx="642355" cy="261610"/>
+              </a:xfrm>
+              <a:prstGeom prst="rect">
+                <a:avLst/>
+              </a:prstGeom>
+              <a:blipFill>
+                <a:blip r:embed="rId8"/>
+                <a:stretch>
+                  <a:fillRect/>
+                </a:stretch>
+              </a:blipFill>
+            </p:spPr>
+            <p:txBody>
+              <a:bodyPr/>
+              <a:lstStyle/>
+              <a:p>
+                <a:r>
+                  <a:rPr lang="fr-FR">
+                    <a:noFill/>
+                  </a:rPr>
+                  <a:t> </a:t>
+                </a:r>
+              </a:p>
+            </p:txBody>
+          </p:sp>
+        </mc:Fallback>
+      </mc:AlternateContent>
     </p:spTree>
     <p:extLst>
       <p:ext uri="{BB962C8B-B14F-4D97-AF65-F5344CB8AC3E}">

--- a/Chapitre_01_Energetique/Cy_06_01_TD_04_Twizy_AREVOIR/images/Figures.pptx
+++ b/Chapitre_01_Energetique/Cy_06_01_TD_04_Twizy_AREVOIR/images/Figures.pptx
@@ -313,7 +313,7 @@
           <a:p>
             <a:fld id="{AA309A6D-C09C-4548-B29A-6CF363A7E532}" type="datetimeFigureOut">
               <a:rPr lang="fr-FR" smtClean="0"/>
-              <a:t>23/01/2020</a:t>
+              <a:t>25/01/2020</a:t>
             </a:fld>
             <a:endParaRPr lang="fr-BE"/>
           </a:p>
@@ -478,7 +478,7 @@
           <a:p>
             <a:fld id="{AA309A6D-C09C-4548-B29A-6CF363A7E532}" type="datetimeFigureOut">
               <a:rPr lang="fr-FR" smtClean="0"/>
-              <a:t>23/01/2020</a:t>
+              <a:t>25/01/2020</a:t>
             </a:fld>
             <a:endParaRPr lang="fr-BE"/>
           </a:p>
@@ -653,7 +653,7 @@
           <a:p>
             <a:fld id="{AA309A6D-C09C-4548-B29A-6CF363A7E532}" type="datetimeFigureOut">
               <a:rPr lang="fr-FR" smtClean="0"/>
-              <a:t>23/01/2020</a:t>
+              <a:t>25/01/2020</a:t>
             </a:fld>
             <a:endParaRPr lang="fr-BE"/>
           </a:p>
@@ -818,7 +818,7 @@
           <a:p>
             <a:fld id="{AA309A6D-C09C-4548-B29A-6CF363A7E532}" type="datetimeFigureOut">
               <a:rPr lang="fr-FR" smtClean="0"/>
-              <a:t>23/01/2020</a:t>
+              <a:t>25/01/2020</a:t>
             </a:fld>
             <a:endParaRPr lang="fr-BE"/>
           </a:p>
@@ -1059,7 +1059,7 @@
           <a:p>
             <a:fld id="{AA309A6D-C09C-4548-B29A-6CF363A7E532}" type="datetimeFigureOut">
               <a:rPr lang="fr-FR" smtClean="0"/>
-              <a:t>23/01/2020</a:t>
+              <a:t>25/01/2020</a:t>
             </a:fld>
             <a:endParaRPr lang="fr-BE"/>
           </a:p>
@@ -1342,7 +1342,7 @@
           <a:p>
             <a:fld id="{AA309A6D-C09C-4548-B29A-6CF363A7E532}" type="datetimeFigureOut">
               <a:rPr lang="fr-FR" smtClean="0"/>
-              <a:t>23/01/2020</a:t>
+              <a:t>25/01/2020</a:t>
             </a:fld>
             <a:endParaRPr lang="fr-BE"/>
           </a:p>
@@ -1759,7 +1759,7 @@
           <a:p>
             <a:fld id="{AA309A6D-C09C-4548-B29A-6CF363A7E532}" type="datetimeFigureOut">
               <a:rPr lang="fr-FR" smtClean="0"/>
-              <a:t>23/01/2020</a:t>
+              <a:t>25/01/2020</a:t>
             </a:fld>
             <a:endParaRPr lang="fr-BE"/>
           </a:p>
@@ -1872,7 +1872,7 @@
           <a:p>
             <a:fld id="{AA309A6D-C09C-4548-B29A-6CF363A7E532}" type="datetimeFigureOut">
               <a:rPr lang="fr-FR" smtClean="0"/>
-              <a:t>23/01/2020</a:t>
+              <a:t>25/01/2020</a:t>
             </a:fld>
             <a:endParaRPr lang="fr-BE"/>
           </a:p>
@@ -1962,7 +1962,7 @@
           <a:p>
             <a:fld id="{AA309A6D-C09C-4548-B29A-6CF363A7E532}" type="datetimeFigureOut">
               <a:rPr lang="fr-FR" smtClean="0"/>
-              <a:t>23/01/2020</a:t>
+              <a:t>25/01/2020</a:t>
             </a:fld>
             <a:endParaRPr lang="fr-BE"/>
           </a:p>
@@ -2234,7 +2234,7 @@
           <a:p>
             <a:fld id="{AA309A6D-C09C-4548-B29A-6CF363A7E532}" type="datetimeFigureOut">
               <a:rPr lang="fr-FR" smtClean="0"/>
-              <a:t>23/01/2020</a:t>
+              <a:t>25/01/2020</a:t>
             </a:fld>
             <a:endParaRPr lang="fr-BE"/>
           </a:p>
@@ -2482,7 +2482,7 @@
           <a:p>
             <a:fld id="{AA309A6D-C09C-4548-B29A-6CF363A7E532}" type="datetimeFigureOut">
               <a:rPr lang="fr-FR" smtClean="0"/>
-              <a:t>23/01/2020</a:t>
+              <a:t>25/01/2020</a:t>
             </a:fld>
             <a:endParaRPr lang="fr-BE"/>
           </a:p>
@@ -2690,7 +2690,7 @@
           <a:p>
             <a:fld id="{AA309A6D-C09C-4548-B29A-6CF363A7E532}" type="datetimeFigureOut">
               <a:rPr lang="fr-FR" smtClean="0"/>
-              <a:t>23/01/2020</a:t>
+              <a:t>25/01/2020</a:t>
             </a:fld>
             <a:endParaRPr lang="fr-BE"/>
           </a:p>
@@ -4243,8 +4243,8 @@
           </p:sp>
         </mc:Fallback>
       </mc:AlternateContent>
-      <mc:AlternateContent xmlns:mc="http://schemas.openxmlformats.org/markup-compatibility/2006">
-        <mc:Choice xmlns:a14="http://schemas.microsoft.com/office/drawing/2010/main" Requires="a14">
+      <mc:AlternateContent xmlns:mc="http://schemas.openxmlformats.org/markup-compatibility/2006" xmlns:a14="http://schemas.microsoft.com/office/drawing/2010/main">
+        <mc:Choice Requires="a14">
           <p:sp>
             <p:nvSpPr>
               <p:cNvPr id="50" name="ZoneTexte 49">
@@ -4374,7 +4374,7 @@
             </p:txBody>
           </p:sp>
         </mc:Choice>
-        <mc:Fallback>
+        <mc:Fallback xmlns="">
           <p:sp>
             <p:nvSpPr>
               <p:cNvPr id="50" name="ZoneTexte 49">
@@ -4464,8 +4464,8 @@
           </a:fontRef>
         </p:style>
       </p:cxnSp>
-      <mc:AlternateContent xmlns:mc="http://schemas.openxmlformats.org/markup-compatibility/2006">
-        <mc:Choice xmlns:a14="http://schemas.microsoft.com/office/drawing/2010/main" Requires="a14">
+      <mc:AlternateContent xmlns:mc="http://schemas.openxmlformats.org/markup-compatibility/2006" xmlns:a14="http://schemas.microsoft.com/office/drawing/2010/main">
+        <mc:Choice Requires="a14">
           <p:sp>
             <p:nvSpPr>
               <p:cNvPr id="56" name="ZoneTexte 55">
@@ -4568,7 +4568,7 @@
             </p:txBody>
           </p:sp>
         </mc:Choice>
-        <mc:Fallback>
+        <mc:Fallback xmlns="">
           <p:sp>
             <p:nvSpPr>
               <p:cNvPr id="56" name="ZoneTexte 55">
@@ -4949,8 +4949,8 @@
           </a:p>
         </p:txBody>
       </p:sp>
-      <mc:AlternateContent xmlns:mc="http://schemas.openxmlformats.org/markup-compatibility/2006">
-        <mc:Choice xmlns:a14="http://schemas.microsoft.com/office/drawing/2010/main" Requires="a14">
+      <mc:AlternateContent xmlns:mc="http://schemas.openxmlformats.org/markup-compatibility/2006" xmlns:a14="http://schemas.microsoft.com/office/drawing/2010/main">
+        <mc:Choice Requires="a14">
           <p:sp>
             <p:nvSpPr>
               <p:cNvPr id="42" name="Rectangle 41">
@@ -5055,7 +5055,7 @@
             </p:txBody>
           </p:sp>
         </mc:Choice>
-        <mc:Fallback>
+        <mc:Fallback xmlns="">
           <p:sp>
             <p:nvSpPr>
               <p:cNvPr id="42" name="Rectangle 41">
@@ -5210,8 +5210,8 @@
           </a:p>
         </p:txBody>
       </p:sp>
-      <mc:AlternateContent xmlns:mc="http://schemas.openxmlformats.org/markup-compatibility/2006">
-        <mc:Choice xmlns:a14="http://schemas.microsoft.com/office/drawing/2010/main" Requires="a14">
+      <mc:AlternateContent xmlns:mc="http://schemas.openxmlformats.org/markup-compatibility/2006" xmlns:a14="http://schemas.microsoft.com/office/drawing/2010/main">
+        <mc:Choice Requires="a14">
           <p:sp>
             <p:nvSpPr>
               <p:cNvPr id="48" name="Rectangle 47">
@@ -5322,7 +5322,7 @@
             </p:txBody>
           </p:sp>
         </mc:Choice>
-        <mc:Fallback>
+        <mc:Fallback xmlns="">
           <p:sp>
             <p:nvSpPr>
               <p:cNvPr id="48" name="Rectangle 47">
